--- a/JUnit_intensiv.pptx
+++ b/JUnit_intensiv.pptx
@@ -947,7 +947,7 @@
             <a:fld id="{B61BEF0D-F0BB-DE4B-95CE-6DB70DBA9567}" type="datetimeFigureOut">
               <a:rPr lang="en-US" dirty="0"/>
               <a:pPr/>
-              <a:t>11/21/2023</a:t>
+              <a:t>11/23/2023</a:t>
             </a:fld>
             <a:endParaRPr lang="en-US" dirty="0"/>
           </a:p>
@@ -1195,7 +1195,7 @@
             <a:fld id="{B61BEF0D-F0BB-DE4B-95CE-6DB70DBA9567}" type="datetimeFigureOut">
               <a:rPr lang="en-US" dirty="0"/>
               <a:pPr/>
-              <a:t>11/21/2023</a:t>
+              <a:t>11/23/2023</a:t>
             </a:fld>
             <a:endParaRPr lang="en-US" dirty="0"/>
           </a:p>
@@ -1506,7 +1506,7 @@
             <a:fld id="{B61BEF0D-F0BB-DE4B-95CE-6DB70DBA9567}" type="datetimeFigureOut">
               <a:rPr lang="en-US" dirty="0"/>
               <a:pPr/>
-              <a:t>11/21/2023</a:t>
+              <a:t>11/23/2023</a:t>
             </a:fld>
             <a:endParaRPr lang="en-US" dirty="0"/>
           </a:p>
@@ -1844,7 +1844,7 @@
             <a:fld id="{B61BEF0D-F0BB-DE4B-95CE-6DB70DBA9567}" type="datetimeFigureOut">
               <a:rPr lang="en-US" dirty="0"/>
               <a:pPr/>
-              <a:t>11/21/2023</a:t>
+              <a:t>11/23/2023</a:t>
             </a:fld>
             <a:endParaRPr lang="en-US" dirty="0"/>
           </a:p>
@@ -2155,7 +2155,7 @@
             <a:fld id="{B61BEF0D-F0BB-DE4B-95CE-6DB70DBA9567}" type="datetimeFigureOut">
               <a:rPr lang="en-US" dirty="0"/>
               <a:pPr/>
-              <a:t>11/21/2023</a:t>
+              <a:t>11/23/2023</a:t>
             </a:fld>
             <a:endParaRPr lang="en-US" dirty="0"/>
           </a:p>
@@ -2545,7 +2545,7 @@
             <a:fld id="{B61BEF0D-F0BB-DE4B-95CE-6DB70DBA9567}" type="datetimeFigureOut">
               <a:rPr lang="en-US" dirty="0"/>
               <a:pPr/>
-              <a:t>11/21/2023</a:t>
+              <a:t>11/23/2023</a:t>
             </a:fld>
             <a:endParaRPr lang="en-US" dirty="0"/>
           </a:p>
@@ -2711,7 +2711,7 @@
           <a:p>
             <a:fld id="{55C6B4A9-1611-4792-9094-5F34BCA07E0B}" type="datetimeFigureOut">
               <a:rPr lang="en-US" dirty="0"/>
-              <a:t>11/21/2023</a:t>
+              <a:t>11/23/2023</a:t>
             </a:fld>
             <a:endParaRPr lang="en-US" dirty="0"/>
           </a:p>
@@ -2887,7 +2887,7 @@
             <a:fld id="{B61BEF0D-F0BB-DE4B-95CE-6DB70DBA9567}" type="datetimeFigureOut">
               <a:rPr lang="en-US" dirty="0"/>
               <a:pPr/>
-              <a:t>11/21/2023</a:t>
+              <a:t>11/23/2023</a:t>
             </a:fld>
             <a:endParaRPr lang="en-US" dirty="0"/>
           </a:p>
@@ -3060,7 +3060,7 @@
             <a:fld id="{B61BEF0D-F0BB-DE4B-95CE-6DB70DBA9567}" type="datetimeFigureOut">
               <a:rPr lang="en-US" dirty="0"/>
               <a:pPr/>
-              <a:t>11/21/2023</a:t>
+              <a:t>11/23/2023</a:t>
             </a:fld>
             <a:endParaRPr lang="en-US" dirty="0"/>
           </a:p>
@@ -3304,7 +3304,7 @@
             <a:fld id="{B61BEF0D-F0BB-DE4B-95CE-6DB70DBA9567}" type="datetimeFigureOut">
               <a:rPr lang="en-US" dirty="0"/>
               <a:pPr/>
-              <a:t>11/21/2023</a:t>
+              <a:t>11/23/2023</a:t>
             </a:fld>
             <a:endParaRPr lang="en-US" dirty="0"/>
           </a:p>
@@ -3532,7 +3532,7 @@
           <a:p>
             <a:fld id="{EB712588-04B1-427B-82EE-E8DB90309F08}" type="datetimeFigureOut">
               <a:rPr lang="en-US" dirty="0"/>
-              <a:t>11/21/2023</a:t>
+              <a:t>11/23/2023</a:t>
             </a:fld>
             <a:endParaRPr lang="en-US" dirty="0"/>
           </a:p>
@@ -3902,7 +3902,7 @@
             <a:fld id="{B61BEF0D-F0BB-DE4B-95CE-6DB70DBA9567}" type="datetimeFigureOut">
               <a:rPr lang="en-US" dirty="0"/>
               <a:pPr/>
-              <a:t>11/21/2023</a:t>
+              <a:t>11/23/2023</a:t>
             </a:fld>
             <a:endParaRPr lang="en-US" dirty="0"/>
           </a:p>
@@ -4022,7 +4022,7 @@
             <a:fld id="{B61BEF0D-F0BB-DE4B-95CE-6DB70DBA9567}" type="datetimeFigureOut">
               <a:rPr lang="en-US" dirty="0"/>
               <a:pPr/>
-              <a:t>11/21/2023</a:t>
+              <a:t>11/23/2023</a:t>
             </a:fld>
             <a:endParaRPr lang="en-US" dirty="0"/>
           </a:p>
@@ -4114,7 +4114,7 @@
             <a:fld id="{B61BEF0D-F0BB-DE4B-95CE-6DB70DBA9567}" type="datetimeFigureOut">
               <a:rPr lang="en-US" dirty="0"/>
               <a:pPr/>
-              <a:t>11/21/2023</a:t>
+              <a:t>11/23/2023</a:t>
             </a:fld>
             <a:endParaRPr lang="en-US" dirty="0"/>
           </a:p>
@@ -4365,7 +4365,7 @@
           <a:p>
             <a:fld id="{42A54C80-263E-416B-A8E0-580EDEADCBDC}" type="datetimeFigureOut">
               <a:rPr lang="en-US" dirty="0"/>
-              <a:t>11/21/2023</a:t>
+              <a:t>11/23/2023</a:t>
             </a:fld>
             <a:endParaRPr lang="en-US" dirty="0"/>
           </a:p>
@@ -4624,7 +4624,7 @@
             <a:fld id="{B61BEF0D-F0BB-DE4B-95CE-6DB70DBA9567}" type="datetimeFigureOut">
               <a:rPr lang="en-US" dirty="0"/>
               <a:pPr/>
-              <a:t>11/21/2023</a:t>
+              <a:t>11/23/2023</a:t>
             </a:fld>
             <a:endParaRPr lang="en-US" dirty="0"/>
           </a:p>
@@ -5430,7 +5430,7 @@
             <a:fld id="{B61BEF0D-F0BB-DE4B-95CE-6DB70DBA9567}" type="datetimeFigureOut">
               <a:rPr lang="en-US" dirty="0"/>
               <a:pPr/>
-              <a:t>11/21/2023</a:t>
+              <a:t>11/23/2023</a:t>
             </a:fld>
             <a:endParaRPr lang="en-US" dirty="0"/>
           </a:p>
@@ -11789,20 +11789,28 @@
             </a:r>
             <a:r>
               <a:rPr lang="de-DE" dirty="0"/>
-              <a:t> zur Verfügung gestellt: </a:t>
-            </a:r>
-            <a:r>
-              <a:rPr lang="de-DE" dirty="0">
+              <a:t> zur Verfügung gestellt</a:t>
+            </a:r>
+            <a:r>
+              <a:rPr lang="de-DE"/>
+              <a:t>: </a:t>
+            </a:r>
+            <a:r>
+              <a:rPr lang="de-DE">
                 <a:hlinkClick r:id="rId2"/>
               </a:rPr>
-              <a:t>https://github.com/MichaelZett</a:t>
-            </a:r>
-            <a:endParaRPr lang="de-DE" dirty="0"/>
-          </a:p>
-          <a:p>
-            <a:r>
-              <a:rPr lang="de-DE" dirty="0"/>
-              <a:t>Viele Dinge werde ich am Code zeigen. Da ist es sinnvoll vor allem zuzugucken</a:t>
+              <a:t>https://github.com/MichaelZett/20231123_junit</a:t>
+            </a:r>
+            <a:endParaRPr lang="de-DE"/>
+          </a:p>
+          <a:p>
+            <a:r>
+              <a:rPr lang="de-DE"/>
+              <a:t>Viele </a:t>
+            </a:r>
+            <a:r>
+              <a:rPr lang="de-DE" dirty="0"/>
+              <a:t>Dinge werde ich am Code zeigen. Da ist es sinnvoll vor allem zuzugucken</a:t>
             </a:r>
           </a:p>
           <a:p>

--- a/JUnit_intensiv.pptx
+++ b/JUnit_intensiv.pptx
@@ -92,34 +92,38 @@
     <p:sldId id="293" r:id="rId86"/>
     <p:sldId id="261" r:id="rId87"/>
     <p:sldId id="295" r:id="rId88"/>
-    <p:sldId id="468" r:id="rId89"/>
-    <p:sldId id="815" r:id="rId90"/>
-    <p:sldId id="816" r:id="rId91"/>
-    <p:sldId id="294" r:id="rId92"/>
-    <p:sldId id="469" r:id="rId93"/>
-    <p:sldId id="480" r:id="rId94"/>
-    <p:sldId id="811" r:id="rId95"/>
-    <p:sldId id="817" r:id="rId96"/>
-    <p:sldId id="818" r:id="rId97"/>
-    <p:sldId id="819" r:id="rId98"/>
-    <p:sldId id="820" r:id="rId99"/>
-    <p:sldId id="821" r:id="rId100"/>
-    <p:sldId id="845" r:id="rId101"/>
-    <p:sldId id="296" r:id="rId102"/>
-    <p:sldId id="470" r:id="rId103"/>
-    <p:sldId id="481" r:id="rId104"/>
-    <p:sldId id="260" r:id="rId105"/>
-    <p:sldId id="297" r:id="rId106"/>
-    <p:sldId id="298" r:id="rId107"/>
-    <p:sldId id="471" r:id="rId108"/>
-    <p:sldId id="290" r:id="rId109"/>
-    <p:sldId id="812" r:id="rId110"/>
-    <p:sldId id="262" r:id="rId111"/>
+    <p:sldId id="846" r:id="rId89"/>
+    <p:sldId id="468" r:id="rId90"/>
+    <p:sldId id="294" r:id="rId91"/>
+    <p:sldId id="849" r:id="rId92"/>
+    <p:sldId id="847" r:id="rId93"/>
+    <p:sldId id="848" r:id="rId94"/>
+    <p:sldId id="815" r:id="rId95"/>
+    <p:sldId id="816" r:id="rId96"/>
+    <p:sldId id="469" r:id="rId97"/>
+    <p:sldId id="480" r:id="rId98"/>
+    <p:sldId id="811" r:id="rId99"/>
+    <p:sldId id="817" r:id="rId100"/>
+    <p:sldId id="818" r:id="rId101"/>
+    <p:sldId id="819" r:id="rId102"/>
+    <p:sldId id="820" r:id="rId103"/>
+    <p:sldId id="821" r:id="rId104"/>
+    <p:sldId id="845" r:id="rId105"/>
+    <p:sldId id="296" r:id="rId106"/>
+    <p:sldId id="470" r:id="rId107"/>
+    <p:sldId id="481" r:id="rId108"/>
+    <p:sldId id="260" r:id="rId109"/>
+    <p:sldId id="297" r:id="rId110"/>
+    <p:sldId id="298" r:id="rId111"/>
+    <p:sldId id="471" r:id="rId112"/>
+    <p:sldId id="290" r:id="rId113"/>
+    <p:sldId id="812" r:id="rId114"/>
+    <p:sldId id="262" r:id="rId115"/>
   </p:sldIdLst>
   <p:sldSz cx="12192000" cy="6858000"/>
   <p:notesSz cx="6858000" cy="9144000"/>
   <p:custDataLst>
-    <p:tags r:id="rId112"/>
+    <p:tags r:id="rId116"/>
   </p:custDataLst>
   <p:defaultTextStyle>
     <a:defPPr>
@@ -947,7 +951,7 @@
             <a:fld id="{B61BEF0D-F0BB-DE4B-95CE-6DB70DBA9567}" type="datetimeFigureOut">
               <a:rPr lang="en-US" dirty="0"/>
               <a:pPr/>
-              <a:t>11/23/2023</a:t>
+              <a:t>11/24/2023</a:t>
             </a:fld>
             <a:endParaRPr lang="en-US" dirty="0"/>
           </a:p>
@@ -1195,7 +1199,7 @@
             <a:fld id="{B61BEF0D-F0BB-DE4B-95CE-6DB70DBA9567}" type="datetimeFigureOut">
               <a:rPr lang="en-US" dirty="0"/>
               <a:pPr/>
-              <a:t>11/23/2023</a:t>
+              <a:t>11/24/2023</a:t>
             </a:fld>
             <a:endParaRPr lang="en-US" dirty="0"/>
           </a:p>
@@ -1506,7 +1510,7 @@
             <a:fld id="{B61BEF0D-F0BB-DE4B-95CE-6DB70DBA9567}" type="datetimeFigureOut">
               <a:rPr lang="en-US" dirty="0"/>
               <a:pPr/>
-              <a:t>11/23/2023</a:t>
+              <a:t>11/24/2023</a:t>
             </a:fld>
             <a:endParaRPr lang="en-US" dirty="0"/>
           </a:p>
@@ -1844,7 +1848,7 @@
             <a:fld id="{B61BEF0D-F0BB-DE4B-95CE-6DB70DBA9567}" type="datetimeFigureOut">
               <a:rPr lang="en-US" dirty="0"/>
               <a:pPr/>
-              <a:t>11/23/2023</a:t>
+              <a:t>11/24/2023</a:t>
             </a:fld>
             <a:endParaRPr lang="en-US" dirty="0"/>
           </a:p>
@@ -2155,7 +2159,7 @@
             <a:fld id="{B61BEF0D-F0BB-DE4B-95CE-6DB70DBA9567}" type="datetimeFigureOut">
               <a:rPr lang="en-US" dirty="0"/>
               <a:pPr/>
-              <a:t>11/23/2023</a:t>
+              <a:t>11/24/2023</a:t>
             </a:fld>
             <a:endParaRPr lang="en-US" dirty="0"/>
           </a:p>
@@ -2545,7 +2549,7 @@
             <a:fld id="{B61BEF0D-F0BB-DE4B-95CE-6DB70DBA9567}" type="datetimeFigureOut">
               <a:rPr lang="en-US" dirty="0"/>
               <a:pPr/>
-              <a:t>11/23/2023</a:t>
+              <a:t>11/24/2023</a:t>
             </a:fld>
             <a:endParaRPr lang="en-US" dirty="0"/>
           </a:p>
@@ -2711,7 +2715,7 @@
           <a:p>
             <a:fld id="{55C6B4A9-1611-4792-9094-5F34BCA07E0B}" type="datetimeFigureOut">
               <a:rPr lang="en-US" dirty="0"/>
-              <a:t>11/23/2023</a:t>
+              <a:t>11/24/2023</a:t>
             </a:fld>
             <a:endParaRPr lang="en-US" dirty="0"/>
           </a:p>
@@ -2887,7 +2891,7 @@
             <a:fld id="{B61BEF0D-F0BB-DE4B-95CE-6DB70DBA9567}" type="datetimeFigureOut">
               <a:rPr lang="en-US" dirty="0"/>
               <a:pPr/>
-              <a:t>11/23/2023</a:t>
+              <a:t>11/24/2023</a:t>
             </a:fld>
             <a:endParaRPr lang="en-US" dirty="0"/>
           </a:p>
@@ -3060,7 +3064,7 @@
             <a:fld id="{B61BEF0D-F0BB-DE4B-95CE-6DB70DBA9567}" type="datetimeFigureOut">
               <a:rPr lang="en-US" dirty="0"/>
               <a:pPr/>
-              <a:t>11/23/2023</a:t>
+              <a:t>11/24/2023</a:t>
             </a:fld>
             <a:endParaRPr lang="en-US" dirty="0"/>
           </a:p>
@@ -3304,7 +3308,7 @@
             <a:fld id="{B61BEF0D-F0BB-DE4B-95CE-6DB70DBA9567}" type="datetimeFigureOut">
               <a:rPr lang="en-US" dirty="0"/>
               <a:pPr/>
-              <a:t>11/23/2023</a:t>
+              <a:t>11/24/2023</a:t>
             </a:fld>
             <a:endParaRPr lang="en-US" dirty="0"/>
           </a:p>
@@ -3532,7 +3536,7 @@
           <a:p>
             <a:fld id="{EB712588-04B1-427B-82EE-E8DB90309F08}" type="datetimeFigureOut">
               <a:rPr lang="en-US" dirty="0"/>
-              <a:t>11/23/2023</a:t>
+              <a:t>11/24/2023</a:t>
             </a:fld>
             <a:endParaRPr lang="en-US" dirty="0"/>
           </a:p>
@@ -3902,7 +3906,7 @@
             <a:fld id="{B61BEF0D-F0BB-DE4B-95CE-6DB70DBA9567}" type="datetimeFigureOut">
               <a:rPr lang="en-US" dirty="0"/>
               <a:pPr/>
-              <a:t>11/23/2023</a:t>
+              <a:t>11/24/2023</a:t>
             </a:fld>
             <a:endParaRPr lang="en-US" dirty="0"/>
           </a:p>
@@ -4022,7 +4026,7 @@
             <a:fld id="{B61BEF0D-F0BB-DE4B-95CE-6DB70DBA9567}" type="datetimeFigureOut">
               <a:rPr lang="en-US" dirty="0"/>
               <a:pPr/>
-              <a:t>11/23/2023</a:t>
+              <a:t>11/24/2023</a:t>
             </a:fld>
             <a:endParaRPr lang="en-US" dirty="0"/>
           </a:p>
@@ -4114,7 +4118,7 @@
             <a:fld id="{B61BEF0D-F0BB-DE4B-95CE-6DB70DBA9567}" type="datetimeFigureOut">
               <a:rPr lang="en-US" dirty="0"/>
               <a:pPr/>
-              <a:t>11/23/2023</a:t>
+              <a:t>11/24/2023</a:t>
             </a:fld>
             <a:endParaRPr lang="en-US" dirty="0"/>
           </a:p>
@@ -4365,7 +4369,7 @@
           <a:p>
             <a:fld id="{42A54C80-263E-416B-A8E0-580EDEADCBDC}" type="datetimeFigureOut">
               <a:rPr lang="en-US" dirty="0"/>
-              <a:t>11/23/2023</a:t>
+              <a:t>11/24/2023</a:t>
             </a:fld>
             <a:endParaRPr lang="en-US" dirty="0"/>
           </a:p>
@@ -4624,7 +4628,7 @@
             <a:fld id="{B61BEF0D-F0BB-DE4B-95CE-6DB70DBA9567}" type="datetimeFigureOut">
               <a:rPr lang="en-US" dirty="0"/>
               <a:pPr/>
-              <a:t>11/23/2023</a:t>
+              <a:t>11/24/2023</a:t>
             </a:fld>
             <a:endParaRPr lang="en-US" dirty="0"/>
           </a:p>
@@ -5430,7 +5434,7 @@
             <a:fld id="{B61BEF0D-F0BB-DE4B-95CE-6DB70DBA9567}" type="datetimeFigureOut">
               <a:rPr lang="en-US" dirty="0"/>
               <a:pPr/>
-              <a:t>11/23/2023</a:t>
+              <a:t>11/24/2023</a:t>
             </a:fld>
             <a:endParaRPr lang="en-US" dirty="0"/>
           </a:p>
@@ -6257,7 +6261,7 @@
           <p:cNvPr id="2" name="Titel 1">
             <a:extLst>
               <a:ext uri="{FF2B5EF4-FFF2-40B4-BE49-F238E27FC236}">
-                <a16:creationId xmlns:a16="http://schemas.microsoft.com/office/drawing/2014/main" id="{00AB0C76-77E8-A33B-D5D5-FDFBF3C475D2}"/>
+                <a16:creationId xmlns:a16="http://schemas.microsoft.com/office/drawing/2014/main" id="{37D74F2E-B84E-F7EB-AB0C-38C94F6D0E7E}"/>
               </a:ext>
             </a:extLst>
           </p:cNvPr>
@@ -6268,33 +6272,15 @@
             <p:ph type="title"/>
           </p:nvPr>
         </p:nvSpPr>
-        <p:spPr>
-          <a:xfrm>
-            <a:off x="677334" y="609600"/>
-            <a:ext cx="8596668" cy="960521"/>
-          </a:xfrm>
-        </p:spPr>
+        <p:spPr/>
         <p:txBody>
           <a:bodyPr/>
           <a:lstStyle/>
           <a:p>
             <a:r>
               <a:rPr lang="de-DE" dirty="0"/>
-              <a:t>Exkurs: </a:t>
-            </a:r>
-            <a:r>
-              <a:rPr lang="de-DE" dirty="0" err="1"/>
-              <a:t>swagger</a:t>
-            </a:r>
-            <a:r>
-              <a:rPr lang="de-DE" dirty="0"/>
-              <a:t> und </a:t>
-            </a:r>
-            <a:r>
-              <a:rPr lang="de-DE" dirty="0" err="1"/>
-              <a:t>springdoc</a:t>
-            </a:r>
-            <a:endParaRPr lang="de-DE" dirty="0"/>
+              <a:t>Springs Kernkonzepte</a:t>
+            </a:r>
           </a:p>
         </p:txBody>
       </p:sp>
@@ -6303,7 +6289,7 @@
           <p:cNvPr id="3" name="Inhaltsplatzhalter 2">
             <a:extLst>
               <a:ext uri="{FF2B5EF4-FFF2-40B4-BE49-F238E27FC236}">
-                <a16:creationId xmlns:a16="http://schemas.microsoft.com/office/drawing/2014/main" id="{89FD6242-408F-CCB6-B1DE-67DE9E8384A7}"/>
+                <a16:creationId xmlns:a16="http://schemas.microsoft.com/office/drawing/2014/main" id="{F98961C9-15E2-0528-0F21-58A3C3E65C33}"/>
               </a:ext>
             </a:extLst>
           </p:cNvPr>
@@ -6321,110 +6307,285 @@
           </a:bodyPr>
           <a:lstStyle/>
           <a:p>
-            <a:r>
-              <a:rPr lang="de-DE" dirty="0"/>
-              <a:t>Swagger ist ein allgemeiner Standard, um APIs zu designen und zu dokumentieren (</a:t>
+            <a:pPr>
+              <a:buFont typeface="+mj-lt"/>
+              <a:buAutoNum type="arabicPeriod"/>
+            </a:pPr>
+            <a:r>
+              <a:rPr lang="de-DE" sz="1800" b="1" dirty="0"/>
+              <a:t>Programmieren mit POJOs: </a:t>
             </a:r>
             <a:r>
               <a:rPr lang="de-DE" dirty="0">
-                <a:hlinkClick r:id="rId2"/>
-              </a:rPr>
-              <a:t>https://swagger.io/</a:t>
-            </a:r>
-            <a:r>
-              <a:rPr lang="de-DE" dirty="0"/>
-              <a:t>)</a:t>
-            </a:r>
-          </a:p>
-          <a:p>
-            <a:r>
-              <a:rPr lang="de-DE" dirty="0" err="1"/>
-              <a:t>SpringDoc</a:t>
-            </a:r>
-            <a:r>
-              <a:rPr lang="de-DE" dirty="0"/>
-              <a:t> ist die </a:t>
-            </a:r>
-            <a:r>
-              <a:rPr lang="de-DE" dirty="0" err="1"/>
-              <a:t>SpringBoot</a:t>
-            </a:r>
-            <a:r>
-              <a:rPr lang="de-DE" dirty="0"/>
-              <a:t> Implementierung für Swagger (</a:t>
+                <a:solidFill>
+                  <a:srgbClr val="374151"/>
+                </a:solidFill>
+                <a:latin typeface="Söhne"/>
+              </a:rPr>
+              <a:t>Im Unterschied zu den alten J2EE Versionen (vor 5) muss man in Spring meistens keine Interfaces oder </a:t>
+            </a:r>
+            <a:r>
+              <a:rPr lang="de-DE" dirty="0" err="1">
+                <a:solidFill>
+                  <a:srgbClr val="374151"/>
+                </a:solidFill>
+                <a:latin typeface="Söhne"/>
+              </a:rPr>
+              <a:t>Callbacks</a:t>
             </a:r>
             <a:r>
               <a:rPr lang="de-DE" dirty="0">
-                <a:hlinkClick r:id="rId3"/>
-              </a:rPr>
-              <a:t>https://springdoc.org/v2/</a:t>
-            </a:r>
-            <a:r>
-              <a:rPr lang="de-DE" dirty="0"/>
-              <a:t>) – hat in den letzten Monaten </a:t>
-            </a:r>
-            <a:r>
-              <a:rPr lang="de-DE" dirty="0" err="1"/>
-              <a:t>springfox</a:t>
-            </a:r>
-            <a:r>
-              <a:rPr lang="de-DE" dirty="0"/>
-              <a:t> den Rang abgelaufen</a:t>
-            </a:r>
-          </a:p>
-          <a:p>
-            <a:r>
-              <a:rPr lang="de-DE" dirty="0"/>
-              <a:t>Wir benutzen es, um eine automatisch generierte Admin-UI für unsere Endpunkte zu haben</a:t>
-            </a:r>
-          </a:p>
-          <a:p>
-            <a:pPr lvl="1"/>
+                <a:solidFill>
+                  <a:srgbClr val="374151"/>
+                </a:solidFill>
+                <a:latin typeface="Söhne"/>
+              </a:rPr>
+              <a:t> des Frameworks implementieren</a:t>
+            </a:r>
+          </a:p>
+          <a:p>
+            <a:pPr algn="l">
+              <a:buFont typeface="+mj-lt"/>
+              <a:buAutoNum type="arabicPeriod"/>
+            </a:pPr>
+            <a:r>
+              <a:rPr lang="de-DE" b="1" i="0" dirty="0">
+                <a:solidFill>
+                  <a:srgbClr val="374151"/>
+                </a:solidFill>
+                <a:effectLst/>
+                <a:latin typeface="Söhne"/>
+              </a:rPr>
+              <a:t>Inversion </a:t>
+            </a:r>
+            <a:r>
+              <a:rPr lang="de-DE" b="1" i="0" dirty="0" err="1">
+                <a:solidFill>
+                  <a:srgbClr val="374151"/>
+                </a:solidFill>
+                <a:effectLst/>
+                <a:latin typeface="Söhne"/>
+              </a:rPr>
+              <a:t>of</a:t>
+            </a:r>
+            <a:r>
+              <a:rPr lang="de-DE" b="1" i="0" dirty="0">
+                <a:solidFill>
+                  <a:srgbClr val="374151"/>
+                </a:solidFill>
+                <a:effectLst/>
+                <a:latin typeface="Söhne"/>
+              </a:rPr>
+              <a:t> Control (</a:t>
+            </a:r>
+            <a:r>
+              <a:rPr lang="de-DE" b="1" i="0" dirty="0" err="1">
+                <a:solidFill>
+                  <a:srgbClr val="374151"/>
+                </a:solidFill>
+                <a:effectLst/>
+                <a:latin typeface="Söhne"/>
+              </a:rPr>
+              <a:t>IoC</a:t>
+            </a:r>
+            <a:r>
+              <a:rPr lang="de-DE" b="1" i="0" dirty="0">
+                <a:solidFill>
+                  <a:srgbClr val="374151"/>
+                </a:solidFill>
+                <a:effectLst/>
+                <a:latin typeface="Söhne"/>
+              </a:rPr>
+              <a:t>) / </a:t>
+            </a:r>
+            <a:r>
+              <a:rPr lang="de-DE" b="1" i="0" dirty="0" err="1">
+                <a:solidFill>
+                  <a:srgbClr val="374151"/>
+                </a:solidFill>
+                <a:effectLst/>
+                <a:latin typeface="Söhne"/>
+              </a:rPr>
+              <a:t>Dependency</a:t>
+            </a:r>
+            <a:r>
+              <a:rPr lang="de-DE" b="1" i="0" dirty="0">
+                <a:solidFill>
+                  <a:srgbClr val="374151"/>
+                </a:solidFill>
+                <a:effectLst/>
+                <a:latin typeface="Söhne"/>
+              </a:rPr>
+              <a:t> </a:t>
+            </a:r>
+            <a:r>
+              <a:rPr lang="de-DE" b="1" i="0" dirty="0" err="1">
+                <a:solidFill>
+                  <a:srgbClr val="374151"/>
+                </a:solidFill>
+                <a:effectLst/>
+                <a:latin typeface="Söhne"/>
+              </a:rPr>
+              <a:t>Injection</a:t>
+            </a:r>
+            <a:r>
+              <a:rPr lang="de-DE" b="1" i="0" dirty="0">
+                <a:solidFill>
+                  <a:srgbClr val="374151"/>
+                </a:solidFill>
+                <a:effectLst/>
+                <a:latin typeface="Söhne"/>
+              </a:rPr>
+              <a:t> (DI):</a:t>
+            </a:r>
+            <a:r>
+              <a:rPr lang="de-DE" b="0" i="0" dirty="0">
+                <a:solidFill>
+                  <a:srgbClr val="374151"/>
+                </a:solidFill>
+                <a:effectLst/>
+                <a:latin typeface="Söhne"/>
+              </a:rPr>
+              <a:t> Dies ist das zentrale Konzept in Spring. Das Framework übernimmt die Kontrolle über das Erstellen und Verwalten von Objekten. Anstatt dass Anwendungen direkt Abhängigkeiten erstellen, werden sie vom Spring-Container bereitgestellt.</a:t>
+            </a:r>
+          </a:p>
+          <a:p>
+            <a:pPr algn="l">
+              <a:buFont typeface="+mj-lt"/>
+              <a:buAutoNum type="arabicPeriod"/>
+            </a:pPr>
+            <a:r>
+              <a:rPr lang="de-DE" b="1" i="0" dirty="0">
+                <a:solidFill>
+                  <a:srgbClr val="374151"/>
+                </a:solidFill>
+                <a:effectLst/>
+                <a:latin typeface="Söhne"/>
+              </a:rPr>
+              <a:t>Aspektorientierte Programmierung (AOP):</a:t>
+            </a:r>
+            <a:r>
+              <a:rPr lang="de-DE" b="0" i="0" dirty="0">
+                <a:solidFill>
+                  <a:srgbClr val="374151"/>
+                </a:solidFill>
+                <a:effectLst/>
+                <a:latin typeface="Söhne"/>
+              </a:rPr>
+              <a:t> Mit AOP können EntwicklerInnen betriebliche Anliegen von der Hauptgeschäftslogik trennen. Dies ermöglicht das Hinzufügen von funktionsübergreifenden Eigenschaften wie Transaktionsmanagement, </a:t>
+            </a:r>
+            <a:r>
+              <a:rPr lang="de-DE" b="0" i="0" dirty="0" err="1">
+                <a:solidFill>
+                  <a:srgbClr val="374151"/>
+                </a:solidFill>
+                <a:effectLst/>
+                <a:latin typeface="Söhne"/>
+              </a:rPr>
+              <a:t>Logging</a:t>
+            </a:r>
+            <a:r>
+              <a:rPr lang="de-DE" b="0" i="0" dirty="0">
+                <a:solidFill>
+                  <a:srgbClr val="374151"/>
+                </a:solidFill>
+                <a:effectLst/>
+                <a:latin typeface="Söhne"/>
+              </a:rPr>
+              <a:t> und Sicherheit ohne Code-Änderungen.</a:t>
+            </a:r>
+          </a:p>
+          <a:p>
+            <a:pPr algn="l">
+              <a:buFont typeface="+mj-lt"/>
+              <a:buAutoNum type="arabicPeriod"/>
+            </a:pPr>
+            <a:r>
+              <a:rPr lang="de-DE" b="1" i="0" dirty="0">
+                <a:solidFill>
+                  <a:srgbClr val="374151"/>
+                </a:solidFill>
+                <a:effectLst/>
+                <a:latin typeface="Söhne"/>
+              </a:rPr>
+              <a:t>„Spring-</a:t>
+            </a:r>
+            <a:r>
+              <a:rPr lang="de-DE" b="1" i="0" dirty="0" err="1">
+                <a:solidFill>
+                  <a:srgbClr val="374151"/>
+                </a:solidFill>
+                <a:effectLst/>
+                <a:latin typeface="Söhne"/>
+              </a:rPr>
+              <a:t>ifizierung</a:t>
+            </a:r>
+            <a:r>
+              <a:rPr lang="de-DE" b="1" i="0" dirty="0">
+                <a:solidFill>
+                  <a:srgbClr val="374151"/>
+                </a:solidFill>
+                <a:effectLst/>
+                <a:latin typeface="Söhne"/>
+              </a:rPr>
+              <a:t>“ von jeder denkbaren API: </a:t>
+            </a:r>
+            <a:r>
+              <a:rPr lang="de-DE" b="0" i="0" dirty="0">
+                <a:solidFill>
+                  <a:srgbClr val="374151"/>
+                </a:solidFill>
+                <a:effectLst/>
+                <a:latin typeface="Söhne"/>
+              </a:rPr>
+              <a:t>„Jede“ API, die es für Business Anwendungen gibt, hat ein Spring-Projekt, was sie in den Spring-Kosmos holt. Und zwar immer mit den gleichen Konzepten und unter Vermeidung möglichst viel </a:t>
+            </a:r>
+            <a:r>
+              <a:rPr lang="de-DE" b="0" i="0" dirty="0" err="1">
+                <a:solidFill>
+                  <a:srgbClr val="374151"/>
+                </a:solidFill>
+                <a:effectLst/>
+                <a:latin typeface="Söhne"/>
+              </a:rPr>
+              <a:t>Boilerplate</a:t>
+            </a:r>
             <a:r>
               <a:rPr lang="de-DE" dirty="0">
-                <a:hlinkClick r:id="rId4"/>
-              </a:rPr>
-              <a:t>http://localhost:8080/swagger-ui/index.html</a:t>
-            </a:r>
-            <a:endParaRPr lang="de-DE" dirty="0"/>
-          </a:p>
-          <a:p>
-            <a:r>
-              <a:rPr lang="de-DE" dirty="0"/>
-              <a:t>Und um unsere Rest-Schnittstellen zu dokumentieren</a:t>
-            </a:r>
-          </a:p>
-          <a:p>
-            <a:pPr lvl="1"/>
+                <a:solidFill>
+                  <a:srgbClr val="374151"/>
+                </a:solidFill>
+                <a:latin typeface="Söhne"/>
+              </a:rPr>
+              <a:t>-Codes. Beispiele: JDBC, JPA, JMS, AMQP, Kafka, Servlet, </a:t>
+            </a:r>
+            <a:r>
+              <a:rPr lang="de-DE" dirty="0" err="1">
+                <a:solidFill>
+                  <a:srgbClr val="374151"/>
+                </a:solidFill>
+                <a:latin typeface="Söhne"/>
+              </a:rPr>
+              <a:t>Reactive</a:t>
+            </a:r>
             <a:r>
               <a:rPr lang="de-DE" dirty="0">
-                <a:hlinkClick r:id="rId4"/>
-              </a:rPr>
-              <a:t>http://localhost:8080/v3/api-docs</a:t>
-            </a:r>
-            <a:endParaRPr lang="de-DE" dirty="0"/>
-          </a:p>
-          <a:p>
-            <a:pPr lvl="2"/>
-            <a:r>
-              <a:rPr lang="de-DE" dirty="0"/>
-              <a:t>Siehe </a:t>
-            </a:r>
-            <a:r>
-              <a:rPr lang="de-DE" dirty="0" err="1"/>
-              <a:t>CustomerRestController</a:t>
-            </a:r>
-            <a:endParaRPr lang="de-DE" dirty="0"/>
-          </a:p>
-          <a:p>
-            <a:pPr lvl="2"/>
-            <a:r>
-              <a:rPr lang="de-DE" dirty="0"/>
-              <a:t>„Lebende“ Dokumentation</a:t>
-            </a:r>
-          </a:p>
-          <a:p>
-            <a:pPr lvl="1"/>
+                <a:solidFill>
+                  <a:srgbClr val="374151"/>
+                </a:solidFill>
+                <a:latin typeface="Söhne"/>
+              </a:rPr>
+              <a:t>, REST, Security, Batch, …</a:t>
+            </a:r>
+            <a:endParaRPr lang="de-DE" b="0" i="0" dirty="0">
+              <a:solidFill>
+                <a:srgbClr val="374151"/>
+              </a:solidFill>
+              <a:effectLst/>
+              <a:latin typeface="Söhne"/>
+            </a:endParaRPr>
+          </a:p>
+          <a:p>
             <a:endParaRPr lang="de-DE" dirty="0"/>
           </a:p>
         </p:txBody>
@@ -6432,7 +6593,7 @@
     </p:spTree>
     <p:extLst>
       <p:ext uri="{BB962C8B-B14F-4D97-AF65-F5344CB8AC3E}">
-        <p14:creationId xmlns:p14="http://schemas.microsoft.com/office/powerpoint/2010/main" val="4231086138"/>
+        <p14:creationId xmlns:p14="http://schemas.microsoft.com/office/powerpoint/2010/main" val="3675287514"/>
       </p:ext>
     </p:extLst>
   </p:cSld>
@@ -6464,7 +6625,7 @@
           <p:cNvPr id="2" name="Titel 1">
             <a:extLst>
               <a:ext uri="{FF2B5EF4-FFF2-40B4-BE49-F238E27FC236}">
-                <a16:creationId xmlns:a16="http://schemas.microsoft.com/office/drawing/2014/main" id="{E2B115D1-E976-4F4D-961E-2D80BAD184FF}"/>
+                <a16:creationId xmlns:a16="http://schemas.microsoft.com/office/drawing/2014/main" id="{3714B14F-F778-47F9-AECA-3BD265256F70}"/>
               </a:ext>
             </a:extLst>
           </p:cNvPr>
@@ -6482,13 +6643,16 @@
           <a:p>
             <a:r>
               <a:rPr lang="de-DE" dirty="0"/>
-              <a:t>Wir machen Geschäft - </a:t>
+              <a:t>Motivation </a:t>
             </a:r>
             <a:r>
               <a:rPr lang="de-DE" dirty="0" err="1"/>
-              <a:t>Netzfilm</a:t>
-            </a:r>
-            <a:endParaRPr lang="de-DE" dirty="0"/>
+              <a:t>IoC</a:t>
+            </a:r>
+            <a:r>
+              <a:rPr lang="de-DE" dirty="0"/>
+              <a:t> bzw. DI</a:t>
+            </a:r>
           </a:p>
         </p:txBody>
       </p:sp>
@@ -6497,7 +6661,7 @@
           <p:cNvPr id="3" name="Inhaltsplatzhalter 2">
             <a:extLst>
               <a:ext uri="{FF2B5EF4-FFF2-40B4-BE49-F238E27FC236}">
-                <a16:creationId xmlns:a16="http://schemas.microsoft.com/office/drawing/2014/main" id="{626CF4D7-0AF0-464D-AA25-F930EFB5CB51}"/>
+                <a16:creationId xmlns:a16="http://schemas.microsoft.com/office/drawing/2014/main" id="{C232AED4-E3DC-4EEF-8BDE-0836059154B9}"/>
               </a:ext>
             </a:extLst>
           </p:cNvPr>
@@ -6513,62 +6677,64 @@
           <a:bodyPr/>
           <a:lstStyle/>
           <a:p>
+            <a:pPr marL="0" indent="0">
+              <a:buNone/>
+            </a:pPr>
+            <a:r>
+              <a:rPr lang="de-DE" dirty="0"/>
+              <a:t>Wenn die Programmiererin selbst Objekte erzeugt und zusammensteckt</a:t>
+            </a:r>
+          </a:p>
+          <a:p>
+            <a:r>
+              <a:rPr lang="de-DE" dirty="0"/>
+              <a:t>erzeugt dies Abhängigkeiten,</a:t>
+            </a:r>
+          </a:p>
+          <a:p>
+            <a:r>
+              <a:rPr lang="de-DE" dirty="0"/>
+              <a:t>ist das „</a:t>
+            </a:r>
             <a:r>
               <a:rPr lang="de-DE" dirty="0" err="1"/>
-              <a:t>Mockito</a:t>
-            </a:r>
-            <a:r>
-              <a:rPr lang="de-DE" dirty="0"/>
-              <a:t> im Kontext von Spring/</a:t>
-            </a:r>
-            <a:r>
-              <a:rPr lang="de-DE" dirty="0" err="1"/>
-              <a:t>Dependency</a:t>
-            </a:r>
-            <a:r>
-              <a:rPr lang="de-DE" dirty="0"/>
-              <a:t> </a:t>
-            </a:r>
-            <a:r>
-              <a:rPr lang="de-DE" dirty="0" err="1"/>
-              <a:t>Injection</a:t>
-            </a:r>
+              <a:t>boilerplate</a:t>
+            </a:r>
+            <a:r>
+              <a:rPr lang="de-DE" dirty="0"/>
+              <a:t>“ code</a:t>
+            </a:r>
+          </a:p>
+          <a:p>
+            <a:r>
+              <a:rPr lang="de-DE" dirty="0"/>
+              <a:t>weiß man nie so genau, wohin mit diesem Code</a:t>
+            </a:r>
+          </a:p>
+          <a:p>
+            <a:r>
+              <a:rPr lang="de-DE" dirty="0"/>
+              <a:t>ist das imperativer Stil</a:t>
+            </a:r>
+          </a:p>
+          <a:p>
             <a:endParaRPr lang="de-DE" dirty="0"/>
           </a:p>
           <a:p>
-            <a:r>
-              <a:rPr lang="de-DE" dirty="0"/>
-              <a:t>Datenbank: in </a:t>
-            </a:r>
-            <a:r>
-              <a:rPr lang="de-DE" dirty="0" err="1"/>
-              <a:t>memory</a:t>
-            </a:r>
-            <a:r>
-              <a:rPr lang="de-DE" dirty="0"/>
-              <a:t> H2</a:t>
-            </a:r>
-          </a:p>
-          <a:p>
-            <a:endParaRPr lang="de-DE" dirty="0"/>
-          </a:p>
-          <a:p>
-            <a:r>
-              <a:rPr lang="de-DE" dirty="0"/>
-              <a:t>Projekt: </a:t>
-            </a:r>
-            <a:r>
-              <a:rPr lang="de-DE" dirty="0" err="1"/>
-              <a:t>netzfilm</a:t>
-            </a:r>
-            <a:endParaRPr lang="de-DE" dirty="0"/>
+            <a:pPr marL="0" indent="0">
+              <a:buNone/>
+            </a:pPr>
+            <a:r>
+              <a:rPr lang="de-DE" dirty="0"/>
+              <a:t>Was ist die Alternative?</a:t>
+            </a:r>
           </a:p>
         </p:txBody>
       </p:sp>
     </p:spTree>
     <p:extLst>
       <p:ext uri="{BB962C8B-B14F-4D97-AF65-F5344CB8AC3E}">
-        <p14:creationId xmlns:p14="http://schemas.microsoft.com/office/powerpoint/2010/main" val="3720837130"/>
+        <p14:creationId xmlns:p14="http://schemas.microsoft.com/office/powerpoint/2010/main" val="4019731852"/>
       </p:ext>
     </p:extLst>
   </p:cSld>
@@ -6600,7 +6766,7 @@
           <p:cNvPr id="2" name="Titel 1">
             <a:extLst>
               <a:ext uri="{FF2B5EF4-FFF2-40B4-BE49-F238E27FC236}">
-                <a16:creationId xmlns:a16="http://schemas.microsoft.com/office/drawing/2014/main" id="{29D30B30-D47B-4B67-8868-F9E1379BBCA4}"/>
+                <a16:creationId xmlns:a16="http://schemas.microsoft.com/office/drawing/2014/main" id="{3714B14F-F778-47F9-AECA-3BD265256F70}"/>
               </a:ext>
             </a:extLst>
           </p:cNvPr>
@@ -6617,327 +6783,83 @@
           <a:lstStyle/>
           <a:p>
             <a:r>
-              <a:rPr lang="de-DE" dirty="0" err="1">
-                <a:ea typeface="+mj-lt"/>
-                <a:cs typeface="+mj-lt"/>
-              </a:rPr>
-              <a:t>What</a:t>
-            </a:r>
-            <a:r>
-              <a:rPr lang="de-DE" dirty="0">
-                <a:ea typeface="+mj-lt"/>
-                <a:cs typeface="+mj-lt"/>
-              </a:rPr>
-              <a:t> </a:t>
-            </a:r>
-            <a:r>
-              <a:rPr lang="de-DE" dirty="0" err="1">
-                <a:ea typeface="+mj-lt"/>
-                <a:cs typeface="+mj-lt"/>
-              </a:rPr>
-              <a:t>did</a:t>
-            </a:r>
-            <a:r>
-              <a:rPr lang="de-DE" dirty="0">
-                <a:ea typeface="+mj-lt"/>
-                <a:cs typeface="+mj-lt"/>
-              </a:rPr>
-              <a:t> </a:t>
-            </a:r>
-            <a:r>
-              <a:rPr lang="de-DE" dirty="0" err="1">
-                <a:ea typeface="+mj-lt"/>
-                <a:cs typeface="+mj-lt"/>
-              </a:rPr>
-              <a:t>we</a:t>
-            </a:r>
-            <a:r>
-              <a:rPr lang="de-DE" dirty="0">
-                <a:ea typeface="+mj-lt"/>
-                <a:cs typeface="+mj-lt"/>
-              </a:rPr>
-              <a:t> </a:t>
-            </a:r>
-            <a:r>
-              <a:rPr lang="de-DE" dirty="0" err="1">
-                <a:ea typeface="+mj-lt"/>
-                <a:cs typeface="+mj-lt"/>
-              </a:rPr>
-              <a:t>learn</a:t>
-            </a:r>
-            <a:r>
-              <a:rPr lang="de-DE" dirty="0">
-                <a:ea typeface="+mj-lt"/>
-                <a:cs typeface="+mj-lt"/>
-              </a:rPr>
-              <a:t>?</a:t>
-            </a:r>
-          </a:p>
-          <a:p>
-            <a:endParaRPr lang="de-DE" dirty="0"/>
-          </a:p>
-        </p:txBody>
-      </p:sp>
-      <p:sp>
-        <p:nvSpPr>
-          <p:cNvPr id="3" name="Inhaltsplatzhalter 2">
+              <a:rPr lang="de-DE" dirty="0"/>
+              <a:t>Definitionen</a:t>
+            </a:r>
+          </a:p>
+        </p:txBody>
+      </p:sp>
+      <p:pic>
+        <p:nvPicPr>
+          <p:cNvPr id="6" name="Grafik 5">
             <a:extLst>
               <a:ext uri="{FF2B5EF4-FFF2-40B4-BE49-F238E27FC236}">
-                <a16:creationId xmlns:a16="http://schemas.microsoft.com/office/drawing/2014/main" id="{D18E186C-19E2-4067-A219-2FA83D56C5DA}"/>
+                <a16:creationId xmlns:a16="http://schemas.microsoft.com/office/drawing/2014/main" id="{CB8243E0-46FB-423D-BC02-A6A2F7FF69BD}"/>
               </a:ext>
             </a:extLst>
           </p:cNvPr>
-          <p:cNvSpPr>
-            <a:spLocks noGrp="1"/>
-          </p:cNvSpPr>
-          <p:nvPr>
-            <p:ph idx="1"/>
-          </p:nvPr>
-        </p:nvSpPr>
+          <p:cNvPicPr>
+            <a:picLocks noChangeAspect="1"/>
+          </p:cNvPicPr>
+          <p:nvPr/>
+        </p:nvPicPr>
+        <p:blipFill>
+          <a:blip r:embed="rId2"/>
+          <a:stretch>
+            <a:fillRect/>
+          </a:stretch>
+        </p:blipFill>
         <p:spPr>
           <a:xfrm>
-            <a:off x="677334" y="1685448"/>
-            <a:ext cx="8596668" cy="4397383"/>
+            <a:off x="830309" y="1378935"/>
+            <a:ext cx="7859498" cy="4739301"/>
           </a:xfrm>
+          <a:prstGeom prst="rect">
+            <a:avLst/>
+          </a:prstGeom>
         </p:spPr>
-        <p:txBody>
-          <a:bodyPr vert="horz" lIns="91440" tIns="45720" rIns="91440" bIns="45720" rtlCol="0" anchor="t">
-            <a:normAutofit/>
+      </p:pic>
+      <p:sp>
+        <p:nvSpPr>
+          <p:cNvPr id="7" name="Rechteck 6">
+            <a:extLst>
+              <a:ext uri="{FF2B5EF4-FFF2-40B4-BE49-F238E27FC236}">
+                <a16:creationId xmlns:a16="http://schemas.microsoft.com/office/drawing/2014/main" id="{18154565-C535-4196-8940-3E5569EF8193}"/>
+              </a:ext>
+            </a:extLst>
+          </p:cNvPr>
+          <p:cNvSpPr/>
+          <p:nvPr/>
+        </p:nvSpPr>
+        <p:spPr>
+          <a:xfrm>
+            <a:off x="625123" y="6087547"/>
+            <a:ext cx="10144124" cy="369332"/>
+          </a:xfrm>
+          <a:prstGeom prst="rect">
+            <a:avLst/>
+          </a:prstGeom>
+        </p:spPr>
+        <p:txBody>
+          <a:bodyPr wrap="none">
+            <a:spAutoFit/>
           </a:bodyPr>
           <a:lstStyle/>
           <a:p>
-            <a:pPr>
-              <a:buFont typeface="Wingdings 3"/>
-              <a:buChar char=""/>
-            </a:pPr>
-            <a:r>
-              <a:rPr lang="en-US" sz="1600" i="1" dirty="0">
-                <a:ea typeface="+mn-lt"/>
-                <a:cs typeface="+mn-lt"/>
-              </a:rPr>
-              <a:t>@SpringBootTest – create a Spring Boot Test (app is started for test)</a:t>
-            </a:r>
-          </a:p>
-          <a:p>
-            <a:pPr>
-              <a:buFont typeface="Wingdings 3"/>
-              <a:buChar char=""/>
-            </a:pPr>
-            <a:r>
-              <a:rPr lang="de-DE" sz="1600" i="1" dirty="0">
-                <a:ea typeface="+mn-lt"/>
-                <a:cs typeface="+mn-lt"/>
-              </a:rPr>
-              <a:t>@WebMvcTest – </a:t>
-            </a:r>
-            <a:r>
-              <a:rPr lang="de-DE" sz="1600" i="1" dirty="0" err="1">
-                <a:ea typeface="+mn-lt"/>
-                <a:cs typeface="+mn-lt"/>
-              </a:rPr>
-              <a:t>test</a:t>
-            </a:r>
-            <a:r>
-              <a:rPr lang="de-DE" sz="1600" i="1" dirty="0">
-                <a:ea typeface="+mn-lt"/>
-                <a:cs typeface="+mn-lt"/>
-              </a:rPr>
-              <a:t> </a:t>
-            </a:r>
-            <a:r>
-              <a:rPr lang="de-DE" sz="1600" i="1" dirty="0" err="1">
-                <a:ea typeface="+mn-lt"/>
-                <a:cs typeface="+mn-lt"/>
-              </a:rPr>
-              <a:t>for</a:t>
-            </a:r>
-            <a:r>
-              <a:rPr lang="de-DE" sz="1600" i="1" dirty="0">
-                <a:ea typeface="+mn-lt"/>
-                <a:cs typeface="+mn-lt"/>
-              </a:rPr>
-              <a:t> </a:t>
-            </a:r>
-            <a:r>
-              <a:rPr lang="de-DE" sz="1600" i="1" dirty="0" err="1">
-                <a:ea typeface="+mn-lt"/>
-                <a:cs typeface="+mn-lt"/>
-              </a:rPr>
-              <a:t>controllers</a:t>
-            </a:r>
-            <a:endParaRPr lang="de-DE" sz="1600" i="1" dirty="0">
-              <a:ea typeface="+mn-lt"/>
-              <a:cs typeface="+mn-lt"/>
-            </a:endParaRPr>
-          </a:p>
-          <a:p>
-            <a:pPr lvl="1">
-              <a:buFont typeface="Wingdings 3"/>
-              <a:buChar char=""/>
-            </a:pPr>
-            <a:r>
-              <a:rPr lang="de-DE" sz="1400" i="1" dirty="0">
-                <a:ea typeface="+mn-lt"/>
-                <a:cs typeface="+mn-lt"/>
-              </a:rPr>
-              <a:t>Perform</a:t>
-            </a:r>
-          </a:p>
-          <a:p>
-            <a:pPr lvl="1">
-              <a:buFont typeface="Wingdings 3"/>
-              <a:buChar char=""/>
-            </a:pPr>
-            <a:r>
-              <a:rPr lang="de-DE" sz="1400" i="1" dirty="0" err="1">
-                <a:ea typeface="+mn-lt"/>
-                <a:cs typeface="+mn-lt"/>
-              </a:rPr>
-              <a:t>andExpect</a:t>
-            </a:r>
-            <a:endParaRPr lang="de-DE" sz="1400" i="1" dirty="0">
-              <a:ea typeface="+mn-lt"/>
-              <a:cs typeface="+mn-lt"/>
-            </a:endParaRPr>
-          </a:p>
-          <a:p>
-            <a:pPr>
-              <a:buFont typeface="Wingdings 3"/>
-              <a:buChar char=""/>
-            </a:pPr>
-            <a:r>
-              <a:rPr lang="de-DE" sz="1600" i="1" dirty="0">
-                <a:ea typeface="+mn-lt"/>
-                <a:cs typeface="+mn-lt"/>
-              </a:rPr>
-              <a:t>@DataJpaTest – </a:t>
-            </a:r>
-            <a:r>
-              <a:rPr lang="de-DE" sz="1600" i="1" dirty="0" err="1">
-                <a:ea typeface="+mn-lt"/>
-                <a:cs typeface="+mn-lt"/>
-              </a:rPr>
-              <a:t>test</a:t>
-            </a:r>
-            <a:r>
-              <a:rPr lang="de-DE" sz="1600" i="1" dirty="0">
-                <a:ea typeface="+mn-lt"/>
-                <a:cs typeface="+mn-lt"/>
-              </a:rPr>
-              <a:t> </a:t>
-            </a:r>
-            <a:r>
-              <a:rPr lang="de-DE" sz="1600" i="1" dirty="0" err="1">
-                <a:ea typeface="+mn-lt"/>
-                <a:cs typeface="+mn-lt"/>
-              </a:rPr>
-              <a:t>for</a:t>
-            </a:r>
-            <a:r>
-              <a:rPr lang="de-DE" sz="1600" i="1" dirty="0">
-                <a:ea typeface="+mn-lt"/>
-                <a:cs typeface="+mn-lt"/>
-              </a:rPr>
-              <a:t> </a:t>
-            </a:r>
-            <a:r>
-              <a:rPr lang="de-DE" sz="1600" i="1" dirty="0" err="1">
-                <a:ea typeface="+mn-lt"/>
-                <a:cs typeface="+mn-lt"/>
-              </a:rPr>
-              <a:t>repositories</a:t>
-            </a:r>
-            <a:endParaRPr lang="de-DE" sz="1600" i="1" dirty="0">
-              <a:ea typeface="+mn-lt"/>
-              <a:cs typeface="+mn-lt"/>
-            </a:endParaRPr>
-          </a:p>
-          <a:p>
-            <a:pPr>
-              <a:buFont typeface="Wingdings 3"/>
-              <a:buChar char=""/>
-            </a:pPr>
-            <a:r>
-              <a:rPr lang="de-DE" sz="1600" i="1" dirty="0">
-                <a:ea typeface="+mn-lt"/>
-                <a:cs typeface="+mn-lt"/>
-              </a:rPr>
-              <a:t>@TestPropertySource – </a:t>
-            </a:r>
-            <a:r>
-              <a:rPr lang="de-DE" sz="1600" i="1" dirty="0" err="1">
-                <a:ea typeface="+mn-lt"/>
-                <a:cs typeface="+mn-lt"/>
-              </a:rPr>
-              <a:t>add</a:t>
-            </a:r>
-            <a:r>
-              <a:rPr lang="de-DE" sz="1600" i="1" dirty="0">
-                <a:ea typeface="+mn-lt"/>
-                <a:cs typeface="+mn-lt"/>
-              </a:rPr>
-              <a:t> </a:t>
-            </a:r>
-            <a:r>
-              <a:rPr lang="de-DE" sz="1600" i="1" dirty="0" err="1">
-                <a:ea typeface="+mn-lt"/>
-                <a:cs typeface="+mn-lt"/>
-              </a:rPr>
-              <a:t>properties</a:t>
-            </a:r>
-            <a:r>
-              <a:rPr lang="de-DE" sz="1600" i="1" dirty="0">
-                <a:ea typeface="+mn-lt"/>
-                <a:cs typeface="+mn-lt"/>
-              </a:rPr>
-              <a:t> </a:t>
-            </a:r>
-            <a:r>
-              <a:rPr lang="de-DE" sz="1600" i="1" dirty="0" err="1">
-                <a:ea typeface="+mn-lt"/>
-                <a:cs typeface="+mn-lt"/>
-              </a:rPr>
-              <a:t>to</a:t>
-            </a:r>
-            <a:r>
-              <a:rPr lang="de-DE" sz="1600" i="1" dirty="0">
-                <a:ea typeface="+mn-lt"/>
-                <a:cs typeface="+mn-lt"/>
-              </a:rPr>
-              <a:t> </a:t>
-            </a:r>
-            <a:r>
-              <a:rPr lang="de-DE" sz="1600" i="1" dirty="0" err="1">
-                <a:ea typeface="+mn-lt"/>
-                <a:cs typeface="+mn-lt"/>
-              </a:rPr>
-              <a:t>test</a:t>
-            </a:r>
-            <a:r>
-              <a:rPr lang="de-DE" sz="1600" i="1" dirty="0">
-                <a:ea typeface="+mn-lt"/>
-                <a:cs typeface="+mn-lt"/>
-              </a:rPr>
-              <a:t> </a:t>
-            </a:r>
-            <a:r>
-              <a:rPr lang="de-DE" sz="1600" i="1" dirty="0" err="1">
-                <a:ea typeface="+mn-lt"/>
-                <a:cs typeface="+mn-lt"/>
-              </a:rPr>
-              <a:t>execution</a:t>
-            </a:r>
-            <a:endParaRPr lang="de-DE" sz="1600" i="1" dirty="0">
-              <a:ea typeface="+mn-lt"/>
-              <a:cs typeface="+mn-lt"/>
-            </a:endParaRPr>
+            <a:r>
+              <a:rPr lang="de-DE" dirty="0">
+                <a:hlinkClick r:id="rId3"/>
+              </a:rPr>
+              <a:t>https://stackoverflow.com/questions/6550700/inversion-of-control-vs-dependency-injection</a:t>
+            </a:r>
+            <a:endParaRPr lang="de-DE" dirty="0"/>
           </a:p>
         </p:txBody>
       </p:sp>
     </p:spTree>
     <p:extLst>
       <p:ext uri="{BB962C8B-B14F-4D97-AF65-F5344CB8AC3E}">
-        <p14:creationId xmlns:p14="http://schemas.microsoft.com/office/powerpoint/2010/main" val="2707427296"/>
+        <p14:creationId xmlns:p14="http://schemas.microsoft.com/office/powerpoint/2010/main" val="462042459"/>
       </p:ext>
     </p:extLst>
   </p:cSld>
@@ -6969,7 +6891,7 @@
           <p:cNvPr id="2" name="Titel 1">
             <a:extLst>
               <a:ext uri="{FF2B5EF4-FFF2-40B4-BE49-F238E27FC236}">
-                <a16:creationId xmlns:a16="http://schemas.microsoft.com/office/drawing/2014/main" id="{3C218EB9-1ED4-BF25-5F37-60F41BA961DB}"/>
+                <a16:creationId xmlns:a16="http://schemas.microsoft.com/office/drawing/2014/main" id="{516B0473-D8F3-DD66-A791-1A3CA1D6751F}"/>
               </a:ext>
             </a:extLst>
           </p:cNvPr>
@@ -6987,7 +6909,7 @@
           <a:p>
             <a:r>
               <a:rPr lang="de-DE" dirty="0"/>
-              <a:t>Aufgabe: Customer testen</a:t>
+              <a:t>Spring Boot</a:t>
             </a:r>
           </a:p>
         </p:txBody>
@@ -6997,7 +6919,7 @@
           <p:cNvPr id="3" name="Inhaltsplatzhalter 2">
             <a:extLst>
               <a:ext uri="{FF2B5EF4-FFF2-40B4-BE49-F238E27FC236}">
-                <a16:creationId xmlns:a16="http://schemas.microsoft.com/office/drawing/2014/main" id="{F7A2A6E8-D028-0A06-0946-24C88079B079}"/>
+                <a16:creationId xmlns:a16="http://schemas.microsoft.com/office/drawing/2014/main" id="{1AD03902-C50D-6CBB-E8EA-5E9D7EA727F9}"/>
               </a:ext>
             </a:extLst>
           </p:cNvPr>
@@ -7010,68 +6932,177 @@
         </p:nvSpPr>
         <p:spPr/>
         <p:txBody>
-          <a:bodyPr/>
+          <a:bodyPr>
+            <a:normAutofit/>
+          </a:bodyPr>
           <a:lstStyle/>
           <a:p>
             <a:r>
+              <a:rPr lang="de-DE" dirty="0"/>
+              <a:t>Self-</a:t>
+            </a:r>
+            <a:r>
               <a:rPr lang="de-DE" dirty="0" err="1"/>
-              <a:t>CustomerRepositoryTest</a:t>
-            </a:r>
-            <a:r>
-              <a:rPr lang="de-DE" dirty="0"/>
-              <a:t> (</a:t>
+              <a:t>executable</a:t>
+            </a:r>
+            <a:r>
+              <a:rPr lang="de-DE" dirty="0"/>
+              <a:t> </a:t>
             </a:r>
             <a:r>
               <a:rPr lang="de-DE" dirty="0" err="1"/>
-              <a:t>DataJpaTest</a:t>
-            </a:r>
-            <a:r>
-              <a:rPr lang="de-DE" dirty="0"/>
-              <a:t>)</a:t>
-            </a:r>
-          </a:p>
-          <a:p>
+              <a:t>jar</a:t>
+            </a:r>
+            <a:r>
+              <a:rPr lang="de-DE" dirty="0"/>
+              <a:t> mit </a:t>
+            </a:r>
             <a:r>
               <a:rPr lang="de-DE" dirty="0" err="1"/>
-              <a:t>CustomerServiceImplTest</a:t>
-            </a:r>
-            <a:r>
-              <a:rPr lang="de-DE" dirty="0"/>
-              <a:t> (</a:t>
-            </a:r>
+              <a:t>embedded</a:t>
+            </a:r>
+            <a:r>
+              <a:rPr lang="de-DE" dirty="0"/>
+              <a:t> Servlet Engine!</a:t>
+            </a:r>
+          </a:p>
+          <a:p>
+            <a:pPr lvl="1"/>
             <a:r>
               <a:rPr lang="de-DE" dirty="0" err="1"/>
-              <a:t>MockitoTest</a:t>
-            </a:r>
-            <a:r>
-              <a:rPr lang="de-DE" dirty="0"/>
-              <a:t>)</a:t>
-            </a:r>
-          </a:p>
-          <a:p>
+              <a:t>Make</a:t>
+            </a:r>
+            <a:r>
+              <a:rPr lang="de-DE" dirty="0"/>
+              <a:t> </a:t>
+            </a:r>
             <a:r>
               <a:rPr lang="de-DE" dirty="0" err="1"/>
-              <a:t>CustomerControllerWebMvcTest</a:t>
-            </a:r>
-            <a:r>
-              <a:rPr lang="de-DE" dirty="0"/>
-              <a:t> (</a:t>
+              <a:t>jar</a:t>
+            </a:r>
+            <a:r>
+              <a:rPr lang="de-DE" dirty="0"/>
+              <a:t>, not war!</a:t>
+            </a:r>
+          </a:p>
+          <a:p>
+            <a:pPr lvl="1"/>
+            <a:r>
+              <a:rPr lang="de-DE" dirty="0"/>
+              <a:t>Sehr hilfreiche Plugins (mittlerweile auch </a:t>
             </a:r>
             <a:r>
               <a:rPr lang="de-DE" dirty="0" err="1"/>
-              <a:t>WebMvcTest</a:t>
-            </a:r>
-            <a:r>
-              <a:rPr lang="de-DE" dirty="0"/>
-              <a:t>)</a:t>
-            </a:r>
+              <a:t>docker</a:t>
+            </a:r>
+            <a:r>
+              <a:rPr lang="de-DE" dirty="0"/>
+              <a:t> und native)</a:t>
+            </a:r>
+          </a:p>
+          <a:p>
+            <a:r>
+              <a:rPr lang="de-DE" dirty="0"/>
+              <a:t>Spring Boot </a:t>
+            </a:r>
+            <a:r>
+              <a:rPr lang="de-DE" dirty="0" err="1"/>
+              <a:t>Bom</a:t>
+            </a:r>
+            <a:r>
+              <a:rPr lang="de-DE" dirty="0"/>
+              <a:t> und Spring-Boot-Starter</a:t>
+            </a:r>
+          </a:p>
+          <a:p>
+            <a:pPr lvl="1"/>
+            <a:r>
+              <a:rPr lang="de-DE" dirty="0"/>
+              <a:t>Vereinfachung des Managen von Abhängigkeiten</a:t>
+            </a:r>
+          </a:p>
+          <a:p>
+            <a:r>
+              <a:rPr lang="de-DE" dirty="0"/>
+              <a:t>Auto-</a:t>
+            </a:r>
+            <a:r>
+              <a:rPr lang="de-DE" dirty="0" err="1"/>
+              <a:t>Configuration</a:t>
+            </a:r>
+            <a:r>
+              <a:rPr lang="de-DE" dirty="0"/>
+              <a:t> und „</a:t>
+            </a:r>
+            <a:r>
+              <a:rPr lang="de-DE" dirty="0" err="1"/>
+              <a:t>Opinionated</a:t>
+            </a:r>
+            <a:r>
+              <a:rPr lang="de-DE" dirty="0"/>
+              <a:t>“ Defaults</a:t>
+            </a:r>
+          </a:p>
+          <a:p>
+            <a:pPr lvl="1"/>
+            <a:r>
+              <a:rPr lang="de-DE" dirty="0"/>
+              <a:t>Sehr schnelle Ergebnisse für das Standard Set-Up</a:t>
+            </a:r>
+          </a:p>
+          <a:p>
+            <a:pPr lvl="1"/>
+            <a:r>
+              <a:rPr lang="de-DE" dirty="0"/>
+              <a:t>Convention </a:t>
+            </a:r>
+            <a:r>
+              <a:rPr lang="de-DE" dirty="0" err="1"/>
+              <a:t>over</a:t>
+            </a:r>
+            <a:r>
+              <a:rPr lang="de-DE" dirty="0"/>
+              <a:t> </a:t>
+            </a:r>
+            <a:r>
+              <a:rPr lang="de-DE" dirty="0" err="1"/>
+              <a:t>Configuration</a:t>
+            </a:r>
+            <a:endParaRPr lang="de-DE" dirty="0"/>
+          </a:p>
+          <a:p>
+            <a:r>
+              <a:rPr lang="de-DE" dirty="0"/>
+              <a:t>Externalisierte Properties</a:t>
+            </a:r>
+          </a:p>
+          <a:p>
+            <a:r>
+              <a:rPr lang="de-DE" dirty="0" err="1"/>
+              <a:t>Actuators</a:t>
+            </a:r>
+            <a:r>
+              <a:rPr lang="de-DE" dirty="0"/>
+              <a:t> als produktionsreife </a:t>
+            </a:r>
+            <a:r>
+              <a:rPr lang="de-DE" dirty="0" err="1"/>
+              <a:t>Oberservability</a:t>
+            </a:r>
+            <a:r>
+              <a:rPr lang="de-DE" dirty="0"/>
+              <a:t> Endpunkte</a:t>
+            </a:r>
+          </a:p>
+          <a:p>
+            <a:endParaRPr lang="de-DE" dirty="0"/>
           </a:p>
         </p:txBody>
       </p:sp>
     </p:spTree>
     <p:extLst>
       <p:ext uri="{BB962C8B-B14F-4D97-AF65-F5344CB8AC3E}">
-        <p14:creationId xmlns:p14="http://schemas.microsoft.com/office/powerpoint/2010/main" val="3309388778"/>
+        <p14:creationId xmlns:p14="http://schemas.microsoft.com/office/powerpoint/2010/main" val="1244745629"/>
       </p:ext>
     </p:extLst>
   </p:cSld>
@@ -7103,6 +7134,349 @@
           <p:cNvPr id="2" name="Titel 1">
             <a:extLst>
               <a:ext uri="{FF2B5EF4-FFF2-40B4-BE49-F238E27FC236}">
+                <a16:creationId xmlns:a16="http://schemas.microsoft.com/office/drawing/2014/main" id="{00AB0C76-77E8-A33B-D5D5-FDFBF3C475D2}"/>
+              </a:ext>
+            </a:extLst>
+          </p:cNvPr>
+          <p:cNvSpPr>
+            <a:spLocks noGrp="1"/>
+          </p:cNvSpPr>
+          <p:nvPr>
+            <p:ph type="title"/>
+          </p:nvPr>
+        </p:nvSpPr>
+        <p:spPr>
+          <a:xfrm>
+            <a:off x="677334" y="609600"/>
+            <a:ext cx="8596668" cy="960521"/>
+          </a:xfrm>
+        </p:spPr>
+        <p:txBody>
+          <a:bodyPr/>
+          <a:lstStyle/>
+          <a:p>
+            <a:r>
+              <a:rPr lang="de-DE" dirty="0"/>
+              <a:t>Exkurs: </a:t>
+            </a:r>
+            <a:r>
+              <a:rPr lang="de-DE" dirty="0" err="1"/>
+              <a:t>swagger</a:t>
+            </a:r>
+            <a:r>
+              <a:rPr lang="de-DE" dirty="0"/>
+              <a:t> und </a:t>
+            </a:r>
+            <a:r>
+              <a:rPr lang="de-DE" dirty="0" err="1"/>
+              <a:t>springdoc</a:t>
+            </a:r>
+            <a:endParaRPr lang="de-DE" dirty="0"/>
+          </a:p>
+        </p:txBody>
+      </p:sp>
+      <p:sp>
+        <p:nvSpPr>
+          <p:cNvPr id="3" name="Inhaltsplatzhalter 2">
+            <a:extLst>
+              <a:ext uri="{FF2B5EF4-FFF2-40B4-BE49-F238E27FC236}">
+                <a16:creationId xmlns:a16="http://schemas.microsoft.com/office/drawing/2014/main" id="{89FD6242-408F-CCB6-B1DE-67DE9E8384A7}"/>
+              </a:ext>
+            </a:extLst>
+          </p:cNvPr>
+          <p:cNvSpPr>
+            <a:spLocks noGrp="1"/>
+          </p:cNvSpPr>
+          <p:nvPr>
+            <p:ph idx="1"/>
+          </p:nvPr>
+        </p:nvSpPr>
+        <p:spPr/>
+        <p:txBody>
+          <a:bodyPr>
+            <a:normAutofit fontScale="92500" lnSpcReduction="10000"/>
+          </a:bodyPr>
+          <a:lstStyle/>
+          <a:p>
+            <a:r>
+              <a:rPr lang="de-DE" dirty="0"/>
+              <a:t>Swagger ist ein allgemeiner Standard, um APIs zu designen und zu dokumentieren (</a:t>
+            </a:r>
+            <a:r>
+              <a:rPr lang="de-DE" dirty="0">
+                <a:hlinkClick r:id="rId2"/>
+              </a:rPr>
+              <a:t>https://swagger.io/</a:t>
+            </a:r>
+            <a:r>
+              <a:rPr lang="de-DE" dirty="0"/>
+              <a:t>)</a:t>
+            </a:r>
+          </a:p>
+          <a:p>
+            <a:r>
+              <a:rPr lang="de-DE" dirty="0" err="1"/>
+              <a:t>SpringDoc</a:t>
+            </a:r>
+            <a:r>
+              <a:rPr lang="de-DE" dirty="0"/>
+              <a:t> ist die </a:t>
+            </a:r>
+            <a:r>
+              <a:rPr lang="de-DE" dirty="0" err="1"/>
+              <a:t>SpringBoot</a:t>
+            </a:r>
+            <a:r>
+              <a:rPr lang="de-DE" dirty="0"/>
+              <a:t> Implementierung für Swagger (</a:t>
+            </a:r>
+            <a:r>
+              <a:rPr lang="de-DE" dirty="0">
+                <a:hlinkClick r:id="rId3"/>
+              </a:rPr>
+              <a:t>https://springdoc.org/v2/</a:t>
+            </a:r>
+            <a:r>
+              <a:rPr lang="de-DE" dirty="0"/>
+              <a:t>) – hat in den letzten Monaten </a:t>
+            </a:r>
+            <a:r>
+              <a:rPr lang="de-DE" dirty="0" err="1"/>
+              <a:t>springfox</a:t>
+            </a:r>
+            <a:r>
+              <a:rPr lang="de-DE" dirty="0"/>
+              <a:t> den Rang abgelaufen</a:t>
+            </a:r>
+          </a:p>
+          <a:p>
+            <a:r>
+              <a:rPr lang="de-DE" dirty="0"/>
+              <a:t>Wir benutzen es, um eine automatisch generierte Admin-UI für unsere Endpunkte zu haben</a:t>
+            </a:r>
+          </a:p>
+          <a:p>
+            <a:pPr lvl="1"/>
+            <a:r>
+              <a:rPr lang="de-DE" dirty="0">
+                <a:hlinkClick r:id="rId4"/>
+              </a:rPr>
+              <a:t>http://localhost:8080/swagger-ui/index.html</a:t>
+            </a:r>
+            <a:endParaRPr lang="de-DE" dirty="0"/>
+          </a:p>
+          <a:p>
+            <a:r>
+              <a:rPr lang="de-DE" dirty="0"/>
+              <a:t>Und um unsere Rest-Schnittstellen zu dokumentieren</a:t>
+            </a:r>
+          </a:p>
+          <a:p>
+            <a:pPr lvl="1"/>
+            <a:r>
+              <a:rPr lang="de-DE" dirty="0">
+                <a:hlinkClick r:id="rId4"/>
+              </a:rPr>
+              <a:t>http://localhost:8080/v3/api-docs</a:t>
+            </a:r>
+            <a:endParaRPr lang="de-DE" dirty="0"/>
+          </a:p>
+          <a:p>
+            <a:pPr lvl="2"/>
+            <a:r>
+              <a:rPr lang="de-DE" dirty="0"/>
+              <a:t>Siehe </a:t>
+            </a:r>
+            <a:r>
+              <a:rPr lang="de-DE" dirty="0" err="1"/>
+              <a:t>CustomerRestController</a:t>
+            </a:r>
+            <a:endParaRPr lang="de-DE" dirty="0"/>
+          </a:p>
+          <a:p>
+            <a:pPr lvl="2"/>
+            <a:r>
+              <a:rPr lang="de-DE" dirty="0"/>
+              <a:t>„Lebende“ Dokumentation</a:t>
+            </a:r>
+          </a:p>
+          <a:p>
+            <a:pPr lvl="1"/>
+            <a:endParaRPr lang="de-DE" dirty="0"/>
+          </a:p>
+        </p:txBody>
+      </p:sp>
+    </p:spTree>
+    <p:extLst>
+      <p:ext uri="{BB962C8B-B14F-4D97-AF65-F5344CB8AC3E}">
+        <p14:creationId xmlns:p14="http://schemas.microsoft.com/office/powerpoint/2010/main" val="4231086138"/>
+      </p:ext>
+    </p:extLst>
+  </p:cSld>
+  <p:clrMapOvr>
+    <a:masterClrMapping/>
+  </p:clrMapOvr>
+</p:sld>
+</file>
+
+<file path=ppt/slides/slide105.xml><?xml version="1.0" encoding="utf-8"?>
+<p:sld xmlns:a="http://schemas.openxmlformats.org/drawingml/2006/main" xmlns:r="http://schemas.openxmlformats.org/officeDocument/2006/relationships" xmlns:p="http://schemas.openxmlformats.org/presentationml/2006/main">
+  <p:cSld>
+    <p:spTree>
+      <p:nvGrpSpPr>
+        <p:cNvPr id="1" name=""/>
+        <p:cNvGrpSpPr/>
+        <p:nvPr/>
+      </p:nvGrpSpPr>
+      <p:grpSpPr>
+        <a:xfrm>
+          <a:off x="0" y="0"/>
+          <a:ext cx="0" cy="0"/>
+          <a:chOff x="0" y="0"/>
+          <a:chExt cx="0" cy="0"/>
+        </a:xfrm>
+      </p:grpSpPr>
+      <p:sp>
+        <p:nvSpPr>
+          <p:cNvPr id="2" name="Titel 1">
+            <a:extLst>
+              <a:ext uri="{FF2B5EF4-FFF2-40B4-BE49-F238E27FC236}">
+                <a16:creationId xmlns:a16="http://schemas.microsoft.com/office/drawing/2014/main" id="{E2B115D1-E976-4F4D-961E-2D80BAD184FF}"/>
+              </a:ext>
+            </a:extLst>
+          </p:cNvPr>
+          <p:cNvSpPr>
+            <a:spLocks noGrp="1"/>
+          </p:cNvSpPr>
+          <p:nvPr>
+            <p:ph type="title"/>
+          </p:nvPr>
+        </p:nvSpPr>
+        <p:spPr/>
+        <p:txBody>
+          <a:bodyPr/>
+          <a:lstStyle/>
+          <a:p>
+            <a:r>
+              <a:rPr lang="de-DE" dirty="0"/>
+              <a:t>Wir machen Geschäft - </a:t>
+            </a:r>
+            <a:r>
+              <a:rPr lang="de-DE" dirty="0" err="1"/>
+              <a:t>Netzfilm</a:t>
+            </a:r>
+            <a:endParaRPr lang="de-DE" dirty="0"/>
+          </a:p>
+        </p:txBody>
+      </p:sp>
+      <p:sp>
+        <p:nvSpPr>
+          <p:cNvPr id="3" name="Inhaltsplatzhalter 2">
+            <a:extLst>
+              <a:ext uri="{FF2B5EF4-FFF2-40B4-BE49-F238E27FC236}">
+                <a16:creationId xmlns:a16="http://schemas.microsoft.com/office/drawing/2014/main" id="{626CF4D7-0AF0-464D-AA25-F930EFB5CB51}"/>
+              </a:ext>
+            </a:extLst>
+          </p:cNvPr>
+          <p:cNvSpPr>
+            <a:spLocks noGrp="1"/>
+          </p:cNvSpPr>
+          <p:nvPr>
+            <p:ph idx="1"/>
+          </p:nvPr>
+        </p:nvSpPr>
+        <p:spPr/>
+        <p:txBody>
+          <a:bodyPr/>
+          <a:lstStyle/>
+          <a:p>
+            <a:r>
+              <a:rPr lang="de-DE" dirty="0" err="1"/>
+              <a:t>Mockito</a:t>
+            </a:r>
+            <a:r>
+              <a:rPr lang="de-DE" dirty="0"/>
+              <a:t> im Kontext von Spring/</a:t>
+            </a:r>
+            <a:r>
+              <a:rPr lang="de-DE" dirty="0" err="1"/>
+              <a:t>Dependency</a:t>
+            </a:r>
+            <a:r>
+              <a:rPr lang="de-DE" dirty="0"/>
+              <a:t> </a:t>
+            </a:r>
+            <a:r>
+              <a:rPr lang="de-DE" dirty="0" err="1"/>
+              <a:t>Injection</a:t>
+            </a:r>
+            <a:endParaRPr lang="de-DE" dirty="0"/>
+          </a:p>
+          <a:p>
+            <a:r>
+              <a:rPr lang="de-DE" dirty="0"/>
+              <a:t>Datenbank: in </a:t>
+            </a:r>
+            <a:r>
+              <a:rPr lang="de-DE" dirty="0" err="1"/>
+              <a:t>memory</a:t>
+            </a:r>
+            <a:r>
+              <a:rPr lang="de-DE" dirty="0"/>
+              <a:t> H2</a:t>
+            </a:r>
+          </a:p>
+          <a:p>
+            <a:endParaRPr lang="de-DE" dirty="0"/>
+          </a:p>
+          <a:p>
+            <a:r>
+              <a:rPr lang="de-DE" dirty="0"/>
+              <a:t>Projekt: </a:t>
+            </a:r>
+            <a:r>
+              <a:rPr lang="de-DE" dirty="0" err="1"/>
+              <a:t>netzfilm</a:t>
+            </a:r>
+            <a:endParaRPr lang="de-DE" dirty="0"/>
+          </a:p>
+        </p:txBody>
+      </p:sp>
+    </p:spTree>
+    <p:extLst>
+      <p:ext uri="{BB962C8B-B14F-4D97-AF65-F5344CB8AC3E}">
+        <p14:creationId xmlns:p14="http://schemas.microsoft.com/office/powerpoint/2010/main" val="3720837130"/>
+      </p:ext>
+    </p:extLst>
+  </p:cSld>
+  <p:clrMapOvr>
+    <a:masterClrMapping/>
+  </p:clrMapOvr>
+</p:sld>
+</file>
+
+<file path=ppt/slides/slide106.xml><?xml version="1.0" encoding="utf-8"?>
+<p:sld xmlns:a="http://schemas.openxmlformats.org/drawingml/2006/main" xmlns:r="http://schemas.openxmlformats.org/officeDocument/2006/relationships" xmlns:p="http://schemas.openxmlformats.org/presentationml/2006/main">
+  <p:cSld>
+    <p:spTree>
+      <p:nvGrpSpPr>
+        <p:cNvPr id="1" name=""/>
+        <p:cNvGrpSpPr/>
+        <p:nvPr/>
+      </p:nvGrpSpPr>
+      <p:grpSpPr>
+        <a:xfrm>
+          <a:off x="0" y="0"/>
+          <a:ext cx="0" cy="0"/>
+          <a:chOff x="0" y="0"/>
+          <a:chExt cx="0" cy="0"/>
+        </a:xfrm>
+      </p:grpSpPr>
+      <p:sp>
+        <p:nvSpPr>
+          <p:cNvPr id="2" name="Titel 1">
+            <a:extLst>
+              <a:ext uri="{FF2B5EF4-FFF2-40B4-BE49-F238E27FC236}">
                 <a16:creationId xmlns:a16="http://schemas.microsoft.com/office/drawing/2014/main" id="{29D30B30-D47B-4B67-8868-F9E1379BBCA4}"/>
               </a:ext>
             </a:extLst>
@@ -7120,12 +7494,63 @@
           <a:lstStyle/>
           <a:p>
             <a:r>
+              <a:rPr lang="de-DE" dirty="0" err="1">
+                <a:ea typeface="+mj-lt"/>
+                <a:cs typeface="+mj-lt"/>
+              </a:rPr>
+              <a:t>What</a:t>
+            </a:r>
+            <a:r>
               <a:rPr lang="de-DE" dirty="0">
                 <a:ea typeface="+mj-lt"/>
                 <a:cs typeface="+mj-lt"/>
               </a:rPr>
-              <a:t>Fortgeschrittene Möglichkeiten</a:t>
-            </a:r>
+              <a:t> </a:t>
+            </a:r>
+            <a:r>
+              <a:rPr lang="de-DE" dirty="0" err="1">
+                <a:ea typeface="+mj-lt"/>
+                <a:cs typeface="+mj-lt"/>
+              </a:rPr>
+              <a:t>did</a:t>
+            </a:r>
+            <a:r>
+              <a:rPr lang="de-DE" dirty="0">
+                <a:ea typeface="+mj-lt"/>
+                <a:cs typeface="+mj-lt"/>
+              </a:rPr>
+              <a:t> </a:t>
+            </a:r>
+            <a:r>
+              <a:rPr lang="de-DE" dirty="0" err="1">
+                <a:ea typeface="+mj-lt"/>
+                <a:cs typeface="+mj-lt"/>
+              </a:rPr>
+              <a:t>we</a:t>
+            </a:r>
+            <a:r>
+              <a:rPr lang="de-DE" dirty="0">
+                <a:ea typeface="+mj-lt"/>
+                <a:cs typeface="+mj-lt"/>
+              </a:rPr>
+              <a:t> </a:t>
+            </a:r>
+            <a:r>
+              <a:rPr lang="de-DE" dirty="0" err="1">
+                <a:ea typeface="+mj-lt"/>
+                <a:cs typeface="+mj-lt"/>
+              </a:rPr>
+              <a:t>learn</a:t>
+            </a:r>
+            <a:r>
+              <a:rPr lang="de-DE" dirty="0">
+                <a:ea typeface="+mj-lt"/>
+                <a:cs typeface="+mj-lt"/>
+              </a:rPr>
+              <a:t>?</a:t>
+            </a:r>
+          </a:p>
+          <a:p>
             <a:endParaRPr lang="de-DE" dirty="0"/>
           </a:p>
         </p:txBody>
@@ -7146,6 +7571,458 @@
             <p:ph idx="1"/>
           </p:nvPr>
         </p:nvSpPr>
+        <p:spPr>
+          <a:xfrm>
+            <a:off x="677334" y="1685448"/>
+            <a:ext cx="8596668" cy="4397383"/>
+          </a:xfrm>
+        </p:spPr>
+        <p:txBody>
+          <a:bodyPr vert="horz" lIns="91440" tIns="45720" rIns="91440" bIns="45720" rtlCol="0" anchor="t">
+            <a:normAutofit/>
+          </a:bodyPr>
+          <a:lstStyle/>
+          <a:p>
+            <a:pPr>
+              <a:buFont typeface="Wingdings 3"/>
+              <a:buChar char=""/>
+            </a:pPr>
+            <a:r>
+              <a:rPr lang="en-US" sz="1600" i="1" dirty="0">
+                <a:ea typeface="+mn-lt"/>
+                <a:cs typeface="+mn-lt"/>
+              </a:rPr>
+              <a:t>@SpringBootTest – create a Spring Boot Test (app is started for test)</a:t>
+            </a:r>
+          </a:p>
+          <a:p>
+            <a:pPr>
+              <a:buFont typeface="Wingdings 3"/>
+              <a:buChar char=""/>
+            </a:pPr>
+            <a:r>
+              <a:rPr lang="de-DE" sz="1600" i="1" dirty="0">
+                <a:ea typeface="+mn-lt"/>
+                <a:cs typeface="+mn-lt"/>
+              </a:rPr>
+              <a:t>@WebMvcTest – </a:t>
+            </a:r>
+            <a:r>
+              <a:rPr lang="de-DE" sz="1600" i="1" dirty="0" err="1">
+                <a:ea typeface="+mn-lt"/>
+                <a:cs typeface="+mn-lt"/>
+              </a:rPr>
+              <a:t>test</a:t>
+            </a:r>
+            <a:r>
+              <a:rPr lang="de-DE" sz="1600" i="1" dirty="0">
+                <a:ea typeface="+mn-lt"/>
+                <a:cs typeface="+mn-lt"/>
+              </a:rPr>
+              <a:t> </a:t>
+            </a:r>
+            <a:r>
+              <a:rPr lang="de-DE" sz="1600" i="1" dirty="0" err="1">
+                <a:ea typeface="+mn-lt"/>
+                <a:cs typeface="+mn-lt"/>
+              </a:rPr>
+              <a:t>for</a:t>
+            </a:r>
+            <a:r>
+              <a:rPr lang="de-DE" sz="1600" i="1" dirty="0">
+                <a:ea typeface="+mn-lt"/>
+                <a:cs typeface="+mn-lt"/>
+              </a:rPr>
+              <a:t> </a:t>
+            </a:r>
+            <a:r>
+              <a:rPr lang="de-DE" sz="1600" i="1" dirty="0" err="1">
+                <a:ea typeface="+mn-lt"/>
+                <a:cs typeface="+mn-lt"/>
+              </a:rPr>
+              <a:t>controllers</a:t>
+            </a:r>
+            <a:endParaRPr lang="de-DE" sz="1600" i="1" dirty="0">
+              <a:ea typeface="+mn-lt"/>
+              <a:cs typeface="+mn-lt"/>
+            </a:endParaRPr>
+          </a:p>
+          <a:p>
+            <a:pPr lvl="1">
+              <a:buFont typeface="Wingdings 3"/>
+              <a:buChar char=""/>
+            </a:pPr>
+            <a:r>
+              <a:rPr lang="de-DE" sz="1400" i="1" dirty="0">
+                <a:ea typeface="+mn-lt"/>
+                <a:cs typeface="+mn-lt"/>
+              </a:rPr>
+              <a:t>Perform</a:t>
+            </a:r>
+          </a:p>
+          <a:p>
+            <a:pPr lvl="1">
+              <a:buFont typeface="Wingdings 3"/>
+              <a:buChar char=""/>
+            </a:pPr>
+            <a:r>
+              <a:rPr lang="de-DE" sz="1400" i="1" dirty="0" err="1">
+                <a:ea typeface="+mn-lt"/>
+                <a:cs typeface="+mn-lt"/>
+              </a:rPr>
+              <a:t>andExpect</a:t>
+            </a:r>
+            <a:endParaRPr lang="de-DE" sz="1400" i="1" dirty="0">
+              <a:ea typeface="+mn-lt"/>
+              <a:cs typeface="+mn-lt"/>
+            </a:endParaRPr>
+          </a:p>
+          <a:p>
+            <a:pPr>
+              <a:buFont typeface="Wingdings 3"/>
+              <a:buChar char=""/>
+            </a:pPr>
+            <a:r>
+              <a:rPr lang="de-DE" sz="1600" i="1" dirty="0">
+                <a:ea typeface="+mn-lt"/>
+                <a:cs typeface="+mn-lt"/>
+              </a:rPr>
+              <a:t>@DataJpaTest – </a:t>
+            </a:r>
+            <a:r>
+              <a:rPr lang="de-DE" sz="1600" i="1" dirty="0" err="1">
+                <a:ea typeface="+mn-lt"/>
+                <a:cs typeface="+mn-lt"/>
+              </a:rPr>
+              <a:t>test</a:t>
+            </a:r>
+            <a:r>
+              <a:rPr lang="de-DE" sz="1600" i="1" dirty="0">
+                <a:ea typeface="+mn-lt"/>
+                <a:cs typeface="+mn-lt"/>
+              </a:rPr>
+              <a:t> </a:t>
+            </a:r>
+            <a:r>
+              <a:rPr lang="de-DE" sz="1600" i="1" dirty="0" err="1">
+                <a:ea typeface="+mn-lt"/>
+                <a:cs typeface="+mn-lt"/>
+              </a:rPr>
+              <a:t>for</a:t>
+            </a:r>
+            <a:r>
+              <a:rPr lang="de-DE" sz="1600" i="1" dirty="0">
+                <a:ea typeface="+mn-lt"/>
+                <a:cs typeface="+mn-lt"/>
+              </a:rPr>
+              <a:t> </a:t>
+            </a:r>
+            <a:r>
+              <a:rPr lang="de-DE" sz="1600" i="1" dirty="0" err="1">
+                <a:ea typeface="+mn-lt"/>
+                <a:cs typeface="+mn-lt"/>
+              </a:rPr>
+              <a:t>repositories</a:t>
+            </a:r>
+            <a:endParaRPr lang="de-DE" sz="1600" i="1" dirty="0">
+              <a:ea typeface="+mn-lt"/>
+              <a:cs typeface="+mn-lt"/>
+            </a:endParaRPr>
+          </a:p>
+          <a:p>
+            <a:pPr>
+              <a:buFont typeface="Wingdings 3"/>
+              <a:buChar char=""/>
+            </a:pPr>
+            <a:r>
+              <a:rPr lang="de-DE" sz="1600" i="1" dirty="0">
+                <a:ea typeface="+mn-lt"/>
+                <a:cs typeface="+mn-lt"/>
+              </a:rPr>
+              <a:t>@TestPropertySource – </a:t>
+            </a:r>
+            <a:r>
+              <a:rPr lang="de-DE" sz="1600" i="1" dirty="0" err="1">
+                <a:ea typeface="+mn-lt"/>
+                <a:cs typeface="+mn-lt"/>
+              </a:rPr>
+              <a:t>add</a:t>
+            </a:r>
+            <a:r>
+              <a:rPr lang="de-DE" sz="1600" i="1" dirty="0">
+                <a:ea typeface="+mn-lt"/>
+                <a:cs typeface="+mn-lt"/>
+              </a:rPr>
+              <a:t> </a:t>
+            </a:r>
+            <a:r>
+              <a:rPr lang="de-DE" sz="1600" i="1" dirty="0" err="1">
+                <a:ea typeface="+mn-lt"/>
+                <a:cs typeface="+mn-lt"/>
+              </a:rPr>
+              <a:t>properties</a:t>
+            </a:r>
+            <a:r>
+              <a:rPr lang="de-DE" sz="1600" i="1" dirty="0">
+                <a:ea typeface="+mn-lt"/>
+                <a:cs typeface="+mn-lt"/>
+              </a:rPr>
+              <a:t> </a:t>
+            </a:r>
+            <a:r>
+              <a:rPr lang="de-DE" sz="1600" i="1" dirty="0" err="1">
+                <a:ea typeface="+mn-lt"/>
+                <a:cs typeface="+mn-lt"/>
+              </a:rPr>
+              <a:t>to</a:t>
+            </a:r>
+            <a:r>
+              <a:rPr lang="de-DE" sz="1600" i="1" dirty="0">
+                <a:ea typeface="+mn-lt"/>
+                <a:cs typeface="+mn-lt"/>
+              </a:rPr>
+              <a:t> </a:t>
+            </a:r>
+            <a:r>
+              <a:rPr lang="de-DE" sz="1600" i="1" dirty="0" err="1">
+                <a:ea typeface="+mn-lt"/>
+                <a:cs typeface="+mn-lt"/>
+              </a:rPr>
+              <a:t>test</a:t>
+            </a:r>
+            <a:r>
+              <a:rPr lang="de-DE" sz="1600" i="1" dirty="0">
+                <a:ea typeface="+mn-lt"/>
+                <a:cs typeface="+mn-lt"/>
+              </a:rPr>
+              <a:t> </a:t>
+            </a:r>
+            <a:r>
+              <a:rPr lang="de-DE" sz="1600" i="1" dirty="0" err="1">
+                <a:ea typeface="+mn-lt"/>
+                <a:cs typeface="+mn-lt"/>
+              </a:rPr>
+              <a:t>execution</a:t>
+            </a:r>
+            <a:endParaRPr lang="de-DE" sz="1600" i="1" dirty="0">
+              <a:ea typeface="+mn-lt"/>
+              <a:cs typeface="+mn-lt"/>
+            </a:endParaRPr>
+          </a:p>
+        </p:txBody>
+      </p:sp>
+    </p:spTree>
+    <p:extLst>
+      <p:ext uri="{BB962C8B-B14F-4D97-AF65-F5344CB8AC3E}">
+        <p14:creationId xmlns:p14="http://schemas.microsoft.com/office/powerpoint/2010/main" val="2707427296"/>
+      </p:ext>
+    </p:extLst>
+  </p:cSld>
+  <p:clrMapOvr>
+    <a:masterClrMapping/>
+  </p:clrMapOvr>
+</p:sld>
+</file>
+
+<file path=ppt/slides/slide107.xml><?xml version="1.0" encoding="utf-8"?>
+<p:sld xmlns:a="http://schemas.openxmlformats.org/drawingml/2006/main" xmlns:r="http://schemas.openxmlformats.org/officeDocument/2006/relationships" xmlns:p="http://schemas.openxmlformats.org/presentationml/2006/main">
+  <p:cSld>
+    <p:spTree>
+      <p:nvGrpSpPr>
+        <p:cNvPr id="1" name=""/>
+        <p:cNvGrpSpPr/>
+        <p:nvPr/>
+      </p:nvGrpSpPr>
+      <p:grpSpPr>
+        <a:xfrm>
+          <a:off x="0" y="0"/>
+          <a:ext cx="0" cy="0"/>
+          <a:chOff x="0" y="0"/>
+          <a:chExt cx="0" cy="0"/>
+        </a:xfrm>
+      </p:grpSpPr>
+      <p:sp>
+        <p:nvSpPr>
+          <p:cNvPr id="2" name="Titel 1">
+            <a:extLst>
+              <a:ext uri="{FF2B5EF4-FFF2-40B4-BE49-F238E27FC236}">
+                <a16:creationId xmlns:a16="http://schemas.microsoft.com/office/drawing/2014/main" id="{3C218EB9-1ED4-BF25-5F37-60F41BA961DB}"/>
+              </a:ext>
+            </a:extLst>
+          </p:cNvPr>
+          <p:cNvSpPr>
+            <a:spLocks noGrp="1"/>
+          </p:cNvSpPr>
+          <p:nvPr>
+            <p:ph type="title"/>
+          </p:nvPr>
+        </p:nvSpPr>
+        <p:spPr/>
+        <p:txBody>
+          <a:bodyPr/>
+          <a:lstStyle/>
+          <a:p>
+            <a:r>
+              <a:rPr lang="de-DE" dirty="0"/>
+              <a:t>Aufgabe: Customer testen</a:t>
+            </a:r>
+          </a:p>
+        </p:txBody>
+      </p:sp>
+      <p:sp>
+        <p:nvSpPr>
+          <p:cNvPr id="3" name="Inhaltsplatzhalter 2">
+            <a:extLst>
+              <a:ext uri="{FF2B5EF4-FFF2-40B4-BE49-F238E27FC236}">
+                <a16:creationId xmlns:a16="http://schemas.microsoft.com/office/drawing/2014/main" id="{F7A2A6E8-D028-0A06-0946-24C88079B079}"/>
+              </a:ext>
+            </a:extLst>
+          </p:cNvPr>
+          <p:cNvSpPr>
+            <a:spLocks noGrp="1"/>
+          </p:cNvSpPr>
+          <p:nvPr>
+            <p:ph idx="1"/>
+          </p:nvPr>
+        </p:nvSpPr>
+        <p:spPr/>
+        <p:txBody>
+          <a:bodyPr/>
+          <a:lstStyle/>
+          <a:p>
+            <a:r>
+              <a:rPr lang="de-DE" dirty="0" err="1"/>
+              <a:t>CustomerRepositoryTest</a:t>
+            </a:r>
+            <a:r>
+              <a:rPr lang="de-DE" dirty="0"/>
+              <a:t> (</a:t>
+            </a:r>
+            <a:r>
+              <a:rPr lang="de-DE" dirty="0" err="1"/>
+              <a:t>DataJpaTest</a:t>
+            </a:r>
+            <a:r>
+              <a:rPr lang="de-DE" dirty="0"/>
+              <a:t>)</a:t>
+            </a:r>
+          </a:p>
+          <a:p>
+            <a:r>
+              <a:rPr lang="de-DE" dirty="0" err="1"/>
+              <a:t>CustomerServiceImplTest</a:t>
+            </a:r>
+            <a:r>
+              <a:rPr lang="de-DE" dirty="0"/>
+              <a:t> (</a:t>
+            </a:r>
+            <a:r>
+              <a:rPr lang="de-DE" dirty="0" err="1"/>
+              <a:t>MockitoTest</a:t>
+            </a:r>
+            <a:r>
+              <a:rPr lang="de-DE" dirty="0"/>
+              <a:t>)</a:t>
+            </a:r>
+          </a:p>
+          <a:p>
+            <a:r>
+              <a:rPr lang="de-DE" dirty="0" err="1"/>
+              <a:t>CustomerControllerWebMvcTest</a:t>
+            </a:r>
+            <a:r>
+              <a:rPr lang="de-DE" dirty="0"/>
+              <a:t> (</a:t>
+            </a:r>
+            <a:r>
+              <a:rPr lang="de-DE" dirty="0" err="1"/>
+              <a:t>WebMvcTest</a:t>
+            </a:r>
+            <a:r>
+              <a:rPr lang="de-DE" dirty="0"/>
+              <a:t>)</a:t>
+            </a:r>
+          </a:p>
+        </p:txBody>
+      </p:sp>
+    </p:spTree>
+    <p:extLst>
+      <p:ext uri="{BB962C8B-B14F-4D97-AF65-F5344CB8AC3E}">
+        <p14:creationId xmlns:p14="http://schemas.microsoft.com/office/powerpoint/2010/main" val="3309388778"/>
+      </p:ext>
+    </p:extLst>
+  </p:cSld>
+  <p:clrMapOvr>
+    <a:masterClrMapping/>
+  </p:clrMapOvr>
+</p:sld>
+</file>
+
+<file path=ppt/slides/slide108.xml><?xml version="1.0" encoding="utf-8"?>
+<p:sld xmlns:a="http://schemas.openxmlformats.org/drawingml/2006/main" xmlns:r="http://schemas.openxmlformats.org/officeDocument/2006/relationships" xmlns:p="http://schemas.openxmlformats.org/presentationml/2006/main">
+  <p:cSld>
+    <p:spTree>
+      <p:nvGrpSpPr>
+        <p:cNvPr id="1" name=""/>
+        <p:cNvGrpSpPr/>
+        <p:nvPr/>
+      </p:nvGrpSpPr>
+      <p:grpSpPr>
+        <a:xfrm>
+          <a:off x="0" y="0"/>
+          <a:ext cx="0" cy="0"/>
+          <a:chOff x="0" y="0"/>
+          <a:chExt cx="0" cy="0"/>
+        </a:xfrm>
+      </p:grpSpPr>
+      <p:sp>
+        <p:nvSpPr>
+          <p:cNvPr id="2" name="Titel 1">
+            <a:extLst>
+              <a:ext uri="{FF2B5EF4-FFF2-40B4-BE49-F238E27FC236}">
+                <a16:creationId xmlns:a16="http://schemas.microsoft.com/office/drawing/2014/main" id="{29D30B30-D47B-4B67-8868-F9E1379BBCA4}"/>
+              </a:ext>
+            </a:extLst>
+          </p:cNvPr>
+          <p:cNvSpPr>
+            <a:spLocks noGrp="1"/>
+          </p:cNvSpPr>
+          <p:nvPr>
+            <p:ph type="title"/>
+          </p:nvPr>
+        </p:nvSpPr>
+        <p:spPr/>
+        <p:txBody>
+          <a:bodyPr/>
+          <a:lstStyle/>
+          <a:p>
+            <a:r>
+              <a:rPr lang="de-DE" dirty="0">
+                <a:ea typeface="+mj-lt"/>
+                <a:cs typeface="+mj-lt"/>
+              </a:rPr>
+              <a:t>Fortgeschrittene Möglichkeiten</a:t>
+            </a:r>
+            <a:endParaRPr lang="de-DE" dirty="0"/>
+          </a:p>
+        </p:txBody>
+      </p:sp>
+      <p:sp>
+        <p:nvSpPr>
+          <p:cNvPr id="3" name="Inhaltsplatzhalter 2">
+            <a:extLst>
+              <a:ext uri="{FF2B5EF4-FFF2-40B4-BE49-F238E27FC236}">
+                <a16:creationId xmlns:a16="http://schemas.microsoft.com/office/drawing/2014/main" id="{D18E186C-19E2-4067-A219-2FA83D56C5DA}"/>
+              </a:ext>
+            </a:extLst>
+          </p:cNvPr>
+          <p:cNvSpPr>
+            <a:spLocks noGrp="1"/>
+          </p:cNvSpPr>
+          <p:nvPr>
+            <p:ph idx="1"/>
+          </p:nvPr>
+        </p:nvSpPr>
         <p:spPr/>
         <p:txBody>
           <a:bodyPr vert="horz" lIns="91440" tIns="45720" rIns="91440" bIns="45720" rtlCol="0" anchor="t">
@@ -7215,7 +8092,7 @@
 </p:sld>
 </file>
 
-<file path=ppt/slides/slide105.xml><?xml version="1.0" encoding="utf-8"?>
+<file path=ppt/slides/slide109.xml><?xml version="1.0" encoding="utf-8"?>
 <p:sld xmlns:a="http://schemas.openxmlformats.org/drawingml/2006/main" xmlns:r="http://schemas.openxmlformats.org/officeDocument/2006/relationships" xmlns:p="http://schemas.openxmlformats.org/presentationml/2006/main">
   <p:cSld>
     <p:spTree>
@@ -7310,682 +8187,6 @@
 </p:sld>
 </file>
 
-<file path=ppt/slides/slide106.xml><?xml version="1.0" encoding="utf-8"?>
-<p:sld xmlns:a="http://schemas.openxmlformats.org/drawingml/2006/main" xmlns:r="http://schemas.openxmlformats.org/officeDocument/2006/relationships" xmlns:p="http://schemas.openxmlformats.org/presentationml/2006/main">
-  <p:cSld>
-    <p:spTree>
-      <p:nvGrpSpPr>
-        <p:cNvPr id="1" name=""/>
-        <p:cNvGrpSpPr/>
-        <p:nvPr/>
-      </p:nvGrpSpPr>
-      <p:grpSpPr>
-        <a:xfrm>
-          <a:off x="0" y="0"/>
-          <a:ext cx="0" cy="0"/>
-          <a:chOff x="0" y="0"/>
-          <a:chExt cx="0" cy="0"/>
-        </a:xfrm>
-      </p:grpSpPr>
-      <p:sp>
-        <p:nvSpPr>
-          <p:cNvPr id="2" name="Titel 1">
-            <a:extLst>
-              <a:ext uri="{FF2B5EF4-FFF2-40B4-BE49-F238E27FC236}">
-                <a16:creationId xmlns:a16="http://schemas.microsoft.com/office/drawing/2014/main" id="{67E96435-011C-4408-8501-2CC6700BDEF3}"/>
-              </a:ext>
-            </a:extLst>
-          </p:cNvPr>
-          <p:cNvSpPr>
-            <a:spLocks noGrp="1"/>
-          </p:cNvSpPr>
-          <p:nvPr>
-            <p:ph type="title"/>
-          </p:nvPr>
-        </p:nvSpPr>
-        <p:spPr/>
-        <p:txBody>
-          <a:bodyPr/>
-          <a:lstStyle/>
-          <a:p>
-            <a:r>
-              <a:rPr lang="de-DE" dirty="0"/>
-              <a:t>Junit-5-Extension</a:t>
-            </a:r>
-          </a:p>
-        </p:txBody>
-      </p:sp>
-      <p:sp>
-        <p:nvSpPr>
-          <p:cNvPr id="3" name="Inhaltsplatzhalter 2">
-            <a:extLst>
-              <a:ext uri="{FF2B5EF4-FFF2-40B4-BE49-F238E27FC236}">
-                <a16:creationId xmlns:a16="http://schemas.microsoft.com/office/drawing/2014/main" id="{C113EA24-B1D5-48E7-B814-B3675EC1667E}"/>
-              </a:ext>
-            </a:extLst>
-          </p:cNvPr>
-          <p:cNvSpPr>
-            <a:spLocks noGrp="1"/>
-          </p:cNvSpPr>
-          <p:nvPr>
-            <p:ph idx="1"/>
-          </p:nvPr>
-        </p:nvSpPr>
-        <p:spPr>
-          <a:xfrm>
-            <a:off x="677334" y="1647783"/>
-            <a:ext cx="8596668" cy="3880773"/>
-          </a:xfrm>
-        </p:spPr>
-        <p:txBody>
-          <a:bodyPr>
-            <a:normAutofit fontScale="85000" lnSpcReduction="20000"/>
-          </a:bodyPr>
-          <a:lstStyle/>
-          <a:p>
-            <a:pPr marL="0" indent="0">
-              <a:buNone/>
-            </a:pPr>
-            <a:r>
-              <a:rPr lang="en-US" dirty="0"/>
-              <a:t>JUnit 5 extensions are related to a certain event in the execution of a test, referred to as an extension point. When a certain life cycle phase is reached, the JUnit engine calls registered extensions.</a:t>
-            </a:r>
-          </a:p>
-          <a:p>
-            <a:endParaRPr lang="en-US" dirty="0"/>
-          </a:p>
-          <a:p>
-            <a:pPr marL="0" indent="0">
-              <a:buNone/>
-            </a:pPr>
-            <a:r>
-              <a:rPr lang="en-US" dirty="0"/>
-              <a:t>Five main types of extension points can be used:</a:t>
-            </a:r>
-          </a:p>
-          <a:p>
-            <a:endParaRPr lang="en-US" dirty="0"/>
-          </a:p>
-          <a:p>
-            <a:r>
-              <a:rPr lang="en-US" dirty="0"/>
-              <a:t>test instance post-processing</a:t>
-            </a:r>
-          </a:p>
-          <a:p>
-            <a:r>
-              <a:rPr lang="en-US" dirty="0"/>
-              <a:t>conditional test execution</a:t>
-            </a:r>
-          </a:p>
-          <a:p>
-            <a:r>
-              <a:rPr lang="en-US" dirty="0"/>
-              <a:t>life-cycle callbacks</a:t>
-            </a:r>
-          </a:p>
-          <a:p>
-            <a:r>
-              <a:rPr lang="en-US" dirty="0"/>
-              <a:t>parameter resolution</a:t>
-            </a:r>
-          </a:p>
-          <a:p>
-            <a:r>
-              <a:rPr lang="en-US" dirty="0"/>
-              <a:t>exception handling</a:t>
-            </a:r>
-          </a:p>
-          <a:p>
-            <a:endParaRPr lang="en-US" dirty="0"/>
-          </a:p>
-          <a:p>
-            <a:r>
-              <a:rPr lang="en-US" dirty="0" err="1"/>
-              <a:t>Projekt</a:t>
-            </a:r>
-            <a:r>
-              <a:rPr lang="en-US" dirty="0"/>
-              <a:t>: extension</a:t>
-            </a:r>
-            <a:endParaRPr lang="de-DE" dirty="0"/>
-          </a:p>
-        </p:txBody>
-      </p:sp>
-    </p:spTree>
-    <p:extLst>
-      <p:ext uri="{BB962C8B-B14F-4D97-AF65-F5344CB8AC3E}">
-        <p14:creationId xmlns:p14="http://schemas.microsoft.com/office/powerpoint/2010/main" val="2003780980"/>
-      </p:ext>
-    </p:extLst>
-  </p:cSld>
-  <p:clrMapOvr>
-    <a:masterClrMapping/>
-  </p:clrMapOvr>
-</p:sld>
-</file>
-
-<file path=ppt/slides/slide107.xml><?xml version="1.0" encoding="utf-8"?>
-<p:sld xmlns:a="http://schemas.openxmlformats.org/drawingml/2006/main" xmlns:r="http://schemas.openxmlformats.org/officeDocument/2006/relationships" xmlns:p="http://schemas.openxmlformats.org/presentationml/2006/main">
-  <p:cSld>
-    <p:spTree>
-      <p:nvGrpSpPr>
-        <p:cNvPr id="1" name=""/>
-        <p:cNvGrpSpPr/>
-        <p:nvPr/>
-      </p:nvGrpSpPr>
-      <p:grpSpPr>
-        <a:xfrm>
-          <a:off x="0" y="0"/>
-          <a:ext cx="0" cy="0"/>
-          <a:chOff x="0" y="0"/>
-          <a:chExt cx="0" cy="0"/>
-        </a:xfrm>
-      </p:grpSpPr>
-      <p:sp>
-        <p:nvSpPr>
-          <p:cNvPr id="2" name="Titel 1">
-            <a:extLst>
-              <a:ext uri="{FF2B5EF4-FFF2-40B4-BE49-F238E27FC236}">
-                <a16:creationId xmlns:a16="http://schemas.microsoft.com/office/drawing/2014/main" id="{29D30B30-D47B-4B67-8868-F9E1379BBCA4}"/>
-              </a:ext>
-            </a:extLst>
-          </p:cNvPr>
-          <p:cNvSpPr>
-            <a:spLocks noGrp="1"/>
-          </p:cNvSpPr>
-          <p:nvPr>
-            <p:ph type="title"/>
-          </p:nvPr>
-        </p:nvSpPr>
-        <p:spPr/>
-        <p:txBody>
-          <a:bodyPr/>
-          <a:lstStyle/>
-          <a:p>
-            <a:r>
-              <a:rPr lang="de-DE" dirty="0" err="1">
-                <a:ea typeface="+mj-lt"/>
-                <a:cs typeface="+mj-lt"/>
-              </a:rPr>
-              <a:t>What</a:t>
-            </a:r>
-            <a:r>
-              <a:rPr lang="de-DE" dirty="0">
-                <a:ea typeface="+mj-lt"/>
-                <a:cs typeface="+mj-lt"/>
-              </a:rPr>
-              <a:t> </a:t>
-            </a:r>
-            <a:r>
-              <a:rPr lang="de-DE" dirty="0" err="1">
-                <a:ea typeface="+mj-lt"/>
-                <a:cs typeface="+mj-lt"/>
-              </a:rPr>
-              <a:t>did</a:t>
-            </a:r>
-            <a:r>
-              <a:rPr lang="de-DE" dirty="0">
-                <a:ea typeface="+mj-lt"/>
-                <a:cs typeface="+mj-lt"/>
-              </a:rPr>
-              <a:t> </a:t>
-            </a:r>
-            <a:r>
-              <a:rPr lang="de-DE" dirty="0" err="1">
-                <a:ea typeface="+mj-lt"/>
-                <a:cs typeface="+mj-lt"/>
-              </a:rPr>
-              <a:t>we</a:t>
-            </a:r>
-            <a:r>
-              <a:rPr lang="de-DE" dirty="0">
-                <a:ea typeface="+mj-lt"/>
-                <a:cs typeface="+mj-lt"/>
-              </a:rPr>
-              <a:t> </a:t>
-            </a:r>
-            <a:r>
-              <a:rPr lang="de-DE" dirty="0" err="1">
-                <a:ea typeface="+mj-lt"/>
-                <a:cs typeface="+mj-lt"/>
-              </a:rPr>
-              <a:t>learn</a:t>
-            </a:r>
-            <a:r>
-              <a:rPr lang="de-DE" dirty="0">
-                <a:ea typeface="+mj-lt"/>
-                <a:cs typeface="+mj-lt"/>
-              </a:rPr>
-              <a:t>?</a:t>
-            </a:r>
-          </a:p>
-          <a:p>
-            <a:endParaRPr lang="de-DE" dirty="0"/>
-          </a:p>
-        </p:txBody>
-      </p:sp>
-      <p:sp>
-        <p:nvSpPr>
-          <p:cNvPr id="3" name="Inhaltsplatzhalter 2">
-            <a:extLst>
-              <a:ext uri="{FF2B5EF4-FFF2-40B4-BE49-F238E27FC236}">
-                <a16:creationId xmlns:a16="http://schemas.microsoft.com/office/drawing/2014/main" id="{D18E186C-19E2-4067-A219-2FA83D56C5DA}"/>
-              </a:ext>
-            </a:extLst>
-          </p:cNvPr>
-          <p:cNvSpPr>
-            <a:spLocks noGrp="1"/>
-          </p:cNvSpPr>
-          <p:nvPr>
-            <p:ph idx="1"/>
-          </p:nvPr>
-        </p:nvSpPr>
-        <p:spPr>
-          <a:xfrm>
-            <a:off x="677334" y="1685448"/>
-            <a:ext cx="8596668" cy="4397383"/>
-          </a:xfrm>
-        </p:spPr>
-        <p:txBody>
-          <a:bodyPr vert="horz" lIns="91440" tIns="45720" rIns="91440" bIns="45720" rtlCol="0" anchor="t">
-            <a:normAutofit/>
-          </a:bodyPr>
-          <a:lstStyle/>
-          <a:p>
-            <a:pPr>
-              <a:buFont typeface="Wingdings 3"/>
-              <a:buChar char=""/>
-            </a:pPr>
-            <a:r>
-              <a:rPr lang="en-US" sz="1600" i="1" dirty="0">
-                <a:ea typeface="+mn-lt"/>
-                <a:cs typeface="+mn-lt"/>
-              </a:rPr>
-              <a:t>@TempDir</a:t>
-            </a:r>
-          </a:p>
-          <a:p>
-            <a:pPr>
-              <a:buFont typeface="Wingdings 3"/>
-              <a:buChar char=""/>
-            </a:pPr>
-            <a:r>
-              <a:rPr lang="de-DE" sz="1600" i="1" dirty="0" err="1">
-                <a:ea typeface="+mn-lt"/>
-                <a:cs typeface="+mn-lt"/>
-              </a:rPr>
-              <a:t>BeforeAllCallback</a:t>
-            </a:r>
-            <a:r>
-              <a:rPr lang="de-DE" sz="1600" i="1" dirty="0">
-                <a:ea typeface="+mn-lt"/>
-                <a:cs typeface="+mn-lt"/>
-              </a:rPr>
-              <a:t>, </a:t>
-            </a:r>
-            <a:r>
-              <a:rPr lang="de-DE" sz="1600" i="1" dirty="0" err="1">
-                <a:ea typeface="+mn-lt"/>
-                <a:cs typeface="+mn-lt"/>
-              </a:rPr>
-              <a:t>BeforeTestExecutionCallback</a:t>
-            </a:r>
-            <a:r>
-              <a:rPr lang="de-DE" sz="1600" i="1" dirty="0">
-                <a:ea typeface="+mn-lt"/>
-                <a:cs typeface="+mn-lt"/>
-              </a:rPr>
-              <a:t>, </a:t>
-            </a:r>
-            <a:r>
-              <a:rPr lang="de-DE" sz="1600" i="1" dirty="0" err="1">
-                <a:ea typeface="+mn-lt"/>
-                <a:cs typeface="+mn-lt"/>
-              </a:rPr>
-              <a:t>AfterTestExecutionCallback</a:t>
-            </a:r>
-            <a:r>
-              <a:rPr lang="de-DE" sz="1600" i="1" dirty="0">
-                <a:ea typeface="+mn-lt"/>
-                <a:cs typeface="+mn-lt"/>
-              </a:rPr>
-              <a:t>, </a:t>
-            </a:r>
-            <a:r>
-              <a:rPr lang="de-DE" sz="1600" i="1" dirty="0" err="1">
-                <a:ea typeface="+mn-lt"/>
-                <a:cs typeface="+mn-lt"/>
-              </a:rPr>
-              <a:t>AfterAllCallback</a:t>
-            </a:r>
-            <a:endParaRPr lang="de-DE" sz="1600" i="1" dirty="0">
-              <a:ea typeface="+mn-lt"/>
-              <a:cs typeface="+mn-lt"/>
-            </a:endParaRPr>
-          </a:p>
-          <a:p>
-            <a:pPr>
-              <a:buFont typeface="Wingdings 3"/>
-              <a:buChar char=""/>
-            </a:pPr>
-            <a:r>
-              <a:rPr lang="de-DE" sz="1600" i="1" dirty="0" err="1">
-                <a:ea typeface="+mn-lt"/>
-                <a:cs typeface="+mn-lt"/>
-              </a:rPr>
-              <a:t>Manipulating</a:t>
-            </a:r>
-            <a:r>
-              <a:rPr lang="de-DE" sz="1600" i="1" dirty="0">
-                <a:ea typeface="+mn-lt"/>
-                <a:cs typeface="+mn-lt"/>
-              </a:rPr>
-              <a:t> time </a:t>
-            </a:r>
-            <a:r>
-              <a:rPr lang="de-DE" sz="1600" i="1" dirty="0" err="1">
-                <a:ea typeface="+mn-lt"/>
-                <a:cs typeface="+mn-lt"/>
-              </a:rPr>
-              <a:t>for</a:t>
-            </a:r>
-            <a:r>
-              <a:rPr lang="de-DE" sz="1600" i="1" dirty="0">
-                <a:ea typeface="+mn-lt"/>
-                <a:cs typeface="+mn-lt"/>
-              </a:rPr>
-              <a:t> </a:t>
-            </a:r>
-            <a:r>
-              <a:rPr lang="de-DE" sz="1600" i="1" dirty="0" err="1">
-                <a:ea typeface="+mn-lt"/>
-                <a:cs typeface="+mn-lt"/>
-              </a:rPr>
-              <a:t>tests</a:t>
-            </a:r>
-            <a:endParaRPr lang="de-DE" sz="1600" i="1" dirty="0">
-              <a:ea typeface="+mn-lt"/>
-              <a:cs typeface="+mn-lt"/>
-            </a:endParaRPr>
-          </a:p>
-        </p:txBody>
-      </p:sp>
-    </p:spTree>
-    <p:extLst>
-      <p:ext uri="{BB962C8B-B14F-4D97-AF65-F5344CB8AC3E}">
-        <p14:creationId xmlns:p14="http://schemas.microsoft.com/office/powerpoint/2010/main" val="2626175548"/>
-      </p:ext>
-    </p:extLst>
-  </p:cSld>
-  <p:clrMapOvr>
-    <a:masterClrMapping/>
-  </p:clrMapOvr>
-</p:sld>
-</file>
-
-<file path=ppt/slides/slide108.xml><?xml version="1.0" encoding="utf-8"?>
-<p:sld xmlns:a="http://schemas.openxmlformats.org/drawingml/2006/main" xmlns:r="http://schemas.openxmlformats.org/officeDocument/2006/relationships" xmlns:p="http://schemas.openxmlformats.org/presentationml/2006/main">
-  <p:cSld>
-    <p:spTree>
-      <p:nvGrpSpPr>
-        <p:cNvPr id="1" name=""/>
-        <p:cNvGrpSpPr/>
-        <p:nvPr/>
-      </p:nvGrpSpPr>
-      <p:grpSpPr>
-        <a:xfrm>
-          <a:off x="0" y="0"/>
-          <a:ext cx="0" cy="0"/>
-          <a:chOff x="0" y="0"/>
-          <a:chExt cx="0" cy="0"/>
-        </a:xfrm>
-      </p:grpSpPr>
-      <p:sp>
-        <p:nvSpPr>
-          <p:cNvPr id="2" name="Titel 1">
-            <a:extLst>
-              <a:ext uri="{FF2B5EF4-FFF2-40B4-BE49-F238E27FC236}">
-                <a16:creationId xmlns:a16="http://schemas.microsoft.com/office/drawing/2014/main" id="{925DA98B-29F5-454F-9307-FBF7B0A34C79}"/>
-              </a:ext>
-            </a:extLst>
-          </p:cNvPr>
-          <p:cNvSpPr>
-            <a:spLocks noGrp="1"/>
-          </p:cNvSpPr>
-          <p:nvPr>
-            <p:ph type="title"/>
-          </p:nvPr>
-        </p:nvSpPr>
-        <p:spPr/>
-        <p:txBody>
-          <a:bodyPr/>
-          <a:lstStyle/>
-          <a:p>
-            <a:r>
-              <a:rPr lang="de-DE" dirty="0">
-                <a:ea typeface="+mn-lt"/>
-                <a:cs typeface="+mn-lt"/>
-              </a:rPr>
-              <a:t>Testcontainers</a:t>
-            </a:r>
-            <a:endParaRPr lang="de-DE" dirty="0"/>
-          </a:p>
-        </p:txBody>
-      </p:sp>
-      <p:sp>
-        <p:nvSpPr>
-          <p:cNvPr id="3" name="Inhaltsplatzhalter 2">
-            <a:extLst>
-              <a:ext uri="{FF2B5EF4-FFF2-40B4-BE49-F238E27FC236}">
-                <a16:creationId xmlns:a16="http://schemas.microsoft.com/office/drawing/2014/main" id="{FB529FB1-2CAA-4E69-BD02-D42D12739D84}"/>
-              </a:ext>
-            </a:extLst>
-          </p:cNvPr>
-          <p:cNvSpPr>
-            <a:spLocks noGrp="1"/>
-          </p:cNvSpPr>
-          <p:nvPr>
-            <p:ph idx="1"/>
-          </p:nvPr>
-        </p:nvSpPr>
-        <p:spPr/>
-        <p:txBody>
-          <a:bodyPr/>
-          <a:lstStyle/>
-          <a:p>
-            <a:r>
-              <a:rPr lang="de-DE" dirty="0"/>
-              <a:t>Anwendungen haben aber echte DBs, was machen wir im (lokalen) Test?</a:t>
-            </a:r>
-          </a:p>
-          <a:p>
-            <a:r>
-              <a:rPr lang="de-DE" dirty="0" err="1"/>
-              <a:t>db</a:t>
-            </a:r>
-            <a:r>
-              <a:rPr lang="de-DE" dirty="0"/>
-              <a:t> per </a:t>
-            </a:r>
-            <a:r>
-              <a:rPr lang="de-DE" dirty="0" err="1"/>
-              <a:t>docker</a:t>
-            </a:r>
-            <a:r>
-              <a:rPr lang="de-DE" dirty="0"/>
-              <a:t> </a:t>
-            </a:r>
-            <a:r>
-              <a:rPr lang="de-DE" dirty="0" err="1"/>
-              <a:t>container</a:t>
-            </a:r>
-            <a:r>
-              <a:rPr lang="de-DE" dirty="0"/>
-              <a:t>!</a:t>
-            </a:r>
-          </a:p>
-          <a:p>
-            <a:r>
-              <a:rPr lang="de-DE" dirty="0"/>
-              <a:t>Und das ganze mit </a:t>
-            </a:r>
-            <a:r>
-              <a:rPr lang="de-DE" dirty="0" err="1"/>
-              <a:t>Junit</a:t>
-            </a:r>
-            <a:r>
-              <a:rPr lang="de-DE" dirty="0"/>
-              <a:t> verdrahtet: Testcontainers</a:t>
-            </a:r>
-          </a:p>
-          <a:p>
-            <a:r>
-              <a:rPr lang="de-DE" dirty="0"/>
-              <a:t>Projekt: 10-netzfilm</a:t>
-            </a:r>
-          </a:p>
-        </p:txBody>
-      </p:sp>
-    </p:spTree>
-    <p:extLst>
-      <p:ext uri="{BB962C8B-B14F-4D97-AF65-F5344CB8AC3E}">
-        <p14:creationId xmlns:p14="http://schemas.microsoft.com/office/powerpoint/2010/main" val="1692059502"/>
-      </p:ext>
-    </p:extLst>
-  </p:cSld>
-  <p:clrMapOvr>
-    <a:masterClrMapping/>
-  </p:clrMapOvr>
-</p:sld>
-</file>
-
-<file path=ppt/slides/slide109.xml><?xml version="1.0" encoding="utf-8"?>
-<p:sld xmlns:a="http://schemas.openxmlformats.org/drawingml/2006/main" xmlns:r="http://schemas.openxmlformats.org/officeDocument/2006/relationships" xmlns:p="http://schemas.openxmlformats.org/presentationml/2006/main">
-  <p:cSld>
-    <p:spTree>
-      <p:nvGrpSpPr>
-        <p:cNvPr id="1" name=""/>
-        <p:cNvGrpSpPr/>
-        <p:nvPr/>
-      </p:nvGrpSpPr>
-      <p:grpSpPr>
-        <a:xfrm>
-          <a:off x="0" y="0"/>
-          <a:ext cx="0" cy="0"/>
-          <a:chOff x="0" y="0"/>
-          <a:chExt cx="0" cy="0"/>
-        </a:xfrm>
-      </p:grpSpPr>
-      <p:sp>
-        <p:nvSpPr>
-          <p:cNvPr id="2" name="Titel 1">
-            <a:extLst>
-              <a:ext uri="{FF2B5EF4-FFF2-40B4-BE49-F238E27FC236}">
-                <a16:creationId xmlns:a16="http://schemas.microsoft.com/office/drawing/2014/main" id="{29D30B30-D47B-4B67-8868-F9E1379BBCA4}"/>
-              </a:ext>
-            </a:extLst>
-          </p:cNvPr>
-          <p:cNvSpPr>
-            <a:spLocks noGrp="1"/>
-          </p:cNvSpPr>
-          <p:nvPr>
-            <p:ph type="title"/>
-          </p:nvPr>
-        </p:nvSpPr>
-        <p:spPr/>
-        <p:txBody>
-          <a:bodyPr/>
-          <a:lstStyle/>
-          <a:p>
-            <a:r>
-              <a:rPr lang="de-DE" dirty="0"/>
-              <a:t>Agenda</a:t>
-            </a:r>
-          </a:p>
-        </p:txBody>
-      </p:sp>
-      <p:sp>
-        <p:nvSpPr>
-          <p:cNvPr id="3" name="Inhaltsplatzhalter 2">
-            <a:extLst>
-              <a:ext uri="{FF2B5EF4-FFF2-40B4-BE49-F238E27FC236}">
-                <a16:creationId xmlns:a16="http://schemas.microsoft.com/office/drawing/2014/main" id="{D18E186C-19E2-4067-A219-2FA83D56C5DA}"/>
-              </a:ext>
-            </a:extLst>
-          </p:cNvPr>
-          <p:cNvSpPr>
-            <a:spLocks noGrp="1"/>
-          </p:cNvSpPr>
-          <p:nvPr>
-            <p:ph idx="1"/>
-          </p:nvPr>
-        </p:nvSpPr>
-        <p:spPr/>
-        <p:txBody>
-          <a:bodyPr vert="horz" lIns="91440" tIns="45720" rIns="91440" bIns="45720" rtlCol="0" anchor="t">
-            <a:normAutofit/>
-          </a:bodyPr>
-          <a:lstStyle/>
-          <a:p>
-            <a:r>
-              <a:rPr lang="de-DE" dirty="0"/>
-              <a:t>Vorstellung</a:t>
-            </a:r>
-          </a:p>
-          <a:p>
-            <a:r>
-              <a:rPr lang="de-DE" dirty="0"/>
-              <a:t>Grundlagen</a:t>
-            </a:r>
-          </a:p>
-          <a:p>
-            <a:r>
-              <a:rPr lang="de-DE" dirty="0" err="1"/>
-              <a:t>JUnit</a:t>
-            </a:r>
-            <a:r>
-              <a:rPr lang="de-DE" dirty="0"/>
-              <a:t> Framework</a:t>
-            </a:r>
-          </a:p>
-          <a:p>
-            <a:r>
-              <a:rPr lang="de-DE" dirty="0"/>
-              <a:t>Mock-Objekte mit </a:t>
-            </a:r>
-            <a:r>
-              <a:rPr lang="de-DE" dirty="0" err="1"/>
-              <a:t>Mockito</a:t>
-            </a:r>
-          </a:p>
-          <a:p>
-            <a:r>
-              <a:rPr lang="de-DE" dirty="0"/>
-              <a:t>Fortgeschrittene Möglichkeiten</a:t>
-            </a:r>
-          </a:p>
-          <a:p>
-            <a:r>
-              <a:rPr lang="de-DE" b="1" dirty="0"/>
-              <a:t>Ausblick</a:t>
-            </a:r>
-          </a:p>
-        </p:txBody>
-      </p:sp>
-    </p:spTree>
-    <p:extLst>
-      <p:ext uri="{BB962C8B-B14F-4D97-AF65-F5344CB8AC3E}">
-        <p14:creationId xmlns:p14="http://schemas.microsoft.com/office/powerpoint/2010/main" val="2628207072"/>
-      </p:ext>
-    </p:extLst>
-  </p:cSld>
-  <p:clrMapOvr>
-    <a:masterClrMapping/>
-  </p:clrMapOvr>
-</p:sld>
-</file>
-
 <file path=ppt/slides/slide11.xml><?xml version="1.0" encoding="utf-8"?>
 <p:sld xmlns:a="http://schemas.openxmlformats.org/drawingml/2006/main" xmlns:r="http://schemas.openxmlformats.org/officeDocument/2006/relationships" xmlns:p="http://schemas.openxmlformats.org/presentationml/2006/main">
   <p:cSld>
@@ -8133,6 +8334,682 @@
 </file>
 
 <file path=ppt/slides/slide110.xml><?xml version="1.0" encoding="utf-8"?>
+<p:sld xmlns:a="http://schemas.openxmlformats.org/drawingml/2006/main" xmlns:r="http://schemas.openxmlformats.org/officeDocument/2006/relationships" xmlns:p="http://schemas.openxmlformats.org/presentationml/2006/main">
+  <p:cSld>
+    <p:spTree>
+      <p:nvGrpSpPr>
+        <p:cNvPr id="1" name=""/>
+        <p:cNvGrpSpPr/>
+        <p:nvPr/>
+      </p:nvGrpSpPr>
+      <p:grpSpPr>
+        <a:xfrm>
+          <a:off x="0" y="0"/>
+          <a:ext cx="0" cy="0"/>
+          <a:chOff x="0" y="0"/>
+          <a:chExt cx="0" cy="0"/>
+        </a:xfrm>
+      </p:grpSpPr>
+      <p:sp>
+        <p:nvSpPr>
+          <p:cNvPr id="2" name="Titel 1">
+            <a:extLst>
+              <a:ext uri="{FF2B5EF4-FFF2-40B4-BE49-F238E27FC236}">
+                <a16:creationId xmlns:a16="http://schemas.microsoft.com/office/drawing/2014/main" id="{67E96435-011C-4408-8501-2CC6700BDEF3}"/>
+              </a:ext>
+            </a:extLst>
+          </p:cNvPr>
+          <p:cNvSpPr>
+            <a:spLocks noGrp="1"/>
+          </p:cNvSpPr>
+          <p:nvPr>
+            <p:ph type="title"/>
+          </p:nvPr>
+        </p:nvSpPr>
+        <p:spPr/>
+        <p:txBody>
+          <a:bodyPr/>
+          <a:lstStyle/>
+          <a:p>
+            <a:r>
+              <a:rPr lang="de-DE" dirty="0"/>
+              <a:t>Junit-5-Extension</a:t>
+            </a:r>
+          </a:p>
+        </p:txBody>
+      </p:sp>
+      <p:sp>
+        <p:nvSpPr>
+          <p:cNvPr id="3" name="Inhaltsplatzhalter 2">
+            <a:extLst>
+              <a:ext uri="{FF2B5EF4-FFF2-40B4-BE49-F238E27FC236}">
+                <a16:creationId xmlns:a16="http://schemas.microsoft.com/office/drawing/2014/main" id="{C113EA24-B1D5-48E7-B814-B3675EC1667E}"/>
+              </a:ext>
+            </a:extLst>
+          </p:cNvPr>
+          <p:cNvSpPr>
+            <a:spLocks noGrp="1"/>
+          </p:cNvSpPr>
+          <p:nvPr>
+            <p:ph idx="1"/>
+          </p:nvPr>
+        </p:nvSpPr>
+        <p:spPr>
+          <a:xfrm>
+            <a:off x="677334" y="1647783"/>
+            <a:ext cx="8596668" cy="3880773"/>
+          </a:xfrm>
+        </p:spPr>
+        <p:txBody>
+          <a:bodyPr>
+            <a:normAutofit fontScale="85000" lnSpcReduction="20000"/>
+          </a:bodyPr>
+          <a:lstStyle/>
+          <a:p>
+            <a:pPr marL="0" indent="0">
+              <a:buNone/>
+            </a:pPr>
+            <a:r>
+              <a:rPr lang="en-US" dirty="0"/>
+              <a:t>JUnit 5 extensions are related to a certain event in the execution of a test, referred to as an extension point. When a certain life cycle phase is reached, the JUnit engine calls registered extensions.</a:t>
+            </a:r>
+          </a:p>
+          <a:p>
+            <a:endParaRPr lang="en-US" dirty="0"/>
+          </a:p>
+          <a:p>
+            <a:pPr marL="0" indent="0">
+              <a:buNone/>
+            </a:pPr>
+            <a:r>
+              <a:rPr lang="en-US" dirty="0"/>
+              <a:t>Five main types of extension points can be used:</a:t>
+            </a:r>
+          </a:p>
+          <a:p>
+            <a:endParaRPr lang="en-US" dirty="0"/>
+          </a:p>
+          <a:p>
+            <a:r>
+              <a:rPr lang="en-US" dirty="0"/>
+              <a:t>test instance post-processing</a:t>
+            </a:r>
+          </a:p>
+          <a:p>
+            <a:r>
+              <a:rPr lang="en-US" dirty="0"/>
+              <a:t>conditional test execution</a:t>
+            </a:r>
+          </a:p>
+          <a:p>
+            <a:r>
+              <a:rPr lang="en-US" dirty="0"/>
+              <a:t>life-cycle callbacks</a:t>
+            </a:r>
+          </a:p>
+          <a:p>
+            <a:r>
+              <a:rPr lang="en-US" dirty="0"/>
+              <a:t>parameter resolution</a:t>
+            </a:r>
+          </a:p>
+          <a:p>
+            <a:r>
+              <a:rPr lang="en-US" dirty="0"/>
+              <a:t>exception handling</a:t>
+            </a:r>
+          </a:p>
+          <a:p>
+            <a:endParaRPr lang="en-US" dirty="0"/>
+          </a:p>
+          <a:p>
+            <a:r>
+              <a:rPr lang="en-US" dirty="0" err="1"/>
+              <a:t>Projekt</a:t>
+            </a:r>
+            <a:r>
+              <a:rPr lang="en-US" dirty="0"/>
+              <a:t>: extension</a:t>
+            </a:r>
+            <a:endParaRPr lang="de-DE" dirty="0"/>
+          </a:p>
+        </p:txBody>
+      </p:sp>
+    </p:spTree>
+    <p:extLst>
+      <p:ext uri="{BB962C8B-B14F-4D97-AF65-F5344CB8AC3E}">
+        <p14:creationId xmlns:p14="http://schemas.microsoft.com/office/powerpoint/2010/main" val="2003780980"/>
+      </p:ext>
+    </p:extLst>
+  </p:cSld>
+  <p:clrMapOvr>
+    <a:masterClrMapping/>
+  </p:clrMapOvr>
+</p:sld>
+</file>
+
+<file path=ppt/slides/slide111.xml><?xml version="1.0" encoding="utf-8"?>
+<p:sld xmlns:a="http://schemas.openxmlformats.org/drawingml/2006/main" xmlns:r="http://schemas.openxmlformats.org/officeDocument/2006/relationships" xmlns:p="http://schemas.openxmlformats.org/presentationml/2006/main">
+  <p:cSld>
+    <p:spTree>
+      <p:nvGrpSpPr>
+        <p:cNvPr id="1" name=""/>
+        <p:cNvGrpSpPr/>
+        <p:nvPr/>
+      </p:nvGrpSpPr>
+      <p:grpSpPr>
+        <a:xfrm>
+          <a:off x="0" y="0"/>
+          <a:ext cx="0" cy="0"/>
+          <a:chOff x="0" y="0"/>
+          <a:chExt cx="0" cy="0"/>
+        </a:xfrm>
+      </p:grpSpPr>
+      <p:sp>
+        <p:nvSpPr>
+          <p:cNvPr id="2" name="Titel 1">
+            <a:extLst>
+              <a:ext uri="{FF2B5EF4-FFF2-40B4-BE49-F238E27FC236}">
+                <a16:creationId xmlns:a16="http://schemas.microsoft.com/office/drawing/2014/main" id="{29D30B30-D47B-4B67-8868-F9E1379BBCA4}"/>
+              </a:ext>
+            </a:extLst>
+          </p:cNvPr>
+          <p:cNvSpPr>
+            <a:spLocks noGrp="1"/>
+          </p:cNvSpPr>
+          <p:nvPr>
+            <p:ph type="title"/>
+          </p:nvPr>
+        </p:nvSpPr>
+        <p:spPr/>
+        <p:txBody>
+          <a:bodyPr/>
+          <a:lstStyle/>
+          <a:p>
+            <a:r>
+              <a:rPr lang="de-DE" dirty="0" err="1">
+                <a:ea typeface="+mj-lt"/>
+                <a:cs typeface="+mj-lt"/>
+              </a:rPr>
+              <a:t>What</a:t>
+            </a:r>
+            <a:r>
+              <a:rPr lang="de-DE" dirty="0">
+                <a:ea typeface="+mj-lt"/>
+                <a:cs typeface="+mj-lt"/>
+              </a:rPr>
+              <a:t> </a:t>
+            </a:r>
+            <a:r>
+              <a:rPr lang="de-DE" dirty="0" err="1">
+                <a:ea typeface="+mj-lt"/>
+                <a:cs typeface="+mj-lt"/>
+              </a:rPr>
+              <a:t>did</a:t>
+            </a:r>
+            <a:r>
+              <a:rPr lang="de-DE" dirty="0">
+                <a:ea typeface="+mj-lt"/>
+                <a:cs typeface="+mj-lt"/>
+              </a:rPr>
+              <a:t> </a:t>
+            </a:r>
+            <a:r>
+              <a:rPr lang="de-DE" dirty="0" err="1">
+                <a:ea typeface="+mj-lt"/>
+                <a:cs typeface="+mj-lt"/>
+              </a:rPr>
+              <a:t>we</a:t>
+            </a:r>
+            <a:r>
+              <a:rPr lang="de-DE" dirty="0">
+                <a:ea typeface="+mj-lt"/>
+                <a:cs typeface="+mj-lt"/>
+              </a:rPr>
+              <a:t> </a:t>
+            </a:r>
+            <a:r>
+              <a:rPr lang="de-DE" dirty="0" err="1">
+                <a:ea typeface="+mj-lt"/>
+                <a:cs typeface="+mj-lt"/>
+              </a:rPr>
+              <a:t>learn</a:t>
+            </a:r>
+            <a:r>
+              <a:rPr lang="de-DE" dirty="0">
+                <a:ea typeface="+mj-lt"/>
+                <a:cs typeface="+mj-lt"/>
+              </a:rPr>
+              <a:t>?</a:t>
+            </a:r>
+          </a:p>
+          <a:p>
+            <a:endParaRPr lang="de-DE" dirty="0"/>
+          </a:p>
+        </p:txBody>
+      </p:sp>
+      <p:sp>
+        <p:nvSpPr>
+          <p:cNvPr id="3" name="Inhaltsplatzhalter 2">
+            <a:extLst>
+              <a:ext uri="{FF2B5EF4-FFF2-40B4-BE49-F238E27FC236}">
+                <a16:creationId xmlns:a16="http://schemas.microsoft.com/office/drawing/2014/main" id="{D18E186C-19E2-4067-A219-2FA83D56C5DA}"/>
+              </a:ext>
+            </a:extLst>
+          </p:cNvPr>
+          <p:cNvSpPr>
+            <a:spLocks noGrp="1"/>
+          </p:cNvSpPr>
+          <p:nvPr>
+            <p:ph idx="1"/>
+          </p:nvPr>
+        </p:nvSpPr>
+        <p:spPr>
+          <a:xfrm>
+            <a:off x="677334" y="1685448"/>
+            <a:ext cx="8596668" cy="4397383"/>
+          </a:xfrm>
+        </p:spPr>
+        <p:txBody>
+          <a:bodyPr vert="horz" lIns="91440" tIns="45720" rIns="91440" bIns="45720" rtlCol="0" anchor="t">
+            <a:normAutofit/>
+          </a:bodyPr>
+          <a:lstStyle/>
+          <a:p>
+            <a:pPr>
+              <a:buFont typeface="Wingdings 3"/>
+              <a:buChar char=""/>
+            </a:pPr>
+            <a:r>
+              <a:rPr lang="en-US" sz="1600" i="1" dirty="0">
+                <a:ea typeface="+mn-lt"/>
+                <a:cs typeface="+mn-lt"/>
+              </a:rPr>
+              <a:t>@TempDir</a:t>
+            </a:r>
+          </a:p>
+          <a:p>
+            <a:pPr>
+              <a:buFont typeface="Wingdings 3"/>
+              <a:buChar char=""/>
+            </a:pPr>
+            <a:r>
+              <a:rPr lang="de-DE" sz="1600" i="1" dirty="0" err="1">
+                <a:ea typeface="+mn-lt"/>
+                <a:cs typeface="+mn-lt"/>
+              </a:rPr>
+              <a:t>BeforeAllCallback</a:t>
+            </a:r>
+            <a:r>
+              <a:rPr lang="de-DE" sz="1600" i="1" dirty="0">
+                <a:ea typeface="+mn-lt"/>
+                <a:cs typeface="+mn-lt"/>
+              </a:rPr>
+              <a:t>, </a:t>
+            </a:r>
+            <a:r>
+              <a:rPr lang="de-DE" sz="1600" i="1" dirty="0" err="1">
+                <a:ea typeface="+mn-lt"/>
+                <a:cs typeface="+mn-lt"/>
+              </a:rPr>
+              <a:t>BeforeTestExecutionCallback</a:t>
+            </a:r>
+            <a:r>
+              <a:rPr lang="de-DE" sz="1600" i="1" dirty="0">
+                <a:ea typeface="+mn-lt"/>
+                <a:cs typeface="+mn-lt"/>
+              </a:rPr>
+              <a:t>, </a:t>
+            </a:r>
+            <a:r>
+              <a:rPr lang="de-DE" sz="1600" i="1" dirty="0" err="1">
+                <a:ea typeface="+mn-lt"/>
+                <a:cs typeface="+mn-lt"/>
+              </a:rPr>
+              <a:t>AfterTestExecutionCallback</a:t>
+            </a:r>
+            <a:r>
+              <a:rPr lang="de-DE" sz="1600" i="1" dirty="0">
+                <a:ea typeface="+mn-lt"/>
+                <a:cs typeface="+mn-lt"/>
+              </a:rPr>
+              <a:t>, </a:t>
+            </a:r>
+            <a:r>
+              <a:rPr lang="de-DE" sz="1600" i="1" dirty="0" err="1">
+                <a:ea typeface="+mn-lt"/>
+                <a:cs typeface="+mn-lt"/>
+              </a:rPr>
+              <a:t>AfterAllCallback</a:t>
+            </a:r>
+            <a:endParaRPr lang="de-DE" sz="1600" i="1" dirty="0">
+              <a:ea typeface="+mn-lt"/>
+              <a:cs typeface="+mn-lt"/>
+            </a:endParaRPr>
+          </a:p>
+          <a:p>
+            <a:pPr>
+              <a:buFont typeface="Wingdings 3"/>
+              <a:buChar char=""/>
+            </a:pPr>
+            <a:r>
+              <a:rPr lang="de-DE" sz="1600" i="1" dirty="0" err="1">
+                <a:ea typeface="+mn-lt"/>
+                <a:cs typeface="+mn-lt"/>
+              </a:rPr>
+              <a:t>Manipulating</a:t>
+            </a:r>
+            <a:r>
+              <a:rPr lang="de-DE" sz="1600" i="1" dirty="0">
+                <a:ea typeface="+mn-lt"/>
+                <a:cs typeface="+mn-lt"/>
+              </a:rPr>
+              <a:t> time </a:t>
+            </a:r>
+            <a:r>
+              <a:rPr lang="de-DE" sz="1600" i="1" dirty="0" err="1">
+                <a:ea typeface="+mn-lt"/>
+                <a:cs typeface="+mn-lt"/>
+              </a:rPr>
+              <a:t>for</a:t>
+            </a:r>
+            <a:r>
+              <a:rPr lang="de-DE" sz="1600" i="1" dirty="0">
+                <a:ea typeface="+mn-lt"/>
+                <a:cs typeface="+mn-lt"/>
+              </a:rPr>
+              <a:t> </a:t>
+            </a:r>
+            <a:r>
+              <a:rPr lang="de-DE" sz="1600" i="1" dirty="0" err="1">
+                <a:ea typeface="+mn-lt"/>
+                <a:cs typeface="+mn-lt"/>
+              </a:rPr>
+              <a:t>tests</a:t>
+            </a:r>
+            <a:endParaRPr lang="de-DE" sz="1600" i="1" dirty="0">
+              <a:ea typeface="+mn-lt"/>
+              <a:cs typeface="+mn-lt"/>
+            </a:endParaRPr>
+          </a:p>
+        </p:txBody>
+      </p:sp>
+    </p:spTree>
+    <p:extLst>
+      <p:ext uri="{BB962C8B-B14F-4D97-AF65-F5344CB8AC3E}">
+        <p14:creationId xmlns:p14="http://schemas.microsoft.com/office/powerpoint/2010/main" val="2626175548"/>
+      </p:ext>
+    </p:extLst>
+  </p:cSld>
+  <p:clrMapOvr>
+    <a:masterClrMapping/>
+  </p:clrMapOvr>
+</p:sld>
+</file>
+
+<file path=ppt/slides/slide112.xml><?xml version="1.0" encoding="utf-8"?>
+<p:sld xmlns:a="http://schemas.openxmlformats.org/drawingml/2006/main" xmlns:r="http://schemas.openxmlformats.org/officeDocument/2006/relationships" xmlns:p="http://schemas.openxmlformats.org/presentationml/2006/main">
+  <p:cSld>
+    <p:spTree>
+      <p:nvGrpSpPr>
+        <p:cNvPr id="1" name=""/>
+        <p:cNvGrpSpPr/>
+        <p:nvPr/>
+      </p:nvGrpSpPr>
+      <p:grpSpPr>
+        <a:xfrm>
+          <a:off x="0" y="0"/>
+          <a:ext cx="0" cy="0"/>
+          <a:chOff x="0" y="0"/>
+          <a:chExt cx="0" cy="0"/>
+        </a:xfrm>
+      </p:grpSpPr>
+      <p:sp>
+        <p:nvSpPr>
+          <p:cNvPr id="2" name="Titel 1">
+            <a:extLst>
+              <a:ext uri="{FF2B5EF4-FFF2-40B4-BE49-F238E27FC236}">
+                <a16:creationId xmlns:a16="http://schemas.microsoft.com/office/drawing/2014/main" id="{925DA98B-29F5-454F-9307-FBF7B0A34C79}"/>
+              </a:ext>
+            </a:extLst>
+          </p:cNvPr>
+          <p:cNvSpPr>
+            <a:spLocks noGrp="1"/>
+          </p:cNvSpPr>
+          <p:nvPr>
+            <p:ph type="title"/>
+          </p:nvPr>
+        </p:nvSpPr>
+        <p:spPr/>
+        <p:txBody>
+          <a:bodyPr/>
+          <a:lstStyle/>
+          <a:p>
+            <a:r>
+              <a:rPr lang="de-DE" dirty="0">
+                <a:ea typeface="+mn-lt"/>
+                <a:cs typeface="+mn-lt"/>
+              </a:rPr>
+              <a:t>Testcontainers</a:t>
+            </a:r>
+            <a:endParaRPr lang="de-DE" dirty="0"/>
+          </a:p>
+        </p:txBody>
+      </p:sp>
+      <p:sp>
+        <p:nvSpPr>
+          <p:cNvPr id="3" name="Inhaltsplatzhalter 2">
+            <a:extLst>
+              <a:ext uri="{FF2B5EF4-FFF2-40B4-BE49-F238E27FC236}">
+                <a16:creationId xmlns:a16="http://schemas.microsoft.com/office/drawing/2014/main" id="{FB529FB1-2CAA-4E69-BD02-D42D12739D84}"/>
+              </a:ext>
+            </a:extLst>
+          </p:cNvPr>
+          <p:cNvSpPr>
+            <a:spLocks noGrp="1"/>
+          </p:cNvSpPr>
+          <p:nvPr>
+            <p:ph idx="1"/>
+          </p:nvPr>
+        </p:nvSpPr>
+        <p:spPr/>
+        <p:txBody>
+          <a:bodyPr/>
+          <a:lstStyle/>
+          <a:p>
+            <a:r>
+              <a:rPr lang="de-DE" dirty="0"/>
+              <a:t>Anwendungen haben aber echte DBs, was machen wir im (lokalen) Test?</a:t>
+            </a:r>
+          </a:p>
+          <a:p>
+            <a:r>
+              <a:rPr lang="de-DE" dirty="0" err="1"/>
+              <a:t>db</a:t>
+            </a:r>
+            <a:r>
+              <a:rPr lang="de-DE" dirty="0"/>
+              <a:t> per </a:t>
+            </a:r>
+            <a:r>
+              <a:rPr lang="de-DE" dirty="0" err="1"/>
+              <a:t>docker</a:t>
+            </a:r>
+            <a:r>
+              <a:rPr lang="de-DE" dirty="0"/>
+              <a:t> </a:t>
+            </a:r>
+            <a:r>
+              <a:rPr lang="de-DE" dirty="0" err="1"/>
+              <a:t>container</a:t>
+            </a:r>
+            <a:r>
+              <a:rPr lang="de-DE" dirty="0"/>
+              <a:t>!</a:t>
+            </a:r>
+          </a:p>
+          <a:p>
+            <a:r>
+              <a:rPr lang="de-DE" dirty="0"/>
+              <a:t>Und das ganze mit </a:t>
+            </a:r>
+            <a:r>
+              <a:rPr lang="de-DE" dirty="0" err="1"/>
+              <a:t>Junit</a:t>
+            </a:r>
+            <a:r>
+              <a:rPr lang="de-DE" dirty="0"/>
+              <a:t> verdrahtet: Testcontainers</a:t>
+            </a:r>
+          </a:p>
+          <a:p>
+            <a:r>
+              <a:rPr lang="de-DE" dirty="0"/>
+              <a:t>Projekt: 10-netzfilm</a:t>
+            </a:r>
+          </a:p>
+        </p:txBody>
+      </p:sp>
+    </p:spTree>
+    <p:extLst>
+      <p:ext uri="{BB962C8B-B14F-4D97-AF65-F5344CB8AC3E}">
+        <p14:creationId xmlns:p14="http://schemas.microsoft.com/office/powerpoint/2010/main" val="1692059502"/>
+      </p:ext>
+    </p:extLst>
+  </p:cSld>
+  <p:clrMapOvr>
+    <a:masterClrMapping/>
+  </p:clrMapOvr>
+</p:sld>
+</file>
+
+<file path=ppt/slides/slide113.xml><?xml version="1.0" encoding="utf-8"?>
+<p:sld xmlns:a="http://schemas.openxmlformats.org/drawingml/2006/main" xmlns:r="http://schemas.openxmlformats.org/officeDocument/2006/relationships" xmlns:p="http://schemas.openxmlformats.org/presentationml/2006/main">
+  <p:cSld>
+    <p:spTree>
+      <p:nvGrpSpPr>
+        <p:cNvPr id="1" name=""/>
+        <p:cNvGrpSpPr/>
+        <p:nvPr/>
+      </p:nvGrpSpPr>
+      <p:grpSpPr>
+        <a:xfrm>
+          <a:off x="0" y="0"/>
+          <a:ext cx="0" cy="0"/>
+          <a:chOff x="0" y="0"/>
+          <a:chExt cx="0" cy="0"/>
+        </a:xfrm>
+      </p:grpSpPr>
+      <p:sp>
+        <p:nvSpPr>
+          <p:cNvPr id="2" name="Titel 1">
+            <a:extLst>
+              <a:ext uri="{FF2B5EF4-FFF2-40B4-BE49-F238E27FC236}">
+                <a16:creationId xmlns:a16="http://schemas.microsoft.com/office/drawing/2014/main" id="{29D30B30-D47B-4B67-8868-F9E1379BBCA4}"/>
+              </a:ext>
+            </a:extLst>
+          </p:cNvPr>
+          <p:cNvSpPr>
+            <a:spLocks noGrp="1"/>
+          </p:cNvSpPr>
+          <p:nvPr>
+            <p:ph type="title"/>
+          </p:nvPr>
+        </p:nvSpPr>
+        <p:spPr/>
+        <p:txBody>
+          <a:bodyPr/>
+          <a:lstStyle/>
+          <a:p>
+            <a:r>
+              <a:rPr lang="de-DE" dirty="0"/>
+              <a:t>Agenda</a:t>
+            </a:r>
+          </a:p>
+        </p:txBody>
+      </p:sp>
+      <p:sp>
+        <p:nvSpPr>
+          <p:cNvPr id="3" name="Inhaltsplatzhalter 2">
+            <a:extLst>
+              <a:ext uri="{FF2B5EF4-FFF2-40B4-BE49-F238E27FC236}">
+                <a16:creationId xmlns:a16="http://schemas.microsoft.com/office/drawing/2014/main" id="{D18E186C-19E2-4067-A219-2FA83D56C5DA}"/>
+              </a:ext>
+            </a:extLst>
+          </p:cNvPr>
+          <p:cNvSpPr>
+            <a:spLocks noGrp="1"/>
+          </p:cNvSpPr>
+          <p:nvPr>
+            <p:ph idx="1"/>
+          </p:nvPr>
+        </p:nvSpPr>
+        <p:spPr/>
+        <p:txBody>
+          <a:bodyPr vert="horz" lIns="91440" tIns="45720" rIns="91440" bIns="45720" rtlCol="0" anchor="t">
+            <a:normAutofit/>
+          </a:bodyPr>
+          <a:lstStyle/>
+          <a:p>
+            <a:r>
+              <a:rPr lang="de-DE" dirty="0"/>
+              <a:t>Vorstellung</a:t>
+            </a:r>
+          </a:p>
+          <a:p>
+            <a:r>
+              <a:rPr lang="de-DE" dirty="0"/>
+              <a:t>Grundlagen</a:t>
+            </a:r>
+          </a:p>
+          <a:p>
+            <a:r>
+              <a:rPr lang="de-DE" dirty="0" err="1"/>
+              <a:t>JUnit</a:t>
+            </a:r>
+            <a:r>
+              <a:rPr lang="de-DE" dirty="0"/>
+              <a:t> Framework</a:t>
+            </a:r>
+          </a:p>
+          <a:p>
+            <a:r>
+              <a:rPr lang="de-DE" dirty="0"/>
+              <a:t>Mock-Objekte mit </a:t>
+            </a:r>
+            <a:r>
+              <a:rPr lang="de-DE" dirty="0" err="1"/>
+              <a:t>Mockito</a:t>
+            </a:r>
+          </a:p>
+          <a:p>
+            <a:r>
+              <a:rPr lang="de-DE" dirty="0"/>
+              <a:t>Fortgeschrittene Möglichkeiten</a:t>
+            </a:r>
+          </a:p>
+          <a:p>
+            <a:r>
+              <a:rPr lang="de-DE" b="1" dirty="0"/>
+              <a:t>Ausblick</a:t>
+            </a:r>
+          </a:p>
+        </p:txBody>
+      </p:sp>
+    </p:spTree>
+    <p:extLst>
+      <p:ext uri="{BB962C8B-B14F-4D97-AF65-F5344CB8AC3E}">
+        <p14:creationId xmlns:p14="http://schemas.microsoft.com/office/powerpoint/2010/main" val="2628207072"/>
+      </p:ext>
+    </p:extLst>
+  </p:cSld>
+  <p:clrMapOvr>
+    <a:masterClrMapping/>
+  </p:clrMapOvr>
+</p:sld>
+</file>
+
+<file path=ppt/slides/slide114.xml><?xml version="1.0" encoding="utf-8"?>
 <p:sld xmlns:a="http://schemas.openxmlformats.org/drawingml/2006/main" xmlns:r="http://schemas.openxmlformats.org/officeDocument/2006/relationships" xmlns:p="http://schemas.openxmlformats.org/presentationml/2006/main">
   <p:cSld>
     <p:spTree>
@@ -27369,7 +28246,42 @@
           <a:p>
             <a:r>
               <a:rPr lang="de-DE" dirty="0"/>
-              <a:t>Schreibe Tests für die Klasse Account</a:t>
+              <a:t>Schreibe Tests für die Klassen Account, </a:t>
+            </a:r>
+            <a:r>
+              <a:rPr lang="de-DE" dirty="0" err="1"/>
+              <a:t>StringHelper</a:t>
+            </a:r>
+            <a:r>
+              <a:rPr lang="de-DE" dirty="0"/>
+              <a:t>, </a:t>
+            </a:r>
+            <a:r>
+              <a:rPr lang="de-DE" dirty="0" err="1"/>
+              <a:t>ToDoList</a:t>
+            </a:r>
+            <a:endParaRPr lang="de-DE" dirty="0"/>
+          </a:p>
+          <a:p>
+            <a:r>
+              <a:rPr lang="de-DE" dirty="0"/>
+              <a:t>Du hast JUnit5, </a:t>
+            </a:r>
+            <a:r>
+              <a:rPr lang="de-DE" dirty="0" err="1"/>
+              <a:t>junit-param</a:t>
+            </a:r>
+            <a:r>
+              <a:rPr lang="de-DE" dirty="0"/>
+              <a:t> und </a:t>
+            </a:r>
+            <a:r>
+              <a:rPr lang="de-DE" dirty="0" err="1"/>
+              <a:t>assertJ</a:t>
+            </a:r>
+            <a:r>
+              <a:rPr lang="de-DE" dirty="0"/>
+              <a:t> zur Verfügung</a:t>
             </a:r>
           </a:p>
         </p:txBody>
@@ -28665,7 +29577,7 @@
           <p:cNvPr id="2" name="Titel 1">
             <a:extLst>
               <a:ext uri="{FF2B5EF4-FFF2-40B4-BE49-F238E27FC236}">
-                <a16:creationId xmlns:a16="http://schemas.microsoft.com/office/drawing/2014/main" id="{29D30B30-D47B-4B67-8868-F9E1379BBCA4}"/>
+                <a16:creationId xmlns:a16="http://schemas.microsoft.com/office/drawing/2014/main" id="{7DC5B520-238A-F173-2AF8-A281184D77C8}"/>
               </a:ext>
             </a:extLst>
           </p:cNvPr>
@@ -28682,63 +29594,29 @@
           <a:lstStyle/>
           <a:p>
             <a:r>
-              <a:rPr lang="de-DE" dirty="0" err="1">
-                <a:ea typeface="+mj-lt"/>
-                <a:cs typeface="+mj-lt"/>
-              </a:rPr>
-              <a:t>What</a:t>
-            </a:r>
-            <a:r>
-              <a:rPr lang="de-DE" dirty="0">
-                <a:ea typeface="+mj-lt"/>
-                <a:cs typeface="+mj-lt"/>
-              </a:rPr>
-              <a:t> </a:t>
-            </a:r>
-            <a:r>
-              <a:rPr lang="de-DE" dirty="0" err="1">
-                <a:ea typeface="+mj-lt"/>
-                <a:cs typeface="+mj-lt"/>
-              </a:rPr>
-              <a:t>did</a:t>
-            </a:r>
-            <a:r>
-              <a:rPr lang="de-DE" dirty="0">
-                <a:ea typeface="+mj-lt"/>
-                <a:cs typeface="+mj-lt"/>
-              </a:rPr>
-              <a:t> </a:t>
-            </a:r>
-            <a:r>
-              <a:rPr lang="de-DE" dirty="0" err="1">
-                <a:ea typeface="+mj-lt"/>
-                <a:cs typeface="+mj-lt"/>
-              </a:rPr>
-              <a:t>we</a:t>
-            </a:r>
-            <a:r>
-              <a:rPr lang="de-DE" dirty="0">
-                <a:ea typeface="+mj-lt"/>
-                <a:cs typeface="+mj-lt"/>
-              </a:rPr>
-              <a:t> </a:t>
-            </a:r>
-            <a:r>
-              <a:rPr lang="de-DE" dirty="0" err="1">
-                <a:ea typeface="+mj-lt"/>
-                <a:cs typeface="+mj-lt"/>
-              </a:rPr>
-              <a:t>learn</a:t>
-            </a:r>
-            <a:r>
-              <a:rPr lang="de-DE" dirty="0">
-                <a:ea typeface="+mj-lt"/>
-                <a:cs typeface="+mj-lt"/>
-              </a:rPr>
-              <a:t>?</a:t>
-            </a:r>
-          </a:p>
-          <a:p>
+              <a:rPr lang="de-DE" dirty="0"/>
+              <a:t>Code – </a:t>
+            </a:r>
+            <a:r>
+              <a:rPr lang="de-DE" dirty="0" err="1"/>
+              <a:t>basics</a:t>
+            </a:r>
+            <a:r>
+              <a:rPr lang="de-DE" dirty="0"/>
+              <a:t>, </a:t>
+            </a:r>
+            <a:r>
+              <a:rPr lang="de-DE" dirty="0" err="1"/>
+              <a:t>exceptions</a:t>
+            </a:r>
+            <a:r>
+              <a:rPr lang="de-DE" dirty="0"/>
+              <a:t> and </a:t>
+            </a:r>
+            <a:r>
+              <a:rPr lang="de-DE" dirty="0" err="1"/>
+              <a:t>answer</a:t>
+            </a:r>
             <a:endParaRPr lang="de-DE" dirty="0"/>
           </a:p>
         </p:txBody>
@@ -28748,7 +29626,7 @@
           <p:cNvPr id="3" name="Inhaltsplatzhalter 2">
             <a:extLst>
               <a:ext uri="{FF2B5EF4-FFF2-40B4-BE49-F238E27FC236}">
-                <a16:creationId xmlns:a16="http://schemas.microsoft.com/office/drawing/2014/main" id="{D18E186C-19E2-4067-A219-2FA83D56C5DA}"/>
+                <a16:creationId xmlns:a16="http://schemas.microsoft.com/office/drawing/2014/main" id="{3F20A0C9-0014-44AA-7873-F6EF2BDB2B35}"/>
               </a:ext>
             </a:extLst>
           </p:cNvPr>
@@ -28759,620 +29637,19 @@
             <p:ph idx="1"/>
           </p:nvPr>
         </p:nvSpPr>
-        <p:spPr>
-          <a:xfrm>
-            <a:off x="677334" y="1685448"/>
-            <a:ext cx="8596668" cy="4397383"/>
-          </a:xfrm>
-        </p:spPr>
-        <p:txBody>
-          <a:bodyPr vert="horz" lIns="91440" tIns="45720" rIns="91440" bIns="45720" rtlCol="0" anchor="t">
-            <a:normAutofit/>
-          </a:bodyPr>
+        <p:spPr/>
+        <p:txBody>
+          <a:bodyPr/>
           <a:lstStyle/>
           <a:p>
-            <a:pPr>
-              <a:buFont typeface="Wingdings 3"/>
-              <a:buChar char=""/>
-            </a:pPr>
-            <a:r>
-              <a:rPr lang="en-US" sz="1600" i="1" dirty="0">
-                <a:ea typeface="+mn-lt"/>
-                <a:cs typeface="+mn-lt"/>
-              </a:rPr>
-              <a:t>@ExtendWith – use extensions for Junit 5</a:t>
-            </a:r>
-          </a:p>
-          <a:p>
-            <a:pPr lvl="1">
-              <a:buFont typeface="Wingdings 3"/>
-              <a:buChar char=""/>
-            </a:pPr>
-            <a:r>
-              <a:rPr lang="en-US" sz="1400" i="1" dirty="0">
-                <a:ea typeface="+mn-lt"/>
-                <a:cs typeface="+mn-lt"/>
-              </a:rPr>
-              <a:t>@Mock – create a mock from the type</a:t>
-            </a:r>
-          </a:p>
-          <a:p>
-            <a:pPr lvl="1">
-              <a:buFont typeface="Wingdings 3"/>
-              <a:buChar char=""/>
-            </a:pPr>
-            <a:r>
-              <a:rPr lang="en-US" sz="1200" i="1" dirty="0">
-                <a:ea typeface="+mn-lt"/>
-                <a:cs typeface="+mn-lt"/>
-              </a:rPr>
-              <a:t>@InjectMocks – Add created mocks automatically into the </a:t>
-            </a:r>
-            <a:r>
-              <a:rPr lang="en-US" sz="1200" i="1" dirty="0" err="1">
-                <a:ea typeface="+mn-lt"/>
-                <a:cs typeface="+mn-lt"/>
-              </a:rPr>
-              <a:t>testee</a:t>
-            </a:r>
-            <a:endParaRPr lang="en-US" sz="1200" i="1" dirty="0">
-              <a:ea typeface="+mn-lt"/>
-              <a:cs typeface="+mn-lt"/>
-            </a:endParaRPr>
-          </a:p>
-          <a:p>
-            <a:pPr lvl="1">
-              <a:buFont typeface="Wingdings 3"/>
-              <a:buChar char=""/>
-            </a:pPr>
-            <a:r>
-              <a:rPr lang="de-DE" sz="1200" i="1" dirty="0">
-                <a:ea typeface="+mn-lt"/>
-                <a:cs typeface="+mn-lt"/>
-              </a:rPr>
-              <a:t>@Captor – </a:t>
-            </a:r>
-            <a:r>
-              <a:rPr lang="de-DE" sz="1200" i="1" dirty="0" err="1">
-                <a:ea typeface="+mn-lt"/>
-                <a:cs typeface="+mn-lt"/>
-              </a:rPr>
-              <a:t>create</a:t>
-            </a:r>
-            <a:r>
-              <a:rPr lang="de-DE" sz="1200" i="1" dirty="0">
-                <a:ea typeface="+mn-lt"/>
-                <a:cs typeface="+mn-lt"/>
-              </a:rPr>
-              <a:t> an </a:t>
-            </a:r>
-            <a:r>
-              <a:rPr lang="de-DE" sz="1200" i="1" dirty="0" err="1">
-                <a:ea typeface="+mn-lt"/>
-                <a:cs typeface="+mn-lt"/>
-              </a:rPr>
-              <a:t>argument</a:t>
-            </a:r>
-            <a:r>
-              <a:rPr lang="de-DE" sz="1200" i="1" dirty="0">
-                <a:ea typeface="+mn-lt"/>
-                <a:cs typeface="+mn-lt"/>
-              </a:rPr>
-              <a:t> </a:t>
-            </a:r>
-            <a:r>
-              <a:rPr lang="de-DE" sz="1200" i="1" dirty="0" err="1">
-                <a:ea typeface="+mn-lt"/>
-                <a:cs typeface="+mn-lt"/>
-              </a:rPr>
-              <a:t>captor</a:t>
-            </a:r>
-            <a:endParaRPr lang="de-DE" sz="1200" i="1" dirty="0">
-              <a:ea typeface="+mn-lt"/>
-              <a:cs typeface="+mn-lt"/>
-            </a:endParaRPr>
-          </a:p>
-          <a:p>
-            <a:pPr>
-              <a:buFont typeface="Wingdings 3"/>
-              <a:buChar char=""/>
-            </a:pPr>
-            <a:r>
-              <a:rPr lang="en-US" sz="1400" i="1" dirty="0">
-                <a:ea typeface="+mn-lt"/>
-                <a:cs typeface="+mn-lt"/>
-              </a:rPr>
-              <a:t>@MockitoSettings – change settings like strictness</a:t>
-            </a:r>
-          </a:p>
-          <a:p>
-            <a:pPr>
-              <a:buFont typeface="Wingdings 3"/>
-              <a:buChar char=""/>
-            </a:pPr>
-            <a:r>
-              <a:rPr lang="en-US" sz="1600" i="1" dirty="0">
-                <a:ea typeface="+mn-lt"/>
-                <a:cs typeface="+mn-lt"/>
-              </a:rPr>
-              <a:t>mock() – create a mock from the type</a:t>
-            </a:r>
-          </a:p>
-          <a:p>
-            <a:pPr>
-              <a:buFont typeface="Wingdings 3"/>
-              <a:buChar char=""/>
-            </a:pPr>
-            <a:r>
-              <a:rPr lang="de-DE" sz="1600" i="1" dirty="0" err="1">
-                <a:ea typeface="+mn-lt"/>
-                <a:cs typeface="+mn-lt"/>
-              </a:rPr>
-              <a:t>verify</a:t>
-            </a:r>
-            <a:r>
-              <a:rPr lang="de-DE" sz="1600" i="1" dirty="0">
-                <a:ea typeface="+mn-lt"/>
-                <a:cs typeface="+mn-lt"/>
-              </a:rPr>
-              <a:t> – check </a:t>
-            </a:r>
-            <a:r>
-              <a:rPr lang="de-DE" sz="1600" i="1" dirty="0" err="1">
-                <a:ea typeface="+mn-lt"/>
-                <a:cs typeface="+mn-lt"/>
-              </a:rPr>
-              <a:t>that</a:t>
-            </a:r>
-            <a:r>
-              <a:rPr lang="de-DE" sz="1600" i="1" dirty="0">
-                <a:ea typeface="+mn-lt"/>
-                <a:cs typeface="+mn-lt"/>
-              </a:rPr>
-              <a:t> a </a:t>
-            </a:r>
-            <a:r>
-              <a:rPr lang="de-DE" sz="1600" i="1" dirty="0" err="1">
-                <a:ea typeface="+mn-lt"/>
-                <a:cs typeface="+mn-lt"/>
-              </a:rPr>
-              <a:t>specific</a:t>
-            </a:r>
-            <a:r>
-              <a:rPr lang="de-DE" sz="1600" i="1" dirty="0">
-                <a:ea typeface="+mn-lt"/>
-                <a:cs typeface="+mn-lt"/>
-              </a:rPr>
-              <a:t> </a:t>
-            </a:r>
-            <a:r>
-              <a:rPr lang="de-DE" sz="1600" i="1" dirty="0" err="1">
-                <a:ea typeface="+mn-lt"/>
-                <a:cs typeface="+mn-lt"/>
-              </a:rPr>
-              <a:t>call</a:t>
-            </a:r>
-            <a:r>
-              <a:rPr lang="de-DE" sz="1600" i="1" dirty="0">
-                <a:ea typeface="+mn-lt"/>
-                <a:cs typeface="+mn-lt"/>
-              </a:rPr>
-              <a:t> </a:t>
-            </a:r>
-            <a:r>
-              <a:rPr lang="de-DE" sz="1600" i="1" dirty="0" err="1">
-                <a:ea typeface="+mn-lt"/>
-                <a:cs typeface="+mn-lt"/>
-              </a:rPr>
-              <a:t>has</a:t>
-            </a:r>
-            <a:r>
-              <a:rPr lang="de-DE" sz="1600" i="1" dirty="0">
-                <a:ea typeface="+mn-lt"/>
-                <a:cs typeface="+mn-lt"/>
-              </a:rPr>
-              <a:t> </a:t>
-            </a:r>
-            <a:r>
-              <a:rPr lang="de-DE" sz="1600" i="1" dirty="0" err="1">
-                <a:ea typeface="+mn-lt"/>
-                <a:cs typeface="+mn-lt"/>
-              </a:rPr>
-              <a:t>happended</a:t>
-            </a:r>
-            <a:endParaRPr lang="de-DE" sz="1600" i="1" dirty="0">
-              <a:ea typeface="+mn-lt"/>
-              <a:cs typeface="+mn-lt"/>
-            </a:endParaRPr>
-          </a:p>
-          <a:p>
-            <a:pPr lvl="1">
-              <a:buFont typeface="Wingdings 3"/>
-              <a:buChar char=""/>
-            </a:pPr>
-            <a:r>
-              <a:rPr lang="de-DE" sz="1400" i="1" dirty="0" err="1">
-                <a:ea typeface="+mn-lt"/>
-                <a:cs typeface="+mn-lt"/>
-              </a:rPr>
-              <a:t>ArgumentMatcher</a:t>
-            </a:r>
-            <a:r>
-              <a:rPr lang="de-DE" sz="1400" i="1" dirty="0">
-                <a:ea typeface="+mn-lt"/>
-                <a:cs typeface="+mn-lt"/>
-              </a:rPr>
-              <a:t> – check </a:t>
-            </a:r>
-            <a:r>
-              <a:rPr lang="de-DE" sz="1400" i="1" dirty="0" err="1">
-                <a:ea typeface="+mn-lt"/>
-                <a:cs typeface="+mn-lt"/>
-              </a:rPr>
-              <a:t>parameters</a:t>
-            </a:r>
-            <a:r>
-              <a:rPr lang="de-DE" sz="1400" i="1" dirty="0">
-                <a:ea typeface="+mn-lt"/>
-                <a:cs typeface="+mn-lt"/>
-              </a:rPr>
-              <a:t> </a:t>
-            </a:r>
-            <a:r>
-              <a:rPr lang="de-DE" sz="1400" i="1" dirty="0" err="1">
-                <a:ea typeface="+mn-lt"/>
-                <a:cs typeface="+mn-lt"/>
-              </a:rPr>
-              <a:t>used</a:t>
-            </a:r>
-            <a:r>
-              <a:rPr lang="de-DE" sz="1400" i="1" dirty="0">
-                <a:ea typeface="+mn-lt"/>
-                <a:cs typeface="+mn-lt"/>
-              </a:rPr>
-              <a:t> in </a:t>
-            </a:r>
-            <a:r>
-              <a:rPr lang="de-DE" sz="1400" i="1" dirty="0" err="1">
-                <a:ea typeface="+mn-lt"/>
-                <a:cs typeface="+mn-lt"/>
-              </a:rPr>
-              <a:t>call</a:t>
-            </a:r>
-            <a:endParaRPr lang="de-DE" sz="1400" i="1" dirty="0">
-              <a:ea typeface="+mn-lt"/>
-              <a:cs typeface="+mn-lt"/>
-            </a:endParaRPr>
-          </a:p>
-          <a:p>
-            <a:pPr lvl="2">
-              <a:buFont typeface="Wingdings 3"/>
-              <a:buChar char=""/>
-            </a:pPr>
-            <a:r>
-              <a:rPr lang="de-DE" sz="1200" i="1" dirty="0">
-                <a:ea typeface="+mn-lt"/>
-                <a:cs typeface="+mn-lt"/>
-              </a:rPr>
-              <a:t>Any – </a:t>
-            </a:r>
-            <a:r>
-              <a:rPr lang="de-DE" sz="1200" i="1" dirty="0" err="1">
-                <a:ea typeface="+mn-lt"/>
-                <a:cs typeface="+mn-lt"/>
-              </a:rPr>
-              <a:t>any</a:t>
-            </a:r>
-            <a:r>
-              <a:rPr lang="de-DE" sz="1200" i="1" dirty="0">
-                <a:ea typeface="+mn-lt"/>
-                <a:cs typeface="+mn-lt"/>
-              </a:rPr>
-              <a:t> </a:t>
-            </a:r>
-            <a:r>
-              <a:rPr lang="de-DE" sz="1200" i="1" dirty="0" err="1">
-                <a:ea typeface="+mn-lt"/>
-                <a:cs typeface="+mn-lt"/>
-              </a:rPr>
-              <a:t>value</a:t>
-            </a:r>
-            <a:r>
-              <a:rPr lang="de-DE" sz="1200" i="1" dirty="0">
-                <a:ea typeface="+mn-lt"/>
-                <a:cs typeface="+mn-lt"/>
-              </a:rPr>
-              <a:t> </a:t>
-            </a:r>
-            <a:r>
-              <a:rPr lang="de-DE" sz="1200" i="1" dirty="0" err="1">
-                <a:ea typeface="+mn-lt"/>
-                <a:cs typeface="+mn-lt"/>
-              </a:rPr>
-              <a:t>of</a:t>
-            </a:r>
-            <a:r>
-              <a:rPr lang="de-DE" sz="1200" i="1" dirty="0">
-                <a:ea typeface="+mn-lt"/>
-                <a:cs typeface="+mn-lt"/>
-              </a:rPr>
-              <a:t> a </a:t>
-            </a:r>
-            <a:r>
-              <a:rPr lang="de-DE" sz="1200" i="1" dirty="0" err="1">
-                <a:ea typeface="+mn-lt"/>
-                <a:cs typeface="+mn-lt"/>
-              </a:rPr>
-              <a:t>given</a:t>
-            </a:r>
-            <a:r>
-              <a:rPr lang="de-DE" sz="1200" i="1" dirty="0">
-                <a:ea typeface="+mn-lt"/>
-                <a:cs typeface="+mn-lt"/>
-              </a:rPr>
-              <a:t> </a:t>
-            </a:r>
-            <a:r>
-              <a:rPr lang="de-DE" sz="1200" i="1" dirty="0" err="1">
-                <a:ea typeface="+mn-lt"/>
-                <a:cs typeface="+mn-lt"/>
-              </a:rPr>
-              <a:t>class</a:t>
-            </a:r>
-            <a:endParaRPr lang="de-DE" sz="1200" i="1" dirty="0">
-              <a:ea typeface="+mn-lt"/>
-              <a:cs typeface="+mn-lt"/>
-            </a:endParaRPr>
-          </a:p>
-          <a:p>
-            <a:pPr lvl="2">
-              <a:buFont typeface="Wingdings 3"/>
-              <a:buChar char=""/>
-            </a:pPr>
-            <a:r>
-              <a:rPr lang="de-DE" sz="1200" i="1" dirty="0" err="1">
-                <a:ea typeface="+mn-lt"/>
-                <a:cs typeface="+mn-lt"/>
-              </a:rPr>
-              <a:t>Eq</a:t>
-            </a:r>
-            <a:r>
-              <a:rPr lang="de-DE" sz="1200" i="1" dirty="0">
-                <a:ea typeface="+mn-lt"/>
-                <a:cs typeface="+mn-lt"/>
-              </a:rPr>
-              <a:t> – </a:t>
-            </a:r>
-            <a:r>
-              <a:rPr lang="de-DE" sz="1200" i="1" dirty="0" err="1">
-                <a:ea typeface="+mn-lt"/>
-                <a:cs typeface="+mn-lt"/>
-              </a:rPr>
-              <a:t>needs</a:t>
-            </a:r>
-            <a:r>
-              <a:rPr lang="de-DE" sz="1200" i="1" dirty="0">
-                <a:ea typeface="+mn-lt"/>
-                <a:cs typeface="+mn-lt"/>
-              </a:rPr>
-              <a:t> </a:t>
-            </a:r>
-            <a:r>
-              <a:rPr lang="de-DE" sz="1200" i="1" dirty="0" err="1">
-                <a:ea typeface="+mn-lt"/>
-                <a:cs typeface="+mn-lt"/>
-              </a:rPr>
-              <a:t>to</a:t>
-            </a:r>
-            <a:r>
-              <a:rPr lang="de-DE" sz="1200" i="1" dirty="0">
-                <a:ea typeface="+mn-lt"/>
-                <a:cs typeface="+mn-lt"/>
-              </a:rPr>
-              <a:t> </a:t>
-            </a:r>
-            <a:r>
-              <a:rPr lang="de-DE" sz="1200" i="1" dirty="0" err="1">
-                <a:ea typeface="+mn-lt"/>
-                <a:cs typeface="+mn-lt"/>
-              </a:rPr>
-              <a:t>equal</a:t>
-            </a:r>
-            <a:r>
-              <a:rPr lang="de-DE" sz="1200" i="1" dirty="0">
-                <a:ea typeface="+mn-lt"/>
-                <a:cs typeface="+mn-lt"/>
-              </a:rPr>
-              <a:t> a </a:t>
-            </a:r>
-            <a:r>
-              <a:rPr lang="de-DE" sz="1200" i="1" dirty="0" err="1">
-                <a:ea typeface="+mn-lt"/>
-                <a:cs typeface="+mn-lt"/>
-              </a:rPr>
-              <a:t>specific</a:t>
-            </a:r>
-            <a:r>
-              <a:rPr lang="de-DE" sz="1200" i="1" dirty="0">
-                <a:ea typeface="+mn-lt"/>
-                <a:cs typeface="+mn-lt"/>
-              </a:rPr>
-              <a:t> </a:t>
-            </a:r>
-            <a:r>
-              <a:rPr lang="de-DE" sz="1200" i="1" dirty="0" err="1">
-                <a:ea typeface="+mn-lt"/>
-                <a:cs typeface="+mn-lt"/>
-              </a:rPr>
-              <a:t>value</a:t>
-            </a:r>
-            <a:endParaRPr lang="de-DE" sz="1200" i="1" dirty="0">
-              <a:ea typeface="+mn-lt"/>
-              <a:cs typeface="+mn-lt"/>
-            </a:endParaRPr>
-          </a:p>
-          <a:p>
-            <a:pPr lvl="1">
-              <a:buFont typeface="Wingdings 3"/>
-              <a:buChar char=""/>
-            </a:pPr>
-            <a:r>
-              <a:rPr lang="de-DE" sz="1400" i="1" dirty="0" err="1">
-                <a:ea typeface="+mn-lt"/>
-                <a:cs typeface="+mn-lt"/>
-              </a:rPr>
-              <a:t>InOrder</a:t>
-            </a:r>
-            <a:r>
-              <a:rPr lang="de-DE" sz="1400" i="1" dirty="0">
-                <a:ea typeface="+mn-lt"/>
-                <a:cs typeface="+mn-lt"/>
-              </a:rPr>
-              <a:t> – check </a:t>
-            </a:r>
-            <a:r>
-              <a:rPr lang="de-DE" sz="1400" i="1" dirty="0" err="1">
-                <a:ea typeface="+mn-lt"/>
-                <a:cs typeface="+mn-lt"/>
-              </a:rPr>
-              <a:t>order</a:t>
-            </a:r>
-            <a:r>
-              <a:rPr lang="de-DE" sz="1400" i="1" dirty="0">
-                <a:ea typeface="+mn-lt"/>
-                <a:cs typeface="+mn-lt"/>
-              </a:rPr>
-              <a:t> </a:t>
-            </a:r>
-            <a:r>
-              <a:rPr lang="de-DE" sz="1400" i="1" dirty="0" err="1">
-                <a:ea typeface="+mn-lt"/>
-                <a:cs typeface="+mn-lt"/>
-              </a:rPr>
-              <a:t>of</a:t>
-            </a:r>
-            <a:r>
-              <a:rPr lang="de-DE" sz="1400" i="1" dirty="0">
-                <a:ea typeface="+mn-lt"/>
-                <a:cs typeface="+mn-lt"/>
-              </a:rPr>
-              <a:t> </a:t>
-            </a:r>
-            <a:r>
-              <a:rPr lang="de-DE" sz="1400" i="1" dirty="0" err="1">
-                <a:ea typeface="+mn-lt"/>
-                <a:cs typeface="+mn-lt"/>
-              </a:rPr>
-              <a:t>calls</a:t>
-            </a:r>
-            <a:endParaRPr lang="de-DE" sz="1400" i="1" dirty="0">
-              <a:ea typeface="+mn-lt"/>
-              <a:cs typeface="+mn-lt"/>
-            </a:endParaRPr>
-          </a:p>
-          <a:p>
-            <a:pPr lvl="1">
-              <a:buFont typeface="Wingdings 3"/>
-              <a:buChar char=""/>
-            </a:pPr>
-            <a:r>
-              <a:rPr lang="de-DE" sz="1400" i="1" dirty="0" err="1">
-                <a:ea typeface="+mn-lt"/>
-                <a:cs typeface="+mn-lt"/>
-              </a:rPr>
-              <a:t>verifyNoMoreInteractions</a:t>
-            </a:r>
-            <a:r>
-              <a:rPr lang="de-DE" sz="1400" i="1" dirty="0">
-                <a:ea typeface="+mn-lt"/>
-                <a:cs typeface="+mn-lt"/>
-              </a:rPr>
-              <a:t> – </a:t>
-            </a:r>
-            <a:r>
-              <a:rPr lang="de-DE" sz="1400" i="1" dirty="0" err="1">
-                <a:ea typeface="+mn-lt"/>
-                <a:cs typeface="+mn-lt"/>
-              </a:rPr>
-              <a:t>only</a:t>
-            </a:r>
-            <a:r>
-              <a:rPr lang="de-DE" sz="1400" i="1" dirty="0">
-                <a:ea typeface="+mn-lt"/>
-                <a:cs typeface="+mn-lt"/>
-              </a:rPr>
-              <a:t> </a:t>
-            </a:r>
-            <a:r>
-              <a:rPr lang="de-DE" sz="1400" i="1" dirty="0" err="1">
-                <a:ea typeface="+mn-lt"/>
-                <a:cs typeface="+mn-lt"/>
-              </a:rPr>
-              <a:t>the</a:t>
-            </a:r>
-            <a:r>
-              <a:rPr lang="de-DE" sz="1400" i="1" dirty="0">
-                <a:ea typeface="+mn-lt"/>
-                <a:cs typeface="+mn-lt"/>
-              </a:rPr>
-              <a:t> </a:t>
-            </a:r>
-            <a:r>
-              <a:rPr lang="de-DE" sz="1400" i="1" dirty="0" err="1">
-                <a:ea typeface="+mn-lt"/>
-                <a:cs typeface="+mn-lt"/>
-              </a:rPr>
-              <a:t>previously</a:t>
-            </a:r>
-            <a:r>
-              <a:rPr lang="de-DE" sz="1400" i="1" dirty="0">
-                <a:ea typeface="+mn-lt"/>
-                <a:cs typeface="+mn-lt"/>
-              </a:rPr>
-              <a:t> </a:t>
-            </a:r>
-            <a:r>
-              <a:rPr lang="de-DE" sz="1400" i="1" dirty="0" err="1">
-                <a:ea typeface="+mn-lt"/>
-                <a:cs typeface="+mn-lt"/>
-              </a:rPr>
-              <a:t>checked</a:t>
-            </a:r>
-            <a:r>
-              <a:rPr lang="de-DE" sz="1400" i="1" dirty="0">
-                <a:ea typeface="+mn-lt"/>
-                <a:cs typeface="+mn-lt"/>
-              </a:rPr>
-              <a:t> </a:t>
-            </a:r>
-            <a:r>
-              <a:rPr lang="de-DE" sz="1400" i="1" dirty="0" err="1">
-                <a:ea typeface="+mn-lt"/>
-                <a:cs typeface="+mn-lt"/>
-              </a:rPr>
-              <a:t>calls</a:t>
-            </a:r>
-            <a:endParaRPr lang="de-DE" sz="1400" i="1" dirty="0">
-              <a:ea typeface="+mn-lt"/>
-              <a:cs typeface="+mn-lt"/>
-            </a:endParaRPr>
-          </a:p>
-          <a:p>
-            <a:pPr lvl="2">
-              <a:buFont typeface="Wingdings 3"/>
-              <a:buChar char=""/>
-            </a:pPr>
-            <a:endParaRPr lang="de-DE" sz="1200" i="1" dirty="0">
-              <a:ea typeface="+mn-lt"/>
-              <a:cs typeface="+mn-lt"/>
-            </a:endParaRPr>
+            <a:endParaRPr lang="de-DE"/>
           </a:p>
         </p:txBody>
       </p:sp>
     </p:spTree>
     <p:extLst>
       <p:ext uri="{BB962C8B-B14F-4D97-AF65-F5344CB8AC3E}">
-        <p14:creationId xmlns:p14="http://schemas.microsoft.com/office/powerpoint/2010/main" val="2301244401"/>
+        <p14:creationId xmlns:p14="http://schemas.microsoft.com/office/powerpoint/2010/main" val="73999467"/>
       </p:ext>
     </p:extLst>
   </p:cSld>
@@ -29404,7 +29681,7 @@
           <p:cNvPr id="2" name="Titel 1">
             <a:extLst>
               <a:ext uri="{FF2B5EF4-FFF2-40B4-BE49-F238E27FC236}">
-                <a16:creationId xmlns:a16="http://schemas.microsoft.com/office/drawing/2014/main" id="{3CF8161B-BAFD-FDC2-74F6-2C4BD2EF803D}"/>
+                <a16:creationId xmlns:a16="http://schemas.microsoft.com/office/drawing/2014/main" id="{29D30B30-D47B-4B67-8868-F9E1379BBCA4}"/>
               </a:ext>
             </a:extLst>
           </p:cNvPr>
@@ -29421,9 +29698,64 @@
           <a:lstStyle/>
           <a:p>
             <a:r>
-              <a:rPr lang="de-DE" dirty="0"/>
-              <a:t>Spy</a:t>
-            </a:r>
+              <a:rPr lang="de-DE" dirty="0" err="1">
+                <a:ea typeface="+mj-lt"/>
+                <a:cs typeface="+mj-lt"/>
+              </a:rPr>
+              <a:t>What</a:t>
+            </a:r>
+            <a:r>
+              <a:rPr lang="de-DE" dirty="0">
+                <a:ea typeface="+mj-lt"/>
+                <a:cs typeface="+mj-lt"/>
+              </a:rPr>
+              <a:t> </a:t>
+            </a:r>
+            <a:r>
+              <a:rPr lang="de-DE" dirty="0" err="1">
+                <a:ea typeface="+mj-lt"/>
+                <a:cs typeface="+mj-lt"/>
+              </a:rPr>
+              <a:t>did</a:t>
+            </a:r>
+            <a:r>
+              <a:rPr lang="de-DE" dirty="0">
+                <a:ea typeface="+mj-lt"/>
+                <a:cs typeface="+mj-lt"/>
+              </a:rPr>
+              <a:t> </a:t>
+            </a:r>
+            <a:r>
+              <a:rPr lang="de-DE" dirty="0" err="1">
+                <a:ea typeface="+mj-lt"/>
+                <a:cs typeface="+mj-lt"/>
+              </a:rPr>
+              <a:t>we</a:t>
+            </a:r>
+            <a:r>
+              <a:rPr lang="de-DE" dirty="0">
+                <a:ea typeface="+mj-lt"/>
+                <a:cs typeface="+mj-lt"/>
+              </a:rPr>
+              <a:t> </a:t>
+            </a:r>
+            <a:r>
+              <a:rPr lang="de-DE" dirty="0" err="1">
+                <a:ea typeface="+mj-lt"/>
+                <a:cs typeface="+mj-lt"/>
+              </a:rPr>
+              <a:t>learn</a:t>
+            </a:r>
+            <a:r>
+              <a:rPr lang="de-DE" dirty="0">
+                <a:ea typeface="+mj-lt"/>
+                <a:cs typeface="+mj-lt"/>
+              </a:rPr>
+              <a:t>?</a:t>
+            </a:r>
+          </a:p>
+          <a:p>
+            <a:endParaRPr lang="de-DE" dirty="0"/>
           </a:p>
         </p:txBody>
       </p:sp>
@@ -29432,7 +29764,7 @@
           <p:cNvPr id="3" name="Inhaltsplatzhalter 2">
             <a:extLst>
               <a:ext uri="{FF2B5EF4-FFF2-40B4-BE49-F238E27FC236}">
-                <a16:creationId xmlns:a16="http://schemas.microsoft.com/office/drawing/2014/main" id="{63207322-312D-43FA-80D3-E8C8AECE625D}"/>
+                <a16:creationId xmlns:a16="http://schemas.microsoft.com/office/drawing/2014/main" id="{D18E186C-19E2-4067-A219-2FA83D56C5DA}"/>
               </a:ext>
             </a:extLst>
           </p:cNvPr>
@@ -29443,41 +29775,301 @@
             <p:ph idx="1"/>
           </p:nvPr>
         </p:nvSpPr>
-        <p:spPr/>
-        <p:txBody>
-          <a:bodyPr/>
+        <p:spPr>
+          <a:xfrm>
+            <a:off x="677334" y="1685448"/>
+            <a:ext cx="8596668" cy="4397383"/>
+          </a:xfrm>
+        </p:spPr>
+        <p:txBody>
+          <a:bodyPr vert="horz" lIns="91440" tIns="45720" rIns="91440" bIns="45720" rtlCol="0" anchor="t">
+            <a:normAutofit/>
+          </a:bodyPr>
           <a:lstStyle/>
           <a:p>
-            <a:r>
-              <a:rPr lang="de-DE" b="0" i="0" dirty="0">
-                <a:solidFill>
-                  <a:srgbClr val="0F0F0F"/>
-                </a:solidFill>
-                <a:effectLst/>
-                <a:latin typeface="Söhne"/>
-              </a:rPr>
-              <a:t>"Spies" sind spezielle Arten von Mock-Objekten, die zum Überwachen und Aufzeichnen der Interaktionen mit einem realen Objekt verwendet werden.</a:t>
-            </a:r>
-          </a:p>
-          <a:p>
-            <a:r>
-              <a:rPr lang="de-DE" b="0" i="0" dirty="0">
-                <a:solidFill>
-                  <a:srgbClr val="0F0F0F"/>
-                </a:solidFill>
-                <a:effectLst/>
-                <a:latin typeface="Söhne"/>
-              </a:rPr>
-              <a:t>Während ein herkömmliches Mock-Objekt das Verhalten eines realen Objekts komplett ersetzt, dient ein Spy dazu, ein echtes Objekt zu umhüllen und seine Ausführungen zu verfolgen, wobei die Möglichkeit besteht, bestimmte Aspekte des Verhaltens zu verändern oder zu überwachen.</a:t>
-            </a:r>
-            <a:endParaRPr lang="de-DE" dirty="0"/>
+            <a:pPr>
+              <a:buFont typeface="Wingdings 3"/>
+              <a:buChar char=""/>
+            </a:pPr>
+            <a:r>
+              <a:rPr lang="en-US" sz="1600" i="1" dirty="0">
+                <a:ea typeface="+mn-lt"/>
+                <a:cs typeface="+mn-lt"/>
+              </a:rPr>
+              <a:t>mock() – create a mock from the type</a:t>
+            </a:r>
+          </a:p>
+          <a:p>
+            <a:pPr>
+              <a:buFont typeface="Wingdings 3"/>
+              <a:buChar char=""/>
+            </a:pPr>
+            <a:r>
+              <a:rPr lang="en-US" sz="1600" i="1" dirty="0">
+                <a:ea typeface="+mn-lt"/>
+                <a:cs typeface="+mn-lt"/>
+              </a:rPr>
+              <a:t>@Mock – create a mock by annotation</a:t>
+            </a:r>
+          </a:p>
+          <a:p>
+            <a:pPr lvl="1">
+              <a:buFont typeface="Wingdings 3"/>
+              <a:buChar char=""/>
+            </a:pPr>
+            <a:r>
+              <a:rPr lang="en-US" sz="1400" i="1" dirty="0" err="1">
+                <a:ea typeface="+mn-lt"/>
+                <a:cs typeface="+mn-lt"/>
+              </a:rPr>
+              <a:t>MockitoAnnotations.openMocks</a:t>
+            </a:r>
+            <a:r>
+              <a:rPr lang="en-US" sz="1400" i="1" dirty="0">
+                <a:ea typeface="+mn-lt"/>
+                <a:cs typeface="+mn-lt"/>
+              </a:rPr>
+              <a:t>(this) to create all annotated Mocks</a:t>
+            </a:r>
+          </a:p>
+          <a:p>
+            <a:pPr>
+              <a:buFont typeface="Wingdings 3"/>
+              <a:buChar char=""/>
+            </a:pPr>
+            <a:r>
+              <a:rPr lang="en-US" sz="1600" i="1" dirty="0">
+                <a:ea typeface="+mn-lt"/>
+                <a:cs typeface="+mn-lt"/>
+              </a:rPr>
+              <a:t>When() – specify </a:t>
+            </a:r>
+            <a:r>
+              <a:rPr lang="en-US" sz="1600" i="1" dirty="0" err="1">
+                <a:ea typeface="+mn-lt"/>
+                <a:cs typeface="+mn-lt"/>
+              </a:rPr>
+              <a:t>behaviour</a:t>
+            </a:r>
+            <a:endParaRPr lang="en-US" sz="1600" i="1" dirty="0">
+              <a:ea typeface="+mn-lt"/>
+              <a:cs typeface="+mn-lt"/>
+            </a:endParaRPr>
+          </a:p>
+          <a:p>
+            <a:pPr lvl="1">
+              <a:buFont typeface="Wingdings 3"/>
+              <a:buChar char=""/>
+            </a:pPr>
+            <a:r>
+              <a:rPr lang="en-US" sz="1400" i="1" dirty="0" err="1">
+                <a:ea typeface="+mn-lt"/>
+                <a:cs typeface="+mn-lt"/>
+              </a:rPr>
+              <a:t>thenReturn</a:t>
+            </a:r>
+            <a:r>
+              <a:rPr lang="en-US" sz="1400" i="1" dirty="0">
+                <a:ea typeface="+mn-lt"/>
+                <a:cs typeface="+mn-lt"/>
+              </a:rPr>
+              <a:t> – return Object</a:t>
+            </a:r>
+          </a:p>
+          <a:p>
+            <a:pPr lvl="1">
+              <a:buFont typeface="Wingdings 3"/>
+              <a:buChar char=""/>
+            </a:pPr>
+            <a:r>
+              <a:rPr lang="en-US" sz="1400" i="1" dirty="0" err="1">
+                <a:ea typeface="+mn-lt"/>
+                <a:cs typeface="+mn-lt"/>
+              </a:rPr>
+              <a:t>thenThrow</a:t>
+            </a:r>
+            <a:r>
+              <a:rPr lang="en-US" sz="1400" i="1" dirty="0">
+                <a:ea typeface="+mn-lt"/>
+                <a:cs typeface="+mn-lt"/>
+              </a:rPr>
+              <a:t>() – test exception</a:t>
+            </a:r>
+          </a:p>
+          <a:p>
+            <a:pPr lvl="1">
+              <a:buFont typeface="Wingdings 3"/>
+              <a:buChar char=""/>
+            </a:pPr>
+            <a:r>
+              <a:rPr lang="en-US" sz="1400" i="1" dirty="0" err="1">
+                <a:ea typeface="+mn-lt"/>
+                <a:cs typeface="+mn-lt"/>
+              </a:rPr>
+              <a:t>thenAnswer</a:t>
+            </a:r>
+            <a:r>
+              <a:rPr lang="en-US" sz="1400" i="1" dirty="0">
+                <a:ea typeface="+mn-lt"/>
+                <a:cs typeface="+mn-lt"/>
+              </a:rPr>
+              <a:t> – create answer on the fly (Callback)</a:t>
+            </a:r>
+          </a:p>
+          <a:p>
+            <a:pPr lvl="1">
+              <a:buFont typeface="Wingdings 3"/>
+              <a:buChar char=""/>
+            </a:pPr>
+            <a:r>
+              <a:rPr lang="en-US" sz="1400" i="1" dirty="0" err="1">
+                <a:ea typeface="+mn-lt"/>
+                <a:cs typeface="+mn-lt"/>
+              </a:rPr>
+              <a:t>AdditionalAnswers.returnsFirstArg</a:t>
+            </a:r>
+            <a:r>
+              <a:rPr lang="en-US" sz="1400" i="1" dirty="0">
+                <a:ea typeface="+mn-lt"/>
+                <a:cs typeface="+mn-lt"/>
+              </a:rPr>
+              <a:t>() – return first Argument</a:t>
+            </a:r>
+          </a:p>
+          <a:p>
+            <a:pPr>
+              <a:buFont typeface="Wingdings 3"/>
+              <a:buChar char=""/>
+            </a:pPr>
+            <a:r>
+              <a:rPr lang="en-US" sz="1600" i="1" dirty="0" err="1">
+                <a:ea typeface="+mn-lt"/>
+                <a:cs typeface="+mn-lt"/>
+              </a:rPr>
+              <a:t>doReturn</a:t>
+            </a:r>
+            <a:r>
+              <a:rPr lang="en-US" sz="1600" i="1" dirty="0">
+                <a:ea typeface="+mn-lt"/>
+                <a:cs typeface="+mn-lt"/>
+              </a:rPr>
+              <a:t>().when() – Use do avoid </a:t>
+            </a:r>
+            <a:r>
+              <a:rPr lang="en-US" sz="1600" i="1">
+                <a:ea typeface="+mn-lt"/>
+                <a:cs typeface="+mn-lt"/>
+              </a:rPr>
+              <a:t>side effects</a:t>
+            </a:r>
+            <a:endParaRPr lang="en-US" sz="1600" i="1" dirty="0">
+              <a:ea typeface="+mn-lt"/>
+              <a:cs typeface="+mn-lt"/>
+            </a:endParaRPr>
+          </a:p>
+          <a:p>
+            <a:pPr>
+              <a:buFont typeface="Wingdings 3"/>
+              <a:buChar char=""/>
+            </a:pPr>
+            <a:r>
+              <a:rPr lang="de-DE" sz="1600" i="1" dirty="0" err="1">
+                <a:ea typeface="+mn-lt"/>
+                <a:cs typeface="+mn-lt"/>
+              </a:rPr>
+              <a:t>verify</a:t>
+            </a:r>
+            <a:r>
+              <a:rPr lang="de-DE" sz="1600" i="1" dirty="0">
+                <a:ea typeface="+mn-lt"/>
+                <a:cs typeface="+mn-lt"/>
+              </a:rPr>
+              <a:t> – check </a:t>
+            </a:r>
+            <a:r>
+              <a:rPr lang="de-DE" sz="1600" i="1" dirty="0" err="1">
+                <a:ea typeface="+mn-lt"/>
+                <a:cs typeface="+mn-lt"/>
+              </a:rPr>
+              <a:t>that</a:t>
+            </a:r>
+            <a:r>
+              <a:rPr lang="de-DE" sz="1600" i="1" dirty="0">
+                <a:ea typeface="+mn-lt"/>
+                <a:cs typeface="+mn-lt"/>
+              </a:rPr>
+              <a:t> a </a:t>
+            </a:r>
+            <a:r>
+              <a:rPr lang="de-DE" sz="1600" i="1" dirty="0" err="1">
+                <a:ea typeface="+mn-lt"/>
+                <a:cs typeface="+mn-lt"/>
+              </a:rPr>
+              <a:t>specific</a:t>
+            </a:r>
+            <a:r>
+              <a:rPr lang="de-DE" sz="1600" i="1" dirty="0">
+                <a:ea typeface="+mn-lt"/>
+                <a:cs typeface="+mn-lt"/>
+              </a:rPr>
+              <a:t> </a:t>
+            </a:r>
+            <a:r>
+              <a:rPr lang="de-DE" sz="1600" i="1" dirty="0" err="1">
+                <a:ea typeface="+mn-lt"/>
+                <a:cs typeface="+mn-lt"/>
+              </a:rPr>
+              <a:t>call</a:t>
+            </a:r>
+            <a:r>
+              <a:rPr lang="de-DE" sz="1600" i="1" dirty="0">
+                <a:ea typeface="+mn-lt"/>
+                <a:cs typeface="+mn-lt"/>
+              </a:rPr>
+              <a:t> </a:t>
+            </a:r>
+            <a:r>
+              <a:rPr lang="de-DE" sz="1600" i="1" dirty="0" err="1">
+                <a:ea typeface="+mn-lt"/>
+                <a:cs typeface="+mn-lt"/>
+              </a:rPr>
+              <a:t>has</a:t>
+            </a:r>
+            <a:r>
+              <a:rPr lang="de-DE" sz="1600" i="1" dirty="0">
+                <a:ea typeface="+mn-lt"/>
+                <a:cs typeface="+mn-lt"/>
+              </a:rPr>
+              <a:t> </a:t>
+            </a:r>
+            <a:r>
+              <a:rPr lang="de-DE" sz="1600" i="1" dirty="0" err="1">
+                <a:ea typeface="+mn-lt"/>
+                <a:cs typeface="+mn-lt"/>
+              </a:rPr>
+              <a:t>happended</a:t>
+            </a:r>
+            <a:endParaRPr lang="de-DE" sz="1600" i="1" dirty="0">
+              <a:ea typeface="+mn-lt"/>
+              <a:cs typeface="+mn-lt"/>
+            </a:endParaRPr>
+          </a:p>
+          <a:p>
+            <a:pPr lvl="2">
+              <a:buFont typeface="Wingdings 3"/>
+              <a:buChar char=""/>
+            </a:pPr>
+            <a:endParaRPr lang="de-DE" sz="1200" i="1" dirty="0">
+              <a:ea typeface="+mn-lt"/>
+              <a:cs typeface="+mn-lt"/>
+            </a:endParaRPr>
           </a:p>
         </p:txBody>
       </p:sp>
     </p:spTree>
     <p:extLst>
       <p:ext uri="{BB962C8B-B14F-4D97-AF65-F5344CB8AC3E}">
-        <p14:creationId xmlns:p14="http://schemas.microsoft.com/office/powerpoint/2010/main" val="2014522427"/>
+        <p14:creationId xmlns:p14="http://schemas.microsoft.com/office/powerpoint/2010/main" val="2301244401"/>
       </p:ext>
     </p:extLst>
   </p:cSld>
@@ -29705,7 +30297,7 @@
           <p:cNvPr id="2" name="Titel 1">
             <a:extLst>
               <a:ext uri="{FF2B5EF4-FFF2-40B4-BE49-F238E27FC236}">
-                <a16:creationId xmlns:a16="http://schemas.microsoft.com/office/drawing/2014/main" id="{EC9A7912-1764-1F24-AB52-E225CB31D811}"/>
+                <a16:creationId xmlns:a16="http://schemas.microsoft.com/office/drawing/2014/main" id="{ECFD6BE1-2A1B-4296-9E24-E363541F514A}"/>
               </a:ext>
             </a:extLst>
           </p:cNvPr>
@@ -29722,9 +30314,10 @@
           <a:lstStyle/>
           <a:p>
             <a:r>
-              <a:rPr lang="de-DE" dirty="0"/>
-              <a:t>Spy Merkmale</a:t>
-            </a:r>
+              <a:rPr lang="de-DE" dirty="0" err="1"/>
+              <a:t>Callbacks</a:t>
+            </a:r>
+            <a:endParaRPr lang="de-DE" dirty="0"/>
           </a:p>
         </p:txBody>
       </p:sp>
@@ -29733,7 +30326,7 @@
           <p:cNvPr id="3" name="Inhaltsplatzhalter 2">
             <a:extLst>
               <a:ext uri="{FF2B5EF4-FFF2-40B4-BE49-F238E27FC236}">
-                <a16:creationId xmlns:a16="http://schemas.microsoft.com/office/drawing/2014/main" id="{17AD5B0F-7D1D-501C-AE09-76AAF7B69054}"/>
+                <a16:creationId xmlns:a16="http://schemas.microsoft.com/office/drawing/2014/main" id="{F6BB3107-1D71-43F1-8A3E-6DE4AB07317A}"/>
               </a:ext>
             </a:extLst>
           </p:cNvPr>
@@ -29747,98 +30340,124 @@
         <p:spPr/>
         <p:txBody>
           <a:bodyPr>
-            <a:normAutofit fontScale="92500" lnSpcReduction="10000"/>
+            <a:normAutofit fontScale="85000" lnSpcReduction="10000"/>
           </a:bodyPr>
           <a:lstStyle/>
           <a:p>
-            <a:pPr algn="l">
-              <a:buFont typeface="+mj-lt"/>
-              <a:buAutoNum type="arabicPeriod"/>
-            </a:pPr>
-            <a:r>
-              <a:rPr lang="de-DE" b="1" i="0" dirty="0">
-                <a:effectLst/>
-                <a:latin typeface="Söhne"/>
-              </a:rPr>
-              <a:t>Realitätstreue Interaktionen</a:t>
-            </a:r>
-            <a:r>
-              <a:rPr lang="de-DE" b="0" i="0" dirty="0">
-                <a:effectLst/>
-                <a:latin typeface="Söhne"/>
-              </a:rPr>
-              <a:t>: Spies verwenden das tatsächliche Objekt, daher wird das echte Verhalten des Objekts aufgerufen, es sei denn, es wird explizit anders angegeben.</a:t>
-            </a:r>
-          </a:p>
-          <a:p>
-            <a:pPr algn="l">
-              <a:buFont typeface="+mj-lt"/>
-              <a:buAutoNum type="arabicPeriod"/>
-            </a:pPr>
-            <a:r>
-              <a:rPr lang="de-DE" b="1" i="0" dirty="0">
-                <a:effectLst/>
-                <a:latin typeface="Söhne"/>
-              </a:rPr>
-              <a:t>Überwachung und Aufzeichnung</a:t>
-            </a:r>
-            <a:r>
-              <a:rPr lang="de-DE" b="0" i="0" dirty="0">
-                <a:effectLst/>
-                <a:latin typeface="Söhne"/>
-              </a:rPr>
-              <a:t>: Spies können aufzeichnen, wie oft und mit welchen Parametern Methoden aufgerufen werden. Das ermöglicht es Ihnen, die Interaktionen des getesteten Codes mit dem umhüllten Objekt zu überprüfen.</a:t>
-            </a:r>
-          </a:p>
-          <a:p>
-            <a:pPr algn="l">
-              <a:buFont typeface="+mj-lt"/>
-              <a:buAutoNum type="arabicPeriod"/>
-            </a:pPr>
-            <a:r>
-              <a:rPr lang="de-DE" b="1" i="0" dirty="0">
-                <a:effectLst/>
-                <a:latin typeface="Söhne"/>
-              </a:rPr>
-              <a:t>Verhaltensänderung</a:t>
-            </a:r>
-            <a:r>
-              <a:rPr lang="de-DE" b="0" i="0" dirty="0">
-                <a:effectLst/>
-                <a:latin typeface="Söhne"/>
-              </a:rPr>
-              <a:t>: Während ein Spy normalerweise das reale Verhalten des Objekts nutzt, können Sie in bestimmten Fällen das Verhalten bestimmter Methodenaufrufe überschreiben. Beispielsweise könnten Sie eine Methode so konfigurieren, dass sie einen bestimmten Wert zurückgibt oder eine Ausnahme wirft, um spezielle Testbedingungen zu simulieren.</a:t>
-            </a:r>
-          </a:p>
-          <a:p>
-            <a:pPr algn="l">
-              <a:buFont typeface="+mj-lt"/>
-              <a:buAutoNum type="arabicPeriod"/>
-            </a:pPr>
-            <a:r>
-              <a:rPr lang="de-DE" b="1" i="0" dirty="0">
-                <a:effectLst/>
-                <a:latin typeface="Söhne"/>
-              </a:rPr>
-              <a:t>Einsatzszenarien</a:t>
-            </a:r>
-            <a:r>
-              <a:rPr lang="de-DE" b="0" i="0" dirty="0">
-                <a:effectLst/>
-                <a:latin typeface="Söhne"/>
-              </a:rPr>
-              <a:t>: Spies sind besonders nützlich in Situationen, in denen Sie das tatsächliche Verhalten eines Objekts beibehalten möchten, aber auch Informationen darüber sammeln müssen, wie das Objekt verwendet wird. Sie sind auch nützlich, wenn Sie nur einen kleinen Teil des Verhaltens eines Objekts ändern möchten, ohne den Rest zu beeinflussen.</a:t>
-            </a:r>
-          </a:p>
-          <a:p>
-            <a:endParaRPr lang="de-DE" dirty="0"/>
+            <a:r>
+              <a:rPr lang="de-DE" dirty="0" err="1"/>
+              <a:t>Callbacks</a:t>
+            </a:r>
+            <a:r>
+              <a:rPr lang="de-DE" dirty="0"/>
+              <a:t> ermöglichen eine fortgeschrittene Anpassung des Verhaltens von Mock-Objekten</a:t>
+            </a:r>
+          </a:p>
+          <a:p>
+            <a:r>
+              <a:rPr lang="de-DE" dirty="0"/>
+              <a:t>Ein Callback in </a:t>
+            </a:r>
+            <a:r>
+              <a:rPr lang="de-DE" dirty="0" err="1"/>
+              <a:t>Mockito</a:t>
+            </a:r>
+            <a:r>
+              <a:rPr lang="de-DE" dirty="0"/>
+              <a:t> wird normalerweise mit der </a:t>
+            </a:r>
+            <a:r>
+              <a:rPr lang="de-DE" dirty="0" err="1"/>
+              <a:t>thenAnswer</a:t>
+            </a:r>
+            <a:r>
+              <a:rPr lang="de-DE" dirty="0"/>
+              <a:t>-Methode verwendet, die es Ihnen erlaubt, eine eigene Antwortlogik für einen Mock zu definieren.</a:t>
+            </a:r>
+          </a:p>
+          <a:p>
+            <a:r>
+              <a:rPr lang="de-DE" dirty="0"/>
+              <a:t>Dies ist besonders nützlich, wenn Sie komplexere Reaktionen simulieren müssen, die nicht mit einfachen Antwortwerten oder Ausnahmen abgedeckt werden können.</a:t>
+            </a:r>
+          </a:p>
+          <a:p>
+            <a:r>
+              <a:rPr lang="de-DE" dirty="0"/>
+              <a:t>Ein Callback in </a:t>
+            </a:r>
+            <a:r>
+              <a:rPr lang="de-DE" dirty="0" err="1"/>
+              <a:t>Mockito</a:t>
+            </a:r>
+            <a:r>
+              <a:rPr lang="de-DE" dirty="0"/>
+              <a:t> wird durch die Implementierung des </a:t>
+            </a:r>
+            <a:r>
+              <a:rPr lang="de-DE" dirty="0" err="1"/>
+              <a:t>Answer</a:t>
+            </a:r>
+            <a:r>
+              <a:rPr lang="de-DE" dirty="0"/>
+              <a:t>-Interfaces realisiert</a:t>
+            </a:r>
+          </a:p>
+          <a:p>
+            <a:r>
+              <a:rPr lang="de-DE" dirty="0"/>
+              <a:t>Innerhalb der </a:t>
+            </a:r>
+            <a:r>
+              <a:rPr lang="de-DE" dirty="0" err="1"/>
+              <a:t>answer</a:t>
+            </a:r>
+            <a:r>
+              <a:rPr lang="de-DE" dirty="0"/>
+              <a:t>-Methode dieses Interfaces können Sie die Logik definieren, die ausgeführt wird, wenn die </a:t>
+            </a:r>
+            <a:r>
+              <a:rPr lang="de-DE" dirty="0" err="1"/>
+              <a:t>gemockte</a:t>
+            </a:r>
+            <a:r>
+              <a:rPr lang="de-DE" dirty="0"/>
+              <a:t> Methode aufgerufen wird. </a:t>
+            </a:r>
+          </a:p>
+          <a:p>
+            <a:r>
+              <a:rPr lang="de-DE" dirty="0"/>
+              <a:t>Dies kann beinhalten:</a:t>
+            </a:r>
+          </a:p>
+          <a:p>
+            <a:pPr lvl="1"/>
+            <a:r>
+              <a:rPr lang="de-DE" dirty="0"/>
+              <a:t>Dynamische Berechnung des Rückgabewertes basierend auf den übergebenen Argumenten.</a:t>
+            </a:r>
+          </a:p>
+          <a:p>
+            <a:pPr lvl="1"/>
+            <a:r>
+              <a:rPr lang="de-DE" dirty="0"/>
+              <a:t>Ausführen zusätzlicher Aktionen, wie das Loggen oder Ändern des Zustands.</a:t>
+            </a:r>
+          </a:p>
+          <a:p>
+            <a:pPr lvl="1"/>
+            <a:r>
+              <a:rPr lang="de-DE" dirty="0"/>
+              <a:t>Werfen von Ausnahmen unter bestimmten Bedingungen.</a:t>
+            </a:r>
           </a:p>
         </p:txBody>
       </p:sp>
     </p:spTree>
     <p:extLst>
       <p:ext uri="{BB962C8B-B14F-4D97-AF65-F5344CB8AC3E}">
-        <p14:creationId xmlns:p14="http://schemas.microsoft.com/office/powerpoint/2010/main" val="2215950415"/>
+        <p14:creationId xmlns:p14="http://schemas.microsoft.com/office/powerpoint/2010/main" val="63735485"/>
       </p:ext>
     </p:extLst>
   </p:cSld>
@@ -29870,7 +30489,7 @@
           <p:cNvPr id="2" name="Titel 1">
             <a:extLst>
               <a:ext uri="{FF2B5EF4-FFF2-40B4-BE49-F238E27FC236}">
-                <a16:creationId xmlns:a16="http://schemas.microsoft.com/office/drawing/2014/main" id="{ECFD6BE1-2A1B-4296-9E24-E363541F514A}"/>
+                <a16:creationId xmlns:a16="http://schemas.microsoft.com/office/drawing/2014/main" id="{19CD0F5A-ECC2-1BD6-E820-2303EC2D5C86}"/>
               </a:ext>
             </a:extLst>
           </p:cNvPr>
@@ -29887,8 +30506,20 @@
           <a:lstStyle/>
           <a:p>
             <a:r>
+              <a:rPr lang="de-DE" dirty="0"/>
+              <a:t>Argument </a:t>
+            </a:r>
+            <a:r>
               <a:rPr lang="de-DE" dirty="0" err="1"/>
-              <a:t>Callbacks</a:t>
+              <a:t>Matchers</a:t>
+            </a:r>
+            <a:r>
+              <a:rPr lang="de-DE" dirty="0"/>
+              <a:t> and </a:t>
+            </a:r>
+            <a:r>
+              <a:rPr lang="de-DE" dirty="0" err="1"/>
+              <a:t>Captors</a:t>
             </a:r>
             <a:endParaRPr lang="de-DE" dirty="0"/>
           </a:p>
@@ -29899,7 +30530,7 @@
           <p:cNvPr id="3" name="Inhaltsplatzhalter 2">
             <a:extLst>
               <a:ext uri="{FF2B5EF4-FFF2-40B4-BE49-F238E27FC236}">
-                <a16:creationId xmlns:a16="http://schemas.microsoft.com/office/drawing/2014/main" id="{F6BB3107-1D71-43F1-8A3E-6DE4AB07317A}"/>
+                <a16:creationId xmlns:a16="http://schemas.microsoft.com/office/drawing/2014/main" id="{D2F58962-5CF0-70DF-2664-E782773201F8}"/>
               </a:ext>
             </a:extLst>
           </p:cNvPr>
@@ -29912,117 +30543,100 @@
         </p:nvSpPr>
         <p:spPr/>
         <p:txBody>
-          <a:bodyPr>
-            <a:normAutofit fontScale="85000" lnSpcReduction="10000"/>
-          </a:bodyPr>
+          <a:bodyPr/>
           <a:lstStyle/>
           <a:p>
             <a:r>
+              <a:rPr lang="de-DE" dirty="0"/>
+              <a:t>Argument </a:t>
+            </a:r>
+            <a:r>
               <a:rPr lang="de-DE" dirty="0" err="1"/>
-              <a:t>Callbacks</a:t>
-            </a:r>
-            <a:r>
-              <a:rPr lang="de-DE" dirty="0"/>
-              <a:t> ermöglichen eine fortgeschrittene Anpassung des Verhaltens von Mock-Objekten</a:t>
-            </a:r>
-          </a:p>
-          <a:p>
-            <a:r>
-              <a:rPr lang="de-DE" dirty="0"/>
-              <a:t>Ein Callback in </a:t>
-            </a:r>
+              <a:t>Matchers</a:t>
+            </a:r>
+            <a:r>
+              <a:rPr lang="de-DE" dirty="0"/>
+              <a:t>:</a:t>
+            </a:r>
+          </a:p>
+          <a:p>
+            <a:pPr lvl="1"/>
             <a:r>
               <a:rPr lang="de-DE" dirty="0" err="1"/>
               <a:t>Mockito</a:t>
             </a:r>
             <a:r>
               <a:rPr lang="de-DE" dirty="0"/>
-              <a:t> wird normalerweise mit der </a:t>
+              <a:t> bietet Argument </a:t>
             </a:r>
             <a:r>
               <a:rPr lang="de-DE" dirty="0" err="1"/>
-              <a:t>thenAnswer</a:t>
-            </a:r>
-            <a:r>
-              <a:rPr lang="de-DE" dirty="0"/>
-              <a:t>-Methode verwendet, die es Ihnen erlaubt, eine eigene Antwortlogik für einen Mock zu definieren.</a:t>
-            </a:r>
-          </a:p>
-          <a:p>
-            <a:r>
-              <a:rPr lang="de-DE" dirty="0"/>
-              <a:t>Dies ist besonders nützlich, wenn Sie komplexere Reaktionen simulieren müssen, die nicht mit einfachen Antwortwerten oder Ausnahmen abgedeckt werden können.</a:t>
-            </a:r>
-          </a:p>
-          <a:p>
-            <a:r>
-              <a:rPr lang="de-DE" dirty="0"/>
-              <a:t>Ein Callback in </a:t>
+              <a:t>Matcher</a:t>
+            </a:r>
+            <a:r>
+              <a:rPr lang="de-DE" dirty="0"/>
+              <a:t> wie </a:t>
             </a:r>
             <a:r>
               <a:rPr lang="de-DE" dirty="0" err="1"/>
-              <a:t>Mockito</a:t>
-            </a:r>
-            <a:r>
-              <a:rPr lang="de-DE" dirty="0"/>
-              <a:t> wird durch die Implementierung des </a:t>
+              <a:t>any</a:t>
+            </a:r>
+            <a:r>
+              <a:rPr lang="de-DE" dirty="0"/>
+              <a:t>(), </a:t>
             </a:r>
             <a:r>
               <a:rPr lang="de-DE" dirty="0" err="1"/>
-              <a:t>Answer</a:t>
-            </a:r>
-            <a:r>
-              <a:rPr lang="de-DE" dirty="0"/>
-              <a:t>-Interfaces realisiert</a:t>
-            </a:r>
-          </a:p>
-          <a:p>
-            <a:r>
-              <a:rPr lang="de-DE" dirty="0"/>
-              <a:t>Innerhalb der </a:t>
+              <a:t>eq</a:t>
+            </a:r>
+            <a:r>
+              <a:rPr lang="de-DE" dirty="0"/>
+              <a:t>(), </a:t>
             </a:r>
             <a:r>
               <a:rPr lang="de-DE" dirty="0" err="1"/>
-              <a:t>answer</a:t>
-            </a:r>
-            <a:r>
-              <a:rPr lang="de-DE" dirty="0"/>
-              <a:t>-Methode dieses Interfaces können Sie die Logik definieren, die ausgeführt wird, wenn die </a:t>
+              <a:t>anyInt</a:t>
+            </a:r>
+            <a:r>
+              <a:rPr lang="de-DE" dirty="0"/>
+              <a:t>(), </a:t>
             </a:r>
             <a:r>
               <a:rPr lang="de-DE" dirty="0" err="1"/>
-              <a:t>gemockte</a:t>
-            </a:r>
-            <a:r>
-              <a:rPr lang="de-DE" dirty="0"/>
-              <a:t> Methode aufgerufen wird. </a:t>
-            </a:r>
-          </a:p>
-          <a:p>
-            <a:r>
-              <a:rPr lang="de-DE" dirty="0"/>
-              <a:t>Dies kann beinhalten:</a:t>
+              <a:t>anyString</a:t>
+            </a:r>
+            <a:r>
+              <a:rPr lang="de-DE" dirty="0"/>
+              <a:t>() usw., die es ermöglichen, flexiblere Bedingungen für die Argumente festzulegen, die an Mock-Methoden übergeben werden.</a:t>
+            </a:r>
+          </a:p>
+          <a:p>
+            <a:r>
+              <a:rPr lang="de-DE" dirty="0"/>
+              <a:t>Argument </a:t>
+            </a:r>
+            <a:r>
+              <a:rPr lang="de-DE" dirty="0" err="1"/>
+              <a:t>Captor</a:t>
+            </a:r>
+            <a:r>
+              <a:rPr lang="de-DE" dirty="0"/>
+              <a:t>:</a:t>
             </a:r>
           </a:p>
           <a:p>
             <a:pPr lvl="1"/>
             <a:r>
               <a:rPr lang="de-DE" dirty="0"/>
-              <a:t>Dynamische Berechnung des Rückgabewertes basierend auf den übergebenen Argumenten.</a:t>
-            </a:r>
-          </a:p>
-          <a:p>
-            <a:pPr lvl="1"/>
-            <a:r>
-              <a:rPr lang="de-DE" dirty="0"/>
-              <a:t>Ausführen zusätzlicher Aktionen, wie das Loggen oder Ändern des Zustands.</a:t>
-            </a:r>
-          </a:p>
-          <a:p>
-            <a:pPr lvl="1"/>
-            <a:r>
-              <a:rPr lang="de-DE" dirty="0"/>
-              <a:t>Werfen von Ausnahmen unter bestimmten Bedingungen.</a:t>
+              <a:t>Mit </a:t>
+            </a:r>
+            <a:r>
+              <a:rPr lang="de-DE" dirty="0" err="1"/>
+              <a:t>ArgumentCaptor</a:t>
+            </a:r>
+            <a:r>
+              <a:rPr lang="de-DE" dirty="0"/>
+              <a:t> können Sie die Argumente erfassen, die an eine Methode übergeben werden. Dies ist besonders nützlich, wenn Sie überprüfen möchten, ob eine Methode mit den richtigen Argumenten aufgerufen wurde.</a:t>
             </a:r>
           </a:p>
         </p:txBody>
@@ -30030,7 +30644,7 @@
     </p:spTree>
     <p:extLst>
       <p:ext uri="{BB962C8B-B14F-4D97-AF65-F5344CB8AC3E}">
-        <p14:creationId xmlns:p14="http://schemas.microsoft.com/office/powerpoint/2010/main" val="63735485"/>
+        <p14:creationId xmlns:p14="http://schemas.microsoft.com/office/powerpoint/2010/main" val="2238046553"/>
       </p:ext>
     </p:extLst>
   </p:cSld>
@@ -30062,7 +30676,7 @@
           <p:cNvPr id="2" name="Titel 1">
             <a:extLst>
               <a:ext uri="{FF2B5EF4-FFF2-40B4-BE49-F238E27FC236}">
-                <a16:creationId xmlns:a16="http://schemas.microsoft.com/office/drawing/2014/main" id="{29D30B30-D47B-4B67-8868-F9E1379BBCA4}"/>
+                <a16:creationId xmlns:a16="http://schemas.microsoft.com/office/drawing/2014/main" id="{7DC5B520-238A-F173-2AF8-A281184D77C8}"/>
               </a:ext>
             </a:extLst>
           </p:cNvPr>
@@ -30079,63 +30693,13 @@
           <a:lstStyle/>
           <a:p>
             <a:r>
-              <a:rPr lang="de-DE" dirty="0" err="1">
-                <a:ea typeface="+mj-lt"/>
-                <a:cs typeface="+mj-lt"/>
-              </a:rPr>
-              <a:t>What</a:t>
-            </a:r>
-            <a:r>
-              <a:rPr lang="de-DE" dirty="0">
-                <a:ea typeface="+mj-lt"/>
-                <a:cs typeface="+mj-lt"/>
-              </a:rPr>
-              <a:t> </a:t>
-            </a:r>
-            <a:r>
-              <a:rPr lang="de-DE" dirty="0" err="1">
-                <a:ea typeface="+mj-lt"/>
-                <a:cs typeface="+mj-lt"/>
-              </a:rPr>
-              <a:t>did</a:t>
-            </a:r>
-            <a:r>
-              <a:rPr lang="de-DE" dirty="0">
-                <a:ea typeface="+mj-lt"/>
-                <a:cs typeface="+mj-lt"/>
-              </a:rPr>
-              <a:t> </a:t>
-            </a:r>
-            <a:r>
-              <a:rPr lang="de-DE" dirty="0" err="1">
-                <a:ea typeface="+mj-lt"/>
-                <a:cs typeface="+mj-lt"/>
-              </a:rPr>
-              <a:t>we</a:t>
-            </a:r>
-            <a:r>
-              <a:rPr lang="de-DE" dirty="0">
-                <a:ea typeface="+mj-lt"/>
-                <a:cs typeface="+mj-lt"/>
-              </a:rPr>
-              <a:t> </a:t>
-            </a:r>
-            <a:r>
-              <a:rPr lang="de-DE" dirty="0" err="1">
-                <a:ea typeface="+mj-lt"/>
-                <a:cs typeface="+mj-lt"/>
-              </a:rPr>
-              <a:t>learn</a:t>
-            </a:r>
-            <a:r>
-              <a:rPr lang="de-DE" dirty="0">
-                <a:ea typeface="+mj-lt"/>
-                <a:cs typeface="+mj-lt"/>
-              </a:rPr>
-              <a:t>?</a:t>
-            </a:r>
-          </a:p>
-          <a:p>
+              <a:rPr lang="de-DE" dirty="0"/>
+              <a:t>Code – </a:t>
+            </a:r>
+            <a:r>
+              <a:rPr lang="de-DE" dirty="0" err="1"/>
+              <a:t>broker</a:t>
+            </a:r>
             <a:endParaRPr lang="de-DE" dirty="0"/>
           </a:p>
         </p:txBody>
@@ -30145,7 +30709,7 @@
           <p:cNvPr id="3" name="Inhaltsplatzhalter 2">
             <a:extLst>
               <a:ext uri="{FF2B5EF4-FFF2-40B4-BE49-F238E27FC236}">
-                <a16:creationId xmlns:a16="http://schemas.microsoft.com/office/drawing/2014/main" id="{D18E186C-19E2-4067-A219-2FA83D56C5DA}"/>
+                <a16:creationId xmlns:a16="http://schemas.microsoft.com/office/drawing/2014/main" id="{3F20A0C9-0014-44AA-7873-F6EF2BDB2B35}"/>
               </a:ext>
             </a:extLst>
           </p:cNvPr>
@@ -30156,149 +30720,19 @@
             <p:ph idx="1"/>
           </p:nvPr>
         </p:nvSpPr>
-        <p:spPr>
-          <a:xfrm>
-            <a:off x="677334" y="1685448"/>
-            <a:ext cx="8596668" cy="4397383"/>
-          </a:xfrm>
-        </p:spPr>
-        <p:txBody>
-          <a:bodyPr vert="horz" lIns="91440" tIns="45720" rIns="91440" bIns="45720" rtlCol="0" anchor="t">
-            <a:normAutofit/>
-          </a:bodyPr>
+        <p:spPr/>
+        <p:txBody>
+          <a:bodyPr/>
           <a:lstStyle/>
           <a:p>
-            <a:pPr>
-              <a:buFont typeface="Wingdings 3"/>
-              <a:buChar char=""/>
-            </a:pPr>
-            <a:r>
-              <a:rPr lang="en-US" sz="1600" i="1" dirty="0">
-                <a:ea typeface="+mn-lt"/>
-                <a:cs typeface="+mn-lt"/>
-              </a:rPr>
-              <a:t>@</a:t>
-            </a:r>
-            <a:r>
-              <a:rPr lang="de-DE" sz="1600" i="1" dirty="0">
-                <a:ea typeface="+mn-lt"/>
-                <a:cs typeface="+mn-lt"/>
-              </a:rPr>
-              <a:t>Spy</a:t>
-            </a:r>
-          </a:p>
-          <a:p>
-            <a:pPr>
-              <a:buFont typeface="Wingdings 3"/>
-              <a:buChar char=""/>
-            </a:pPr>
-            <a:r>
-              <a:rPr lang="de-DE" sz="1600" i="1" dirty="0" err="1">
-                <a:ea typeface="+mn-lt"/>
-                <a:cs typeface="+mn-lt"/>
-              </a:rPr>
-              <a:t>Mockito</a:t>
-            </a:r>
-            <a:r>
-              <a:rPr lang="de-DE" sz="1600" i="1" dirty="0">
-                <a:ea typeface="+mn-lt"/>
-                <a:cs typeface="+mn-lt"/>
-              </a:rPr>
-              <a:t>-inline </a:t>
-            </a:r>
-            <a:r>
-              <a:rPr lang="de-DE" sz="1600" i="1" dirty="0" err="1">
-                <a:ea typeface="+mn-lt"/>
-                <a:cs typeface="+mn-lt"/>
-              </a:rPr>
-              <a:t>for</a:t>
-            </a:r>
-            <a:r>
-              <a:rPr lang="de-DE" sz="1600" i="1" dirty="0">
-                <a:ea typeface="+mn-lt"/>
-                <a:cs typeface="+mn-lt"/>
-              </a:rPr>
-              <a:t> </a:t>
-            </a:r>
-            <a:r>
-              <a:rPr lang="de-DE" sz="1600" i="1" dirty="0" err="1">
-                <a:ea typeface="+mn-lt"/>
-                <a:cs typeface="+mn-lt"/>
-              </a:rPr>
-              <a:t>static</a:t>
-            </a:r>
-            <a:r>
-              <a:rPr lang="de-DE" sz="1600" i="1" dirty="0">
-                <a:ea typeface="+mn-lt"/>
-                <a:cs typeface="+mn-lt"/>
-              </a:rPr>
-              <a:t> and final </a:t>
-            </a:r>
-            <a:r>
-              <a:rPr lang="de-DE" sz="1600" i="1" dirty="0" err="1">
-                <a:ea typeface="+mn-lt"/>
-                <a:cs typeface="+mn-lt"/>
-              </a:rPr>
-              <a:t>mocking</a:t>
-            </a:r>
-            <a:endParaRPr lang="de-DE" sz="1600" i="1" dirty="0">
-              <a:ea typeface="+mn-lt"/>
-              <a:cs typeface="+mn-lt"/>
-            </a:endParaRPr>
-          </a:p>
-          <a:p>
-            <a:pPr>
-              <a:buFont typeface="Wingdings 3"/>
-              <a:buChar char=""/>
-            </a:pPr>
-            <a:r>
-              <a:rPr lang="de-DE" sz="1400" i="1" dirty="0" err="1">
-                <a:ea typeface="+mn-lt"/>
-                <a:cs typeface="+mn-lt"/>
-              </a:rPr>
-              <a:t>Mockito.mockStatic</a:t>
-            </a:r>
-            <a:endParaRPr lang="de-DE" sz="1400" i="1" dirty="0">
-              <a:ea typeface="+mn-lt"/>
-              <a:cs typeface="+mn-lt"/>
-            </a:endParaRPr>
-          </a:p>
-          <a:p>
-            <a:pPr>
-              <a:buFont typeface="Wingdings 3"/>
-              <a:buChar char=""/>
-            </a:pPr>
-            <a:r>
-              <a:rPr lang="de-DE" sz="1400" i="1" dirty="0" err="1">
-                <a:ea typeface="+mn-lt"/>
-                <a:cs typeface="+mn-lt"/>
-              </a:rPr>
-              <a:t>thenAnswer</a:t>
-            </a:r>
-            <a:r>
-              <a:rPr lang="de-DE" sz="1400" i="1" dirty="0">
-                <a:ea typeface="+mn-lt"/>
-                <a:cs typeface="+mn-lt"/>
-              </a:rPr>
-              <a:t>()</a:t>
-            </a:r>
-          </a:p>
-          <a:p>
-            <a:pPr lvl="2">
-              <a:buFont typeface="Wingdings 3"/>
-              <a:buChar char=""/>
-            </a:pPr>
-            <a:endParaRPr lang="de-DE" sz="1200" i="1" dirty="0">
-              <a:ea typeface="+mn-lt"/>
-              <a:cs typeface="+mn-lt"/>
-            </a:endParaRPr>
+            <a:endParaRPr lang="de-DE"/>
           </a:p>
         </p:txBody>
       </p:sp>
     </p:spTree>
     <p:extLst>
       <p:ext uri="{BB962C8B-B14F-4D97-AF65-F5344CB8AC3E}">
-        <p14:creationId xmlns:p14="http://schemas.microsoft.com/office/powerpoint/2010/main" val="725187857"/>
+        <p14:creationId xmlns:p14="http://schemas.microsoft.com/office/powerpoint/2010/main" val="2186503942"/>
       </p:ext>
     </p:extLst>
   </p:cSld>
@@ -30330,7 +30764,7 @@
           <p:cNvPr id="2" name="Titel 1">
             <a:extLst>
               <a:ext uri="{FF2B5EF4-FFF2-40B4-BE49-F238E27FC236}">
-                <a16:creationId xmlns:a16="http://schemas.microsoft.com/office/drawing/2014/main" id="{0A01C662-41DC-296E-0D3C-A6302DD37F6B}"/>
+                <a16:creationId xmlns:a16="http://schemas.microsoft.com/office/drawing/2014/main" id="{29D30B30-D47B-4B67-8868-F9E1379BBCA4}"/>
               </a:ext>
             </a:extLst>
           </p:cNvPr>
@@ -30347,25 +30781,64 @@
           <a:lstStyle/>
           <a:p>
             <a:r>
-              <a:rPr lang="de-DE" dirty="0"/>
-              <a:t>Test </a:t>
-            </a:r>
-            <a:r>
-              <a:rPr lang="de-DE" dirty="0" err="1"/>
-              <a:t>the</a:t>
-            </a:r>
-            <a:r>
-              <a:rPr lang="de-DE" dirty="0"/>
+              <a:rPr lang="de-DE" dirty="0" err="1">
+                <a:ea typeface="+mj-lt"/>
+                <a:cs typeface="+mj-lt"/>
+              </a:rPr>
+              <a:t>What</a:t>
+            </a:r>
+            <a:r>
+              <a:rPr lang="de-DE" dirty="0">
+                <a:ea typeface="+mj-lt"/>
+                <a:cs typeface="+mj-lt"/>
+              </a:rPr>
               <a:t> </a:t>
             </a:r>
             <a:r>
-              <a:rPr lang="de-DE" dirty="0" err="1"/>
-              <a:t>weather</a:t>
-            </a:r>
-            <a:r>
-              <a:rPr lang="de-DE" dirty="0"/>
-              <a:t> feature</a:t>
-            </a:r>
+              <a:rPr lang="de-DE" dirty="0" err="1">
+                <a:ea typeface="+mj-lt"/>
+                <a:cs typeface="+mj-lt"/>
+              </a:rPr>
+              <a:t>did</a:t>
+            </a:r>
+            <a:r>
+              <a:rPr lang="de-DE" dirty="0">
+                <a:ea typeface="+mj-lt"/>
+                <a:cs typeface="+mj-lt"/>
+              </a:rPr>
+              <a:t> </a:t>
+            </a:r>
+            <a:r>
+              <a:rPr lang="de-DE" dirty="0" err="1">
+                <a:ea typeface="+mj-lt"/>
+                <a:cs typeface="+mj-lt"/>
+              </a:rPr>
+              <a:t>we</a:t>
+            </a:r>
+            <a:r>
+              <a:rPr lang="de-DE" dirty="0">
+                <a:ea typeface="+mj-lt"/>
+                <a:cs typeface="+mj-lt"/>
+              </a:rPr>
+              <a:t> </a:t>
+            </a:r>
+            <a:r>
+              <a:rPr lang="de-DE" dirty="0" err="1">
+                <a:ea typeface="+mj-lt"/>
+                <a:cs typeface="+mj-lt"/>
+              </a:rPr>
+              <a:t>learn</a:t>
+            </a:r>
+            <a:r>
+              <a:rPr lang="de-DE" dirty="0">
+                <a:ea typeface="+mj-lt"/>
+                <a:cs typeface="+mj-lt"/>
+              </a:rPr>
+              <a:t>?</a:t>
+            </a:r>
+          </a:p>
+          <a:p>
+            <a:endParaRPr lang="de-DE" dirty="0"/>
           </a:p>
         </p:txBody>
       </p:sp>
@@ -30374,7 +30847,7 @@
           <p:cNvPr id="3" name="Inhaltsplatzhalter 2">
             <a:extLst>
               <a:ext uri="{FF2B5EF4-FFF2-40B4-BE49-F238E27FC236}">
-                <a16:creationId xmlns:a16="http://schemas.microsoft.com/office/drawing/2014/main" id="{FD39970F-E133-BF59-4013-B31E64D4CB8B}"/>
+                <a16:creationId xmlns:a16="http://schemas.microsoft.com/office/drawing/2014/main" id="{D18E186C-19E2-4067-A219-2FA83D56C5DA}"/>
               </a:ext>
             </a:extLst>
           </p:cNvPr>
@@ -30385,57 +30858,607 @@
             <p:ph idx="1"/>
           </p:nvPr>
         </p:nvSpPr>
-        <p:spPr/>
-        <p:txBody>
-          <a:bodyPr/>
+        <p:spPr>
+          <a:xfrm>
+            <a:off x="677334" y="1685448"/>
+            <a:ext cx="8596668" cy="4397383"/>
+          </a:xfrm>
+        </p:spPr>
+        <p:txBody>
+          <a:bodyPr vert="horz" lIns="91440" tIns="45720" rIns="91440" bIns="45720" rtlCol="0" anchor="t">
+            <a:normAutofit/>
+          </a:bodyPr>
           <a:lstStyle/>
           <a:p>
-            <a:r>
-              <a:rPr lang="de-DE" dirty="0"/>
-              <a:t>Der </a:t>
-            </a:r>
-            <a:r>
-              <a:rPr lang="de-DE" dirty="0" err="1"/>
-              <a:t>WeatherService</a:t>
-            </a:r>
-            <a:r>
-              <a:rPr lang="de-DE" dirty="0"/>
-              <a:t> erfüllt die Anforderungen!</a:t>
-            </a:r>
-          </a:p>
-          <a:p>
-            <a:pPr lvl="1"/>
-            <a:r>
-              <a:rPr lang="de-DE" dirty="0"/>
-              <a:t>Gutes Wetter nur wenn alle Bedingungen gut sind</a:t>
-            </a:r>
-          </a:p>
-          <a:p>
-            <a:pPr lvl="1"/>
-            <a:r>
-              <a:rPr lang="de-DE" dirty="0"/>
-              <a:t>Schlechtes Wetter wenn eine Bedingung schlecht ist, es sei denn der schlechten Bedingung steht auch eine gute gegenüber, dann ist das Wetter ok</a:t>
-            </a:r>
-          </a:p>
-          <a:p>
-            <a:pPr lvl="1"/>
-            <a:r>
-              <a:rPr lang="de-DE" dirty="0"/>
-              <a:t>Sonst OK</a:t>
-            </a:r>
-          </a:p>
-          <a:p>
-            <a:r>
-              <a:rPr lang="de-DE" dirty="0"/>
-              <a:t>Schreibe alle Tests (Abdeckung 100%!)</a:t>
-            </a:r>
+            <a:pPr>
+              <a:buFont typeface="Wingdings 3"/>
+              <a:buChar char=""/>
+            </a:pPr>
+            <a:r>
+              <a:rPr lang="en-US" sz="1600" i="1" dirty="0">
+                <a:ea typeface="+mn-lt"/>
+                <a:cs typeface="+mn-lt"/>
+              </a:rPr>
+              <a:t>@ExtendWith – use extensions for Junit 5</a:t>
+            </a:r>
+          </a:p>
+          <a:p>
+            <a:pPr lvl="1">
+              <a:buFont typeface="Wingdings 3"/>
+              <a:buChar char=""/>
+            </a:pPr>
+            <a:r>
+              <a:rPr lang="en-US" sz="1400" i="1" dirty="0">
+                <a:ea typeface="+mn-lt"/>
+                <a:cs typeface="+mn-lt"/>
+              </a:rPr>
+              <a:t>@Mock – create a mock from the type</a:t>
+            </a:r>
+          </a:p>
+          <a:p>
+            <a:pPr lvl="1">
+              <a:buFont typeface="Wingdings 3"/>
+              <a:buChar char=""/>
+            </a:pPr>
+            <a:r>
+              <a:rPr lang="en-US" sz="1200" i="1" dirty="0">
+                <a:ea typeface="+mn-lt"/>
+                <a:cs typeface="+mn-lt"/>
+              </a:rPr>
+              <a:t>@InjectMocks – Add created mocks automatically into the </a:t>
+            </a:r>
+            <a:r>
+              <a:rPr lang="en-US" sz="1200" i="1" dirty="0" err="1">
+                <a:ea typeface="+mn-lt"/>
+                <a:cs typeface="+mn-lt"/>
+              </a:rPr>
+              <a:t>testee</a:t>
+            </a:r>
+            <a:endParaRPr lang="en-US" sz="1200" i="1" dirty="0">
+              <a:ea typeface="+mn-lt"/>
+              <a:cs typeface="+mn-lt"/>
+            </a:endParaRPr>
+          </a:p>
+          <a:p>
+            <a:pPr lvl="1">
+              <a:buFont typeface="Wingdings 3"/>
+              <a:buChar char=""/>
+            </a:pPr>
+            <a:r>
+              <a:rPr lang="de-DE" sz="1200" i="1" dirty="0">
+                <a:ea typeface="+mn-lt"/>
+                <a:cs typeface="+mn-lt"/>
+              </a:rPr>
+              <a:t>@Captor – </a:t>
+            </a:r>
+            <a:r>
+              <a:rPr lang="de-DE" sz="1200" i="1" dirty="0" err="1">
+                <a:ea typeface="+mn-lt"/>
+                <a:cs typeface="+mn-lt"/>
+              </a:rPr>
+              <a:t>create</a:t>
+            </a:r>
+            <a:r>
+              <a:rPr lang="de-DE" sz="1200" i="1" dirty="0">
+                <a:ea typeface="+mn-lt"/>
+                <a:cs typeface="+mn-lt"/>
+              </a:rPr>
+              <a:t> an </a:t>
+            </a:r>
+            <a:r>
+              <a:rPr lang="de-DE" sz="1200" i="1" dirty="0" err="1">
+                <a:ea typeface="+mn-lt"/>
+                <a:cs typeface="+mn-lt"/>
+              </a:rPr>
+              <a:t>argument</a:t>
+            </a:r>
+            <a:r>
+              <a:rPr lang="de-DE" sz="1200" i="1" dirty="0">
+                <a:ea typeface="+mn-lt"/>
+                <a:cs typeface="+mn-lt"/>
+              </a:rPr>
+              <a:t> </a:t>
+            </a:r>
+            <a:r>
+              <a:rPr lang="de-DE" sz="1200" i="1" dirty="0" err="1">
+                <a:ea typeface="+mn-lt"/>
+                <a:cs typeface="+mn-lt"/>
+              </a:rPr>
+              <a:t>captor</a:t>
+            </a:r>
+            <a:endParaRPr lang="de-DE" sz="1200" i="1" dirty="0">
+              <a:ea typeface="+mn-lt"/>
+              <a:cs typeface="+mn-lt"/>
+            </a:endParaRPr>
+          </a:p>
+          <a:p>
+            <a:pPr>
+              <a:buFont typeface="Wingdings 3"/>
+              <a:buChar char=""/>
+            </a:pPr>
+            <a:r>
+              <a:rPr lang="en-US" sz="1400" i="1" dirty="0">
+                <a:ea typeface="+mn-lt"/>
+                <a:cs typeface="+mn-lt"/>
+              </a:rPr>
+              <a:t>@MockitoSettings – change settings like strictness</a:t>
+            </a:r>
+          </a:p>
+          <a:p>
+            <a:pPr>
+              <a:buFont typeface="Wingdings 3"/>
+              <a:buChar char=""/>
+            </a:pPr>
+            <a:r>
+              <a:rPr lang="de-DE" sz="1600" i="1" dirty="0" err="1">
+                <a:ea typeface="+mn-lt"/>
+                <a:cs typeface="+mn-lt"/>
+              </a:rPr>
+              <a:t>verify</a:t>
+            </a:r>
+            <a:r>
+              <a:rPr lang="de-DE" sz="1600" i="1" dirty="0">
+                <a:ea typeface="+mn-lt"/>
+                <a:cs typeface="+mn-lt"/>
+              </a:rPr>
+              <a:t> – check </a:t>
+            </a:r>
+            <a:r>
+              <a:rPr lang="de-DE" sz="1600" i="1" dirty="0" err="1">
+                <a:ea typeface="+mn-lt"/>
+                <a:cs typeface="+mn-lt"/>
+              </a:rPr>
+              <a:t>that</a:t>
+            </a:r>
+            <a:r>
+              <a:rPr lang="de-DE" sz="1600" i="1" dirty="0">
+                <a:ea typeface="+mn-lt"/>
+                <a:cs typeface="+mn-lt"/>
+              </a:rPr>
+              <a:t> a </a:t>
+            </a:r>
+            <a:r>
+              <a:rPr lang="de-DE" sz="1600" i="1" dirty="0" err="1">
+                <a:ea typeface="+mn-lt"/>
+                <a:cs typeface="+mn-lt"/>
+              </a:rPr>
+              <a:t>specific</a:t>
+            </a:r>
+            <a:r>
+              <a:rPr lang="de-DE" sz="1600" i="1" dirty="0">
+                <a:ea typeface="+mn-lt"/>
+                <a:cs typeface="+mn-lt"/>
+              </a:rPr>
+              <a:t> </a:t>
+            </a:r>
+            <a:r>
+              <a:rPr lang="de-DE" sz="1600" i="1" dirty="0" err="1">
+                <a:ea typeface="+mn-lt"/>
+                <a:cs typeface="+mn-lt"/>
+              </a:rPr>
+              <a:t>call</a:t>
+            </a:r>
+            <a:r>
+              <a:rPr lang="de-DE" sz="1600" i="1" dirty="0">
+                <a:ea typeface="+mn-lt"/>
+                <a:cs typeface="+mn-lt"/>
+              </a:rPr>
+              <a:t> </a:t>
+            </a:r>
+            <a:r>
+              <a:rPr lang="de-DE" sz="1600" i="1" dirty="0" err="1">
+                <a:ea typeface="+mn-lt"/>
+                <a:cs typeface="+mn-lt"/>
+              </a:rPr>
+              <a:t>has</a:t>
+            </a:r>
+            <a:r>
+              <a:rPr lang="de-DE" sz="1600" i="1" dirty="0">
+                <a:ea typeface="+mn-lt"/>
+                <a:cs typeface="+mn-lt"/>
+              </a:rPr>
+              <a:t> </a:t>
+            </a:r>
+            <a:r>
+              <a:rPr lang="de-DE" sz="1600" i="1" dirty="0" err="1">
+                <a:ea typeface="+mn-lt"/>
+                <a:cs typeface="+mn-lt"/>
+              </a:rPr>
+              <a:t>happended</a:t>
+            </a:r>
+            <a:endParaRPr lang="de-DE" sz="1600" i="1" dirty="0">
+              <a:ea typeface="+mn-lt"/>
+              <a:cs typeface="+mn-lt"/>
+            </a:endParaRPr>
+          </a:p>
+          <a:p>
+            <a:pPr lvl="1">
+              <a:buFont typeface="Wingdings 3"/>
+              <a:buChar char=""/>
+            </a:pPr>
+            <a:r>
+              <a:rPr lang="de-DE" sz="1400" i="1" dirty="0" err="1">
+                <a:ea typeface="+mn-lt"/>
+                <a:cs typeface="+mn-lt"/>
+              </a:rPr>
+              <a:t>ArgumentMatcher</a:t>
+            </a:r>
+            <a:r>
+              <a:rPr lang="de-DE" sz="1400" i="1" dirty="0">
+                <a:ea typeface="+mn-lt"/>
+                <a:cs typeface="+mn-lt"/>
+              </a:rPr>
+              <a:t> – check </a:t>
+            </a:r>
+            <a:r>
+              <a:rPr lang="de-DE" sz="1400" i="1" dirty="0" err="1">
+                <a:ea typeface="+mn-lt"/>
+                <a:cs typeface="+mn-lt"/>
+              </a:rPr>
+              <a:t>parameters</a:t>
+            </a:r>
+            <a:r>
+              <a:rPr lang="de-DE" sz="1400" i="1" dirty="0">
+                <a:ea typeface="+mn-lt"/>
+                <a:cs typeface="+mn-lt"/>
+              </a:rPr>
+              <a:t> </a:t>
+            </a:r>
+            <a:r>
+              <a:rPr lang="de-DE" sz="1400" i="1" dirty="0" err="1">
+                <a:ea typeface="+mn-lt"/>
+                <a:cs typeface="+mn-lt"/>
+              </a:rPr>
+              <a:t>used</a:t>
+            </a:r>
+            <a:r>
+              <a:rPr lang="de-DE" sz="1400" i="1" dirty="0">
+                <a:ea typeface="+mn-lt"/>
+                <a:cs typeface="+mn-lt"/>
+              </a:rPr>
+              <a:t> in </a:t>
+            </a:r>
+            <a:r>
+              <a:rPr lang="de-DE" sz="1400" i="1" dirty="0" err="1">
+                <a:ea typeface="+mn-lt"/>
+                <a:cs typeface="+mn-lt"/>
+              </a:rPr>
+              <a:t>call</a:t>
+            </a:r>
+            <a:endParaRPr lang="de-DE" sz="1400" i="1" dirty="0">
+              <a:ea typeface="+mn-lt"/>
+              <a:cs typeface="+mn-lt"/>
+            </a:endParaRPr>
+          </a:p>
+          <a:p>
+            <a:pPr lvl="2">
+              <a:buFont typeface="Wingdings 3"/>
+              <a:buChar char=""/>
+            </a:pPr>
+            <a:r>
+              <a:rPr lang="de-DE" sz="1200" i="1" dirty="0">
+                <a:ea typeface="+mn-lt"/>
+                <a:cs typeface="+mn-lt"/>
+              </a:rPr>
+              <a:t>Any – </a:t>
+            </a:r>
+            <a:r>
+              <a:rPr lang="de-DE" sz="1200" i="1" dirty="0" err="1">
+                <a:ea typeface="+mn-lt"/>
+                <a:cs typeface="+mn-lt"/>
+              </a:rPr>
+              <a:t>any</a:t>
+            </a:r>
+            <a:r>
+              <a:rPr lang="de-DE" sz="1200" i="1" dirty="0">
+                <a:ea typeface="+mn-lt"/>
+                <a:cs typeface="+mn-lt"/>
+              </a:rPr>
+              <a:t> </a:t>
+            </a:r>
+            <a:r>
+              <a:rPr lang="de-DE" sz="1200" i="1" dirty="0" err="1">
+                <a:ea typeface="+mn-lt"/>
+                <a:cs typeface="+mn-lt"/>
+              </a:rPr>
+              <a:t>value</a:t>
+            </a:r>
+            <a:r>
+              <a:rPr lang="de-DE" sz="1200" i="1" dirty="0">
+                <a:ea typeface="+mn-lt"/>
+                <a:cs typeface="+mn-lt"/>
+              </a:rPr>
+              <a:t> </a:t>
+            </a:r>
+            <a:r>
+              <a:rPr lang="de-DE" sz="1200" i="1" dirty="0" err="1">
+                <a:ea typeface="+mn-lt"/>
+                <a:cs typeface="+mn-lt"/>
+              </a:rPr>
+              <a:t>of</a:t>
+            </a:r>
+            <a:r>
+              <a:rPr lang="de-DE" sz="1200" i="1" dirty="0">
+                <a:ea typeface="+mn-lt"/>
+                <a:cs typeface="+mn-lt"/>
+              </a:rPr>
+              <a:t> a </a:t>
+            </a:r>
+            <a:r>
+              <a:rPr lang="de-DE" sz="1200" i="1" dirty="0" err="1">
+                <a:ea typeface="+mn-lt"/>
+                <a:cs typeface="+mn-lt"/>
+              </a:rPr>
+              <a:t>given</a:t>
+            </a:r>
+            <a:r>
+              <a:rPr lang="de-DE" sz="1200" i="1" dirty="0">
+                <a:ea typeface="+mn-lt"/>
+                <a:cs typeface="+mn-lt"/>
+              </a:rPr>
+              <a:t> </a:t>
+            </a:r>
+            <a:r>
+              <a:rPr lang="de-DE" sz="1200" i="1" dirty="0" err="1">
+                <a:ea typeface="+mn-lt"/>
+                <a:cs typeface="+mn-lt"/>
+              </a:rPr>
+              <a:t>class</a:t>
+            </a:r>
+            <a:endParaRPr lang="de-DE" sz="1200" i="1" dirty="0">
+              <a:ea typeface="+mn-lt"/>
+              <a:cs typeface="+mn-lt"/>
+            </a:endParaRPr>
+          </a:p>
+          <a:p>
+            <a:pPr lvl="2">
+              <a:buFont typeface="Wingdings 3"/>
+              <a:buChar char=""/>
+            </a:pPr>
+            <a:r>
+              <a:rPr lang="de-DE" sz="1200" i="1" dirty="0" err="1">
+                <a:ea typeface="+mn-lt"/>
+                <a:cs typeface="+mn-lt"/>
+              </a:rPr>
+              <a:t>Eq</a:t>
+            </a:r>
+            <a:r>
+              <a:rPr lang="de-DE" sz="1200" i="1" dirty="0">
+                <a:ea typeface="+mn-lt"/>
+                <a:cs typeface="+mn-lt"/>
+              </a:rPr>
+              <a:t> – </a:t>
+            </a:r>
+            <a:r>
+              <a:rPr lang="de-DE" sz="1200" i="1" dirty="0" err="1">
+                <a:ea typeface="+mn-lt"/>
+                <a:cs typeface="+mn-lt"/>
+              </a:rPr>
+              <a:t>needs</a:t>
+            </a:r>
+            <a:r>
+              <a:rPr lang="de-DE" sz="1200" i="1" dirty="0">
+                <a:ea typeface="+mn-lt"/>
+                <a:cs typeface="+mn-lt"/>
+              </a:rPr>
+              <a:t> </a:t>
+            </a:r>
+            <a:r>
+              <a:rPr lang="de-DE" sz="1200" i="1" dirty="0" err="1">
+                <a:ea typeface="+mn-lt"/>
+                <a:cs typeface="+mn-lt"/>
+              </a:rPr>
+              <a:t>to</a:t>
+            </a:r>
+            <a:r>
+              <a:rPr lang="de-DE" sz="1200" i="1" dirty="0">
+                <a:ea typeface="+mn-lt"/>
+                <a:cs typeface="+mn-lt"/>
+              </a:rPr>
+              <a:t> </a:t>
+            </a:r>
+            <a:r>
+              <a:rPr lang="de-DE" sz="1200" i="1" dirty="0" err="1">
+                <a:ea typeface="+mn-lt"/>
+                <a:cs typeface="+mn-lt"/>
+              </a:rPr>
+              <a:t>equal</a:t>
+            </a:r>
+            <a:r>
+              <a:rPr lang="de-DE" sz="1200" i="1" dirty="0">
+                <a:ea typeface="+mn-lt"/>
+                <a:cs typeface="+mn-lt"/>
+              </a:rPr>
+              <a:t> a </a:t>
+            </a:r>
+            <a:r>
+              <a:rPr lang="de-DE" sz="1200" i="1" dirty="0" err="1">
+                <a:ea typeface="+mn-lt"/>
+                <a:cs typeface="+mn-lt"/>
+              </a:rPr>
+              <a:t>specific</a:t>
+            </a:r>
+            <a:r>
+              <a:rPr lang="de-DE" sz="1200" i="1" dirty="0">
+                <a:ea typeface="+mn-lt"/>
+                <a:cs typeface="+mn-lt"/>
+              </a:rPr>
+              <a:t> </a:t>
+            </a:r>
+            <a:r>
+              <a:rPr lang="de-DE" sz="1200" i="1" dirty="0" err="1">
+                <a:ea typeface="+mn-lt"/>
+                <a:cs typeface="+mn-lt"/>
+              </a:rPr>
+              <a:t>value</a:t>
+            </a:r>
+            <a:endParaRPr lang="de-DE" sz="1200" i="1" dirty="0">
+              <a:ea typeface="+mn-lt"/>
+              <a:cs typeface="+mn-lt"/>
+            </a:endParaRPr>
+          </a:p>
+          <a:p>
+            <a:pPr lvl="1">
+              <a:buFont typeface="Wingdings 3"/>
+              <a:buChar char=""/>
+            </a:pPr>
+            <a:r>
+              <a:rPr lang="de-DE" sz="1400" i="1" dirty="0" err="1">
+                <a:ea typeface="+mn-lt"/>
+                <a:cs typeface="+mn-lt"/>
+              </a:rPr>
+              <a:t>InOrder</a:t>
+            </a:r>
+            <a:r>
+              <a:rPr lang="de-DE" sz="1400" i="1" dirty="0">
+                <a:ea typeface="+mn-lt"/>
+                <a:cs typeface="+mn-lt"/>
+              </a:rPr>
+              <a:t> – check </a:t>
+            </a:r>
+            <a:r>
+              <a:rPr lang="de-DE" sz="1400" i="1" dirty="0" err="1">
+                <a:ea typeface="+mn-lt"/>
+                <a:cs typeface="+mn-lt"/>
+              </a:rPr>
+              <a:t>order</a:t>
+            </a:r>
+            <a:r>
+              <a:rPr lang="de-DE" sz="1400" i="1" dirty="0">
+                <a:ea typeface="+mn-lt"/>
+                <a:cs typeface="+mn-lt"/>
+              </a:rPr>
+              <a:t> </a:t>
+            </a:r>
+            <a:r>
+              <a:rPr lang="de-DE" sz="1400" i="1" dirty="0" err="1">
+                <a:ea typeface="+mn-lt"/>
+                <a:cs typeface="+mn-lt"/>
+              </a:rPr>
+              <a:t>of</a:t>
+            </a:r>
+            <a:r>
+              <a:rPr lang="de-DE" sz="1400" i="1" dirty="0">
+                <a:ea typeface="+mn-lt"/>
+                <a:cs typeface="+mn-lt"/>
+              </a:rPr>
+              <a:t> </a:t>
+            </a:r>
+            <a:r>
+              <a:rPr lang="de-DE" sz="1400" i="1" dirty="0" err="1">
+                <a:ea typeface="+mn-lt"/>
+                <a:cs typeface="+mn-lt"/>
+              </a:rPr>
+              <a:t>calls</a:t>
+            </a:r>
+            <a:endParaRPr lang="de-DE" sz="1400" i="1" dirty="0">
+              <a:ea typeface="+mn-lt"/>
+              <a:cs typeface="+mn-lt"/>
+            </a:endParaRPr>
+          </a:p>
+          <a:p>
+            <a:pPr lvl="1">
+              <a:buFont typeface="Wingdings 3"/>
+              <a:buChar char=""/>
+            </a:pPr>
+            <a:r>
+              <a:rPr lang="de-DE" sz="1400" i="1" dirty="0" err="1">
+                <a:ea typeface="+mn-lt"/>
+                <a:cs typeface="+mn-lt"/>
+              </a:rPr>
+              <a:t>verifyNoMoreInteractions</a:t>
+            </a:r>
+            <a:r>
+              <a:rPr lang="de-DE" sz="1400" i="1" dirty="0">
+                <a:ea typeface="+mn-lt"/>
+                <a:cs typeface="+mn-lt"/>
+              </a:rPr>
+              <a:t> – </a:t>
+            </a:r>
+            <a:r>
+              <a:rPr lang="de-DE" sz="1400" i="1" dirty="0" err="1">
+                <a:ea typeface="+mn-lt"/>
+                <a:cs typeface="+mn-lt"/>
+              </a:rPr>
+              <a:t>only</a:t>
+            </a:r>
+            <a:r>
+              <a:rPr lang="de-DE" sz="1400" i="1" dirty="0">
+                <a:ea typeface="+mn-lt"/>
+                <a:cs typeface="+mn-lt"/>
+              </a:rPr>
+              <a:t> </a:t>
+            </a:r>
+            <a:r>
+              <a:rPr lang="de-DE" sz="1400" i="1" dirty="0" err="1">
+                <a:ea typeface="+mn-lt"/>
+                <a:cs typeface="+mn-lt"/>
+              </a:rPr>
+              <a:t>the</a:t>
+            </a:r>
+            <a:r>
+              <a:rPr lang="de-DE" sz="1400" i="1" dirty="0">
+                <a:ea typeface="+mn-lt"/>
+                <a:cs typeface="+mn-lt"/>
+              </a:rPr>
+              <a:t> </a:t>
+            </a:r>
+            <a:r>
+              <a:rPr lang="de-DE" sz="1400" i="1" dirty="0" err="1">
+                <a:ea typeface="+mn-lt"/>
+                <a:cs typeface="+mn-lt"/>
+              </a:rPr>
+              <a:t>previously</a:t>
+            </a:r>
+            <a:r>
+              <a:rPr lang="de-DE" sz="1400" i="1" dirty="0">
+                <a:ea typeface="+mn-lt"/>
+                <a:cs typeface="+mn-lt"/>
+              </a:rPr>
+              <a:t> </a:t>
+            </a:r>
+            <a:r>
+              <a:rPr lang="de-DE" sz="1400" i="1" dirty="0" err="1">
+                <a:ea typeface="+mn-lt"/>
+                <a:cs typeface="+mn-lt"/>
+              </a:rPr>
+              <a:t>checked</a:t>
+            </a:r>
+            <a:r>
+              <a:rPr lang="de-DE" sz="1400" i="1" dirty="0">
+                <a:ea typeface="+mn-lt"/>
+                <a:cs typeface="+mn-lt"/>
+              </a:rPr>
+              <a:t> </a:t>
+            </a:r>
+            <a:r>
+              <a:rPr lang="de-DE" sz="1400" i="1" dirty="0" err="1">
+                <a:ea typeface="+mn-lt"/>
+                <a:cs typeface="+mn-lt"/>
+              </a:rPr>
+              <a:t>calls</a:t>
+            </a:r>
+            <a:endParaRPr lang="de-DE" sz="1400" i="1" dirty="0">
+              <a:ea typeface="+mn-lt"/>
+              <a:cs typeface="+mn-lt"/>
+            </a:endParaRPr>
+          </a:p>
+          <a:p>
+            <a:pPr lvl="2">
+              <a:buFont typeface="Wingdings 3"/>
+              <a:buChar char=""/>
+            </a:pPr>
+            <a:endParaRPr lang="de-DE" sz="1200" i="1" dirty="0">
+              <a:ea typeface="+mn-lt"/>
+              <a:cs typeface="+mn-lt"/>
+            </a:endParaRPr>
           </a:p>
         </p:txBody>
       </p:sp>
     </p:spTree>
     <p:extLst>
       <p:ext uri="{BB962C8B-B14F-4D97-AF65-F5344CB8AC3E}">
-        <p14:creationId xmlns:p14="http://schemas.microsoft.com/office/powerpoint/2010/main" val="2262921619"/>
+        <p14:creationId xmlns:p14="http://schemas.microsoft.com/office/powerpoint/2010/main" val="2512451618"/>
       </p:ext>
     </p:extLst>
   </p:cSld>
@@ -30467,7 +31490,7 @@
           <p:cNvPr id="2" name="Titel 1">
             <a:extLst>
               <a:ext uri="{FF2B5EF4-FFF2-40B4-BE49-F238E27FC236}">
-                <a16:creationId xmlns:a16="http://schemas.microsoft.com/office/drawing/2014/main" id="{29D30B30-D47B-4B67-8868-F9E1379BBCA4}"/>
+                <a16:creationId xmlns:a16="http://schemas.microsoft.com/office/drawing/2014/main" id="{3CF8161B-BAFD-FDC2-74F6-2C4BD2EF803D}"/>
               </a:ext>
             </a:extLst>
           </p:cNvPr>
@@ -30485,7 +31508,7 @@
           <a:p>
             <a:r>
               <a:rPr lang="de-DE" dirty="0"/>
-              <a:t>Agenda</a:t>
+              <a:t>Spy</a:t>
             </a:r>
           </a:p>
         </p:txBody>
@@ -30495,7 +31518,7 @@
           <p:cNvPr id="3" name="Inhaltsplatzhalter 2">
             <a:extLst>
               <a:ext uri="{FF2B5EF4-FFF2-40B4-BE49-F238E27FC236}">
-                <a16:creationId xmlns:a16="http://schemas.microsoft.com/office/drawing/2014/main" id="{D18E186C-19E2-4067-A219-2FA83D56C5DA}"/>
+                <a16:creationId xmlns:a16="http://schemas.microsoft.com/office/drawing/2014/main" id="{63207322-312D-43FA-80D3-E8C8AECE625D}"/>
               </a:ext>
             </a:extLst>
           </p:cNvPr>
@@ -30508,60 +31531,39 @@
         </p:nvSpPr>
         <p:spPr/>
         <p:txBody>
-          <a:bodyPr vert="horz" lIns="91440" tIns="45720" rIns="91440" bIns="45720" rtlCol="0" anchor="t">
-            <a:normAutofit/>
-          </a:bodyPr>
+          <a:bodyPr/>
           <a:lstStyle/>
           <a:p>
             <a:r>
-              <a:rPr lang="de-DE" dirty="0"/>
-              <a:t>Vorstellung</a:t>
-            </a:r>
-          </a:p>
-          <a:p>
-            <a:r>
-              <a:rPr lang="de-DE" dirty="0"/>
-              <a:t>Grundlagen</a:t>
-            </a:r>
-          </a:p>
-          <a:p>
-            <a:r>
-              <a:rPr lang="de-DE" dirty="0" err="1"/>
-              <a:t>JUnit</a:t>
-            </a:r>
-            <a:r>
-              <a:rPr lang="de-DE" dirty="0"/>
-              <a:t> Framework</a:t>
-            </a:r>
-          </a:p>
-          <a:p>
-            <a:r>
-              <a:rPr lang="de-DE" dirty="0"/>
-              <a:t>Mock-Objekte mit </a:t>
-            </a:r>
-            <a:r>
-              <a:rPr lang="de-DE" dirty="0" err="1"/>
-              <a:t>Mockito</a:t>
-            </a:r>
-          </a:p>
-          <a:p>
-            <a:r>
-              <a:rPr lang="de-DE" b="1" dirty="0"/>
-              <a:t>Fortgeschrittene Möglichkeiten</a:t>
-            </a:r>
-          </a:p>
-          <a:p>
-            <a:r>
-              <a:rPr lang="de-DE" dirty="0"/>
-              <a:t>Ausblick</a:t>
-            </a:r>
+              <a:rPr lang="de-DE" b="0" i="0" dirty="0">
+                <a:solidFill>
+                  <a:srgbClr val="0F0F0F"/>
+                </a:solidFill>
+                <a:effectLst/>
+                <a:latin typeface="Söhne"/>
+              </a:rPr>
+              <a:t>"Spies" sind spezielle Arten von Mock-Objekten, die zum Überwachen und Aufzeichnen der Interaktionen mit einem realen Objekt verwendet werden.</a:t>
+            </a:r>
+          </a:p>
+          <a:p>
+            <a:r>
+              <a:rPr lang="de-DE" b="0" i="0" dirty="0">
+                <a:solidFill>
+                  <a:srgbClr val="0F0F0F"/>
+                </a:solidFill>
+                <a:effectLst/>
+                <a:latin typeface="Söhne"/>
+              </a:rPr>
+              <a:t>Während ein herkömmliches Mock-Objekt das Verhalten eines realen Objekts komplett ersetzt, dient ein Spy dazu, ein echtes Objekt zu umhüllen und seine Ausführungen zu verfolgen, wobei die Möglichkeit besteht, bestimmte Aspekte des Verhaltens zu verändern oder zu überwachen.</a:t>
+            </a:r>
+            <a:endParaRPr lang="de-DE" dirty="0"/>
           </a:p>
         </p:txBody>
       </p:sp>
     </p:spTree>
     <p:extLst>
       <p:ext uri="{BB962C8B-B14F-4D97-AF65-F5344CB8AC3E}">
-        <p14:creationId xmlns:p14="http://schemas.microsoft.com/office/powerpoint/2010/main" val="2457600702"/>
+        <p14:creationId xmlns:p14="http://schemas.microsoft.com/office/powerpoint/2010/main" val="2014522427"/>
       </p:ext>
     </p:extLst>
   </p:cSld>
@@ -30593,7 +31595,7 @@
           <p:cNvPr id="2" name="Titel 1">
             <a:extLst>
               <a:ext uri="{FF2B5EF4-FFF2-40B4-BE49-F238E27FC236}">
-                <a16:creationId xmlns:a16="http://schemas.microsoft.com/office/drawing/2014/main" id="{B80959D4-BB3D-6455-EA82-41B2EDD70765}"/>
+                <a16:creationId xmlns:a16="http://schemas.microsoft.com/office/drawing/2014/main" id="{EC9A7912-1764-1F24-AB52-E225CB31D811}"/>
               </a:ext>
             </a:extLst>
           </p:cNvPr>
@@ -30611,13 +31613,8 @@
           <a:p>
             <a:r>
               <a:rPr lang="de-DE" dirty="0"/>
-              <a:t>Spring </a:t>
-            </a:r>
-            <a:r>
-              <a:rPr lang="de-DE" dirty="0" err="1"/>
-              <a:t>History</a:t>
-            </a:r>
-            <a:endParaRPr lang="de-DE" dirty="0"/>
+              <a:t>Spy Merkmale</a:t>
+            </a:r>
           </a:p>
         </p:txBody>
       </p:sp>
@@ -30626,7 +31623,7 @@
           <p:cNvPr id="3" name="Inhaltsplatzhalter 2">
             <a:extLst>
               <a:ext uri="{FF2B5EF4-FFF2-40B4-BE49-F238E27FC236}">
-                <a16:creationId xmlns:a16="http://schemas.microsoft.com/office/drawing/2014/main" id="{6F64F4A6-3A2F-DA7B-8E12-003CDB818F03}"/>
+                <a16:creationId xmlns:a16="http://schemas.microsoft.com/office/drawing/2014/main" id="{17AD5B0F-7D1D-501C-AE09-76AAF7B69054}"/>
               </a:ext>
             </a:extLst>
           </p:cNvPr>
@@ -30639,127 +31636,88 @@
         </p:nvSpPr>
         <p:spPr/>
         <p:txBody>
-          <a:bodyPr/>
+          <a:bodyPr>
+            <a:normAutofit fontScale="92500" lnSpcReduction="10000"/>
+          </a:bodyPr>
           <a:lstStyle/>
           <a:p>
-            <a:pPr algn="l"/>
+            <a:pPr algn="l">
+              <a:buFont typeface="+mj-lt"/>
+              <a:buAutoNum type="arabicPeriod"/>
+            </a:pPr>
+            <a:r>
+              <a:rPr lang="de-DE" b="1" i="0" dirty="0">
+                <a:effectLst/>
+                <a:latin typeface="Söhne"/>
+              </a:rPr>
+              <a:t>Realitätstreue Interaktionen</a:t>
+            </a:r>
             <a:r>
               <a:rPr lang="de-DE" b="0" i="0" dirty="0">
-                <a:solidFill>
-                  <a:srgbClr val="374151"/>
-                </a:solidFill>
-                <a:effectLst/>
-                <a:latin typeface="Söhne"/>
-              </a:rPr>
-              <a:t>Das Spring Framework wurde von Rod Johnson „erfunden“.</a:t>
-            </a:r>
-          </a:p>
-          <a:p>
-            <a:pPr algn="l"/>
+                <a:effectLst/>
+                <a:latin typeface="Söhne"/>
+              </a:rPr>
+              <a:t>: Spies verwenden das tatsächliche Objekt, daher wird das echte Verhalten des Objekts aufgerufen, es sei denn, es wird explizit anders angegeben.</a:t>
+            </a:r>
+          </a:p>
+          <a:p>
+            <a:pPr algn="l">
+              <a:buFont typeface="+mj-lt"/>
+              <a:buAutoNum type="arabicPeriod"/>
+            </a:pPr>
+            <a:r>
+              <a:rPr lang="de-DE" b="1" i="0" dirty="0">
+                <a:effectLst/>
+                <a:latin typeface="Söhne"/>
+              </a:rPr>
+              <a:t>Überwachung und Aufzeichnung</a:t>
+            </a:r>
             <a:r>
               <a:rPr lang="de-DE" b="0" i="0" dirty="0">
-                <a:solidFill>
-                  <a:srgbClr val="374151"/>
-                </a:solidFill>
-                <a:effectLst/>
-                <a:latin typeface="Söhne"/>
-              </a:rPr>
-              <a:t>Rod Johnson begann mit der Entwicklung von Spring aus seiner persönlichen Unzufriedenheit mit den damals verfügbaren Enterprise-Java-Technologien, insbesondere dem Enterprise </a:t>
-            </a:r>
-            <a:r>
-              <a:rPr lang="de-DE" b="0" i="0" dirty="0" err="1">
-                <a:solidFill>
-                  <a:srgbClr val="374151"/>
-                </a:solidFill>
-                <a:effectLst/>
-                <a:latin typeface="Söhne"/>
-              </a:rPr>
-              <a:t>JavaBeans</a:t>
+                <a:effectLst/>
+                <a:latin typeface="Söhne"/>
+              </a:rPr>
+              <a:t>: Spies können aufzeichnen, wie oft und mit welchen Parametern Methoden aufgerufen werden. Das ermöglicht es Ihnen, die Interaktionen des getesteten Codes mit dem umhüllten Objekt zu überprüfen.</a:t>
+            </a:r>
+          </a:p>
+          <a:p>
+            <a:pPr algn="l">
+              <a:buFont typeface="+mj-lt"/>
+              <a:buAutoNum type="arabicPeriod"/>
+            </a:pPr>
+            <a:r>
+              <a:rPr lang="de-DE" b="1" i="0" dirty="0">
+                <a:effectLst/>
+                <a:latin typeface="Söhne"/>
+              </a:rPr>
+              <a:t>Verhaltensänderung</a:t>
             </a:r>
             <a:r>
               <a:rPr lang="de-DE" b="0" i="0" dirty="0">
-                <a:solidFill>
-                  <a:srgbClr val="374151"/>
-                </a:solidFill>
-                <a:effectLst/>
-                <a:latin typeface="Söhne"/>
-              </a:rPr>
-              <a:t> (EJB) Modell. </a:t>
-            </a:r>
-          </a:p>
-          <a:p>
-            <a:pPr algn="l"/>
-            <a:r>
-              <a:rPr lang="de-DE" dirty="0">
-                <a:solidFill>
-                  <a:srgbClr val="374151"/>
-                </a:solidFill>
-                <a:latin typeface="Söhne"/>
-              </a:rPr>
-              <a:t>S</a:t>
+                <a:effectLst/>
+                <a:latin typeface="Söhne"/>
+              </a:rPr>
+              <a:t>: Während ein Spy normalerweise das reale Verhalten des Objekts nutzt, können Sie in bestimmten Fällen das Verhalten bestimmter Methodenaufrufe überschreiben. Beispielsweise könnten Sie eine Methode so konfigurieren, dass sie einen bestimmten Wert zurückgibt oder eine Ausnahme wirft, um spezielle Testbedingungen zu simulieren.</a:t>
+            </a:r>
+          </a:p>
+          <a:p>
+            <a:pPr algn="l">
+              <a:buFont typeface="+mj-lt"/>
+              <a:buAutoNum type="arabicPeriod"/>
+            </a:pPr>
+            <a:r>
+              <a:rPr lang="de-DE" b="1" i="0" dirty="0">
+                <a:effectLst/>
+                <a:latin typeface="Söhne"/>
+              </a:rPr>
+              <a:t>Einsatzszenarien</a:t>
             </a:r>
             <a:r>
               <a:rPr lang="de-DE" b="0" i="0" dirty="0">
-                <a:solidFill>
-                  <a:srgbClr val="374151"/>
-                </a:solidFill>
-                <a:effectLst/>
-                <a:latin typeface="Söhne"/>
-              </a:rPr>
-              <a:t>eine Erfahrungen und Ansichten wurden in seinem Buch "Expert </a:t>
-            </a:r>
-            <a:r>
-              <a:rPr lang="de-DE" b="0" i="0" dirty="0" err="1">
-                <a:solidFill>
-                  <a:srgbClr val="374151"/>
-                </a:solidFill>
-                <a:effectLst/>
-                <a:latin typeface="Söhne"/>
-              </a:rPr>
-              <a:t>One</a:t>
-            </a:r>
-            <a:r>
-              <a:rPr lang="de-DE" b="0" i="0" dirty="0">
-                <a:solidFill>
-                  <a:srgbClr val="374151"/>
-                </a:solidFill>
-                <a:effectLst/>
-                <a:latin typeface="Söhne"/>
-              </a:rPr>
-              <a:t>-on-</a:t>
-            </a:r>
-            <a:r>
-              <a:rPr lang="de-DE" b="0" i="0" dirty="0" err="1">
-                <a:solidFill>
-                  <a:srgbClr val="374151"/>
-                </a:solidFill>
-                <a:effectLst/>
-                <a:latin typeface="Söhne"/>
-              </a:rPr>
-              <a:t>One</a:t>
-            </a:r>
-            <a:r>
-              <a:rPr lang="de-DE" b="0" i="0" dirty="0">
-                <a:solidFill>
-                  <a:srgbClr val="374151"/>
-                </a:solidFill>
-                <a:effectLst/>
-                <a:latin typeface="Söhne"/>
-              </a:rPr>
-              <a:t> J2EE Design and Development" (2002) dargelegt, in dem er auch die Konzepte vorstellte, die schließlich zum Spring Framework führen würden.</a:t>
-            </a:r>
-          </a:p>
-          <a:p>
-            <a:pPr algn="l"/>
-            <a:r>
-              <a:rPr lang="de-DE" b="0" i="0" dirty="0">
-                <a:solidFill>
-                  <a:srgbClr val="374151"/>
-                </a:solidFill>
-                <a:effectLst/>
-                <a:latin typeface="Söhne"/>
-              </a:rPr>
-              <a:t>Die Version 1.0.0 wurde 2004 veröffentlicht und startete einen Siegeszug.</a:t>
+                <a:effectLst/>
+                <a:latin typeface="Söhne"/>
+              </a:rPr>
+              <a:t>: Spies sind besonders nützlich in Situationen, in denen Sie das tatsächliche Verhalten eines Objekts beibehalten möchten, aber auch Informationen darüber sammeln müssen, wie das Objekt verwendet wird. Sie sind auch nützlich, wenn Sie nur einen kleinen Teil des Verhaltens eines Objekts ändern möchten, ohne den Rest zu beeinflussen.</a:t>
             </a:r>
           </a:p>
           <a:p>
@@ -30770,7 +31728,7 @@
     </p:spTree>
     <p:extLst>
       <p:ext uri="{BB962C8B-B14F-4D97-AF65-F5344CB8AC3E}">
-        <p14:creationId xmlns:p14="http://schemas.microsoft.com/office/powerpoint/2010/main" val="4047767147"/>
+        <p14:creationId xmlns:p14="http://schemas.microsoft.com/office/powerpoint/2010/main" val="2215950415"/>
       </p:ext>
     </p:extLst>
   </p:cSld>
@@ -30802,7 +31760,7 @@
           <p:cNvPr id="2" name="Titel 1">
             <a:extLst>
               <a:ext uri="{FF2B5EF4-FFF2-40B4-BE49-F238E27FC236}">
-                <a16:creationId xmlns:a16="http://schemas.microsoft.com/office/drawing/2014/main" id="{37D74F2E-B84E-F7EB-AB0C-38C94F6D0E7E}"/>
+                <a16:creationId xmlns:a16="http://schemas.microsoft.com/office/drawing/2014/main" id="{29D30B30-D47B-4B67-8868-F9E1379BBCA4}"/>
               </a:ext>
             </a:extLst>
           </p:cNvPr>
@@ -30819,9 +31777,64 @@
           <a:lstStyle/>
           <a:p>
             <a:r>
-              <a:rPr lang="de-DE" dirty="0"/>
-              <a:t>Springs Kernkonzepte</a:t>
-            </a:r>
+              <a:rPr lang="de-DE" dirty="0" err="1">
+                <a:ea typeface="+mj-lt"/>
+                <a:cs typeface="+mj-lt"/>
+              </a:rPr>
+              <a:t>What</a:t>
+            </a:r>
+            <a:r>
+              <a:rPr lang="de-DE" dirty="0">
+                <a:ea typeface="+mj-lt"/>
+                <a:cs typeface="+mj-lt"/>
+              </a:rPr>
+              <a:t> </a:t>
+            </a:r>
+            <a:r>
+              <a:rPr lang="de-DE" dirty="0" err="1">
+                <a:ea typeface="+mj-lt"/>
+                <a:cs typeface="+mj-lt"/>
+              </a:rPr>
+              <a:t>did</a:t>
+            </a:r>
+            <a:r>
+              <a:rPr lang="de-DE" dirty="0">
+                <a:ea typeface="+mj-lt"/>
+                <a:cs typeface="+mj-lt"/>
+              </a:rPr>
+              <a:t> </a:t>
+            </a:r>
+            <a:r>
+              <a:rPr lang="de-DE" dirty="0" err="1">
+                <a:ea typeface="+mj-lt"/>
+                <a:cs typeface="+mj-lt"/>
+              </a:rPr>
+              <a:t>we</a:t>
+            </a:r>
+            <a:r>
+              <a:rPr lang="de-DE" dirty="0">
+                <a:ea typeface="+mj-lt"/>
+                <a:cs typeface="+mj-lt"/>
+              </a:rPr>
+              <a:t> </a:t>
+            </a:r>
+            <a:r>
+              <a:rPr lang="de-DE" dirty="0" err="1">
+                <a:ea typeface="+mj-lt"/>
+                <a:cs typeface="+mj-lt"/>
+              </a:rPr>
+              <a:t>learn</a:t>
+            </a:r>
+            <a:r>
+              <a:rPr lang="de-DE" dirty="0">
+                <a:ea typeface="+mj-lt"/>
+                <a:cs typeface="+mj-lt"/>
+              </a:rPr>
+              <a:t>?</a:t>
+            </a:r>
+          </a:p>
+          <a:p>
+            <a:endParaRPr lang="de-DE" dirty="0"/>
           </a:p>
         </p:txBody>
       </p:sp>
@@ -30830,7 +31843,7 @@
           <p:cNvPr id="3" name="Inhaltsplatzhalter 2">
             <a:extLst>
               <a:ext uri="{FF2B5EF4-FFF2-40B4-BE49-F238E27FC236}">
-                <a16:creationId xmlns:a16="http://schemas.microsoft.com/office/drawing/2014/main" id="{F98961C9-15E2-0528-0F21-58A3C3E65C33}"/>
+                <a16:creationId xmlns:a16="http://schemas.microsoft.com/office/drawing/2014/main" id="{D18E186C-19E2-4067-A219-2FA83D56C5DA}"/>
               </a:ext>
             </a:extLst>
           </p:cNvPr>
@@ -30841,300 +31854,129 @@
             <p:ph idx="1"/>
           </p:nvPr>
         </p:nvSpPr>
-        <p:spPr/>
-        <p:txBody>
-          <a:bodyPr>
-            <a:normAutofit fontScale="92500" lnSpcReduction="10000"/>
+        <p:spPr>
+          <a:xfrm>
+            <a:off x="677334" y="1685448"/>
+            <a:ext cx="8596668" cy="4397383"/>
+          </a:xfrm>
+        </p:spPr>
+        <p:txBody>
+          <a:bodyPr vert="horz" lIns="91440" tIns="45720" rIns="91440" bIns="45720" rtlCol="0" anchor="t">
+            <a:normAutofit/>
           </a:bodyPr>
           <a:lstStyle/>
           <a:p>
             <a:pPr>
-              <a:buFont typeface="+mj-lt"/>
-              <a:buAutoNum type="arabicPeriod"/>
+              <a:buFont typeface="Wingdings 3"/>
+              <a:buChar char=""/>
             </a:pPr>
             <a:r>
-              <a:rPr lang="de-DE" sz="1800" b="1" dirty="0"/>
-              <a:t>Programmieren mit POJOs: </a:t>
-            </a:r>
-            <a:r>
-              <a:rPr lang="de-DE" dirty="0">
-                <a:solidFill>
-                  <a:srgbClr val="374151"/>
-                </a:solidFill>
-                <a:latin typeface="Söhne"/>
-              </a:rPr>
-              <a:t>Im Unterschied zu den alten J2EE Versionen (vor 5) muss man in Spring meistens keine Interfaces oder </a:t>
-            </a:r>
-            <a:r>
-              <a:rPr lang="de-DE" dirty="0" err="1">
-                <a:solidFill>
-                  <a:srgbClr val="374151"/>
-                </a:solidFill>
-                <a:latin typeface="Söhne"/>
-              </a:rPr>
-              <a:t>Callbacks</a:t>
-            </a:r>
-            <a:r>
-              <a:rPr lang="de-DE" dirty="0">
-                <a:solidFill>
-                  <a:srgbClr val="374151"/>
-                </a:solidFill>
-                <a:latin typeface="Söhne"/>
-              </a:rPr>
-              <a:t> des Frameworks implementieren</a:t>
-            </a:r>
-          </a:p>
-          <a:p>
-            <a:pPr algn="l">
-              <a:buFont typeface="+mj-lt"/>
-              <a:buAutoNum type="arabicPeriod"/>
+              <a:rPr lang="en-US" sz="1600" i="1" dirty="0">
+                <a:ea typeface="+mn-lt"/>
+                <a:cs typeface="+mn-lt"/>
+              </a:rPr>
+              <a:t>@</a:t>
+            </a:r>
+            <a:r>
+              <a:rPr lang="de-DE" sz="1600" i="1" dirty="0">
+                <a:ea typeface="+mn-lt"/>
+                <a:cs typeface="+mn-lt"/>
+              </a:rPr>
+              <a:t>Spy</a:t>
+            </a:r>
+          </a:p>
+          <a:p>
+            <a:pPr>
+              <a:buFont typeface="Wingdings 3"/>
+              <a:buChar char=""/>
             </a:pPr>
             <a:r>
-              <a:rPr lang="de-DE" b="1" i="0" dirty="0">
-                <a:solidFill>
-                  <a:srgbClr val="374151"/>
-                </a:solidFill>
-                <a:effectLst/>
-                <a:latin typeface="Söhne"/>
-              </a:rPr>
-              <a:t>Inversion </a:t>
-            </a:r>
-            <a:r>
-              <a:rPr lang="de-DE" b="1" i="0" dirty="0" err="1">
-                <a:solidFill>
-                  <a:srgbClr val="374151"/>
-                </a:solidFill>
-                <a:effectLst/>
-                <a:latin typeface="Söhne"/>
-              </a:rPr>
-              <a:t>of</a:t>
-            </a:r>
-            <a:r>
-              <a:rPr lang="de-DE" b="1" i="0" dirty="0">
-                <a:solidFill>
-                  <a:srgbClr val="374151"/>
-                </a:solidFill>
-                <a:effectLst/>
-                <a:latin typeface="Söhne"/>
-              </a:rPr>
-              <a:t> Control (</a:t>
-            </a:r>
-            <a:r>
-              <a:rPr lang="de-DE" b="1" i="0" dirty="0" err="1">
-                <a:solidFill>
-                  <a:srgbClr val="374151"/>
-                </a:solidFill>
-                <a:effectLst/>
-                <a:latin typeface="Söhne"/>
-              </a:rPr>
-              <a:t>IoC</a:t>
-            </a:r>
-            <a:r>
-              <a:rPr lang="de-DE" b="1" i="0" dirty="0">
-                <a:solidFill>
-                  <a:srgbClr val="374151"/>
-                </a:solidFill>
-                <a:effectLst/>
-                <a:latin typeface="Söhne"/>
-              </a:rPr>
-              <a:t>) / </a:t>
-            </a:r>
-            <a:r>
-              <a:rPr lang="de-DE" b="1" i="0" dirty="0" err="1">
-                <a:solidFill>
-                  <a:srgbClr val="374151"/>
-                </a:solidFill>
-                <a:effectLst/>
-                <a:latin typeface="Söhne"/>
-              </a:rPr>
-              <a:t>Dependency</a:t>
-            </a:r>
-            <a:r>
-              <a:rPr lang="de-DE" b="1" i="0" dirty="0">
-                <a:solidFill>
-                  <a:srgbClr val="374151"/>
-                </a:solidFill>
-                <a:effectLst/>
-                <a:latin typeface="Söhne"/>
+              <a:rPr lang="de-DE" sz="1600" i="1" dirty="0" err="1">
+                <a:ea typeface="+mn-lt"/>
+                <a:cs typeface="+mn-lt"/>
+              </a:rPr>
+              <a:t>Mockito</a:t>
+            </a:r>
+            <a:r>
+              <a:rPr lang="de-DE" sz="1600" i="1" dirty="0">
+                <a:ea typeface="+mn-lt"/>
+                <a:cs typeface="+mn-lt"/>
+              </a:rPr>
+              <a:t>-inline </a:t>
+            </a:r>
+            <a:r>
+              <a:rPr lang="de-DE" sz="1600" i="1" dirty="0" err="1">
+                <a:ea typeface="+mn-lt"/>
+                <a:cs typeface="+mn-lt"/>
+              </a:rPr>
+              <a:t>for</a:t>
+            </a:r>
+            <a:r>
+              <a:rPr lang="de-DE" sz="1600" i="1" dirty="0">
+                <a:ea typeface="+mn-lt"/>
+                <a:cs typeface="+mn-lt"/>
               </a:rPr>
               <a:t> </a:t>
             </a:r>
             <a:r>
-              <a:rPr lang="de-DE" b="1" i="0" dirty="0" err="1">
-                <a:solidFill>
-                  <a:srgbClr val="374151"/>
-                </a:solidFill>
-                <a:effectLst/>
-                <a:latin typeface="Söhne"/>
-              </a:rPr>
-              <a:t>Injection</a:t>
-            </a:r>
-            <a:r>
-              <a:rPr lang="de-DE" b="1" i="0" dirty="0">
-                <a:solidFill>
-                  <a:srgbClr val="374151"/>
-                </a:solidFill>
-                <a:effectLst/>
-                <a:latin typeface="Söhne"/>
-              </a:rPr>
-              <a:t> (DI):</a:t>
-            </a:r>
-            <a:r>
-              <a:rPr lang="de-DE" b="0" i="0" dirty="0">
-                <a:solidFill>
-                  <a:srgbClr val="374151"/>
-                </a:solidFill>
-                <a:effectLst/>
-                <a:latin typeface="Söhne"/>
-              </a:rPr>
-              <a:t> Dies ist das zentrale Konzept in Spring. Das Framework übernimmt die Kontrolle über das Erstellen und Verwalten von Objekten. Anstatt dass Anwendungen direkt Abhängigkeiten erstellen, werden sie vom Spring-Container bereitgestellt.</a:t>
-            </a:r>
-          </a:p>
-          <a:p>
-            <a:pPr algn="l">
-              <a:buFont typeface="+mj-lt"/>
-              <a:buAutoNum type="arabicPeriod"/>
+              <a:rPr lang="de-DE" sz="1600" i="1" dirty="0" err="1">
+                <a:ea typeface="+mn-lt"/>
+                <a:cs typeface="+mn-lt"/>
+              </a:rPr>
+              <a:t>static</a:t>
+            </a:r>
+            <a:r>
+              <a:rPr lang="de-DE" sz="1600" i="1" dirty="0">
+                <a:ea typeface="+mn-lt"/>
+                <a:cs typeface="+mn-lt"/>
+              </a:rPr>
+              <a:t> and final </a:t>
+            </a:r>
+            <a:r>
+              <a:rPr lang="de-DE" sz="1600" i="1" dirty="0" err="1">
+                <a:ea typeface="+mn-lt"/>
+                <a:cs typeface="+mn-lt"/>
+              </a:rPr>
+              <a:t>mocking</a:t>
+            </a:r>
+            <a:endParaRPr lang="de-DE" sz="1600" i="1" dirty="0">
+              <a:ea typeface="+mn-lt"/>
+              <a:cs typeface="+mn-lt"/>
+            </a:endParaRPr>
+          </a:p>
+          <a:p>
+            <a:pPr>
+              <a:buFont typeface="Wingdings 3"/>
+              <a:buChar char=""/>
             </a:pPr>
             <a:r>
-              <a:rPr lang="de-DE" b="1" i="0" dirty="0">
-                <a:solidFill>
-                  <a:srgbClr val="374151"/>
-                </a:solidFill>
-                <a:effectLst/>
-                <a:latin typeface="Söhne"/>
-              </a:rPr>
-              <a:t>Aspektorientierte Programmierung (AOP):</a:t>
-            </a:r>
-            <a:r>
-              <a:rPr lang="de-DE" b="0" i="0" dirty="0">
-                <a:solidFill>
-                  <a:srgbClr val="374151"/>
-                </a:solidFill>
-                <a:effectLst/>
-                <a:latin typeface="Söhne"/>
-              </a:rPr>
-              <a:t> Mit AOP können EntwicklerInnen betriebliche Anliegen von der Hauptgeschäftslogik trennen. Dies ermöglicht das Hinzufügen von funktionsübergreifenden Eigenschaften wie Transaktionsmanagement, </a:t>
-            </a:r>
-            <a:r>
-              <a:rPr lang="de-DE" b="0" i="0" dirty="0" err="1">
-                <a:solidFill>
-                  <a:srgbClr val="374151"/>
-                </a:solidFill>
-                <a:effectLst/>
-                <a:latin typeface="Söhne"/>
-              </a:rPr>
-              <a:t>Logging</a:t>
-            </a:r>
-            <a:r>
-              <a:rPr lang="de-DE" b="0" i="0" dirty="0">
-                <a:solidFill>
-                  <a:srgbClr val="374151"/>
-                </a:solidFill>
-                <a:effectLst/>
-                <a:latin typeface="Söhne"/>
-              </a:rPr>
-              <a:t> und Sicherheit ohne Code-Änderungen.</a:t>
-            </a:r>
-          </a:p>
-          <a:p>
-            <a:pPr algn="l">
-              <a:buFont typeface="+mj-lt"/>
-              <a:buAutoNum type="arabicPeriod"/>
+              <a:rPr lang="de-DE" sz="1400" i="1" dirty="0" err="1">
+                <a:ea typeface="+mn-lt"/>
+                <a:cs typeface="+mn-lt"/>
+              </a:rPr>
+              <a:t>Mockito.mockStatic</a:t>
+            </a:r>
+            <a:endParaRPr lang="de-DE" sz="1400" i="1" dirty="0">
+              <a:ea typeface="+mn-lt"/>
+              <a:cs typeface="+mn-lt"/>
+            </a:endParaRPr>
+          </a:p>
+          <a:p>
+            <a:pPr lvl="2">
+              <a:buFont typeface="Wingdings 3"/>
+              <a:buChar char=""/>
             </a:pPr>
-            <a:r>
-              <a:rPr lang="de-DE" b="1" i="0" dirty="0">
-                <a:solidFill>
-                  <a:srgbClr val="374151"/>
-                </a:solidFill>
-                <a:effectLst/>
-                <a:latin typeface="Söhne"/>
-              </a:rPr>
-              <a:t>„Spring-</a:t>
-            </a:r>
-            <a:r>
-              <a:rPr lang="de-DE" b="1" i="0" dirty="0" err="1">
-                <a:solidFill>
-                  <a:srgbClr val="374151"/>
-                </a:solidFill>
-                <a:effectLst/>
-                <a:latin typeface="Söhne"/>
-              </a:rPr>
-              <a:t>ifizierung</a:t>
-            </a:r>
-            <a:r>
-              <a:rPr lang="de-DE" b="1" i="0" dirty="0">
-                <a:solidFill>
-                  <a:srgbClr val="374151"/>
-                </a:solidFill>
-                <a:effectLst/>
-                <a:latin typeface="Söhne"/>
-              </a:rPr>
-              <a:t>“ von jeder denkbaren API: </a:t>
-            </a:r>
-            <a:r>
-              <a:rPr lang="de-DE" b="0" i="0" dirty="0">
-                <a:solidFill>
-                  <a:srgbClr val="374151"/>
-                </a:solidFill>
-                <a:effectLst/>
-                <a:latin typeface="Söhne"/>
-              </a:rPr>
-              <a:t>„Jede“ API, die es für Business Anwendungen gibt, hat ein Spring-Projekt, was sie in den Spring-Kosmos holt. Und zwar immer mit den gleichen Konzepten und unter Vermeidung möglichst viel </a:t>
-            </a:r>
-            <a:r>
-              <a:rPr lang="de-DE" b="0" i="0" dirty="0" err="1">
-                <a:solidFill>
-                  <a:srgbClr val="374151"/>
-                </a:solidFill>
-                <a:effectLst/>
-                <a:latin typeface="Söhne"/>
-              </a:rPr>
-              <a:t>Boilerplate</a:t>
-            </a:r>
-            <a:r>
-              <a:rPr lang="de-DE" dirty="0">
-                <a:solidFill>
-                  <a:srgbClr val="374151"/>
-                </a:solidFill>
-                <a:latin typeface="Söhne"/>
-              </a:rPr>
-              <a:t>-Codes. Beispiele: JDBC, JPA, JMS, AMQP, Kafka, Servlet, </a:t>
-            </a:r>
-            <a:r>
-              <a:rPr lang="de-DE" dirty="0" err="1">
-                <a:solidFill>
-                  <a:srgbClr val="374151"/>
-                </a:solidFill>
-                <a:latin typeface="Söhne"/>
-              </a:rPr>
-              <a:t>Reactive</a:t>
-            </a:r>
-            <a:r>
-              <a:rPr lang="de-DE" dirty="0">
-                <a:solidFill>
-                  <a:srgbClr val="374151"/>
-                </a:solidFill>
-                <a:latin typeface="Söhne"/>
-              </a:rPr>
-              <a:t>, REST, Security, Batch, …</a:t>
-            </a:r>
-            <a:endParaRPr lang="de-DE" b="0" i="0" dirty="0">
-              <a:solidFill>
-                <a:srgbClr val="374151"/>
-              </a:solidFill>
-              <a:effectLst/>
-              <a:latin typeface="Söhne"/>
+            <a:endParaRPr lang="de-DE" sz="1200" i="1" dirty="0">
+              <a:ea typeface="+mn-lt"/>
+              <a:cs typeface="+mn-lt"/>
             </a:endParaRPr>
-          </a:p>
-          <a:p>
-            <a:endParaRPr lang="de-DE" dirty="0"/>
           </a:p>
         </p:txBody>
       </p:sp>
     </p:spTree>
     <p:extLst>
       <p:ext uri="{BB962C8B-B14F-4D97-AF65-F5344CB8AC3E}">
-        <p14:creationId xmlns:p14="http://schemas.microsoft.com/office/powerpoint/2010/main" val="3675287514"/>
+        <p14:creationId xmlns:p14="http://schemas.microsoft.com/office/powerpoint/2010/main" val="725187857"/>
       </p:ext>
     </p:extLst>
   </p:cSld>
@@ -31166,7 +32008,7 @@
           <p:cNvPr id="2" name="Titel 1">
             <a:extLst>
               <a:ext uri="{FF2B5EF4-FFF2-40B4-BE49-F238E27FC236}">
-                <a16:creationId xmlns:a16="http://schemas.microsoft.com/office/drawing/2014/main" id="{3714B14F-F778-47F9-AECA-3BD265256F70}"/>
+                <a16:creationId xmlns:a16="http://schemas.microsoft.com/office/drawing/2014/main" id="{0A01C662-41DC-296E-0D3C-A6302DD37F6B}"/>
               </a:ext>
             </a:extLst>
           </p:cNvPr>
@@ -31184,15 +32026,23 @@
           <a:p>
             <a:r>
               <a:rPr lang="de-DE" dirty="0"/>
-              <a:t>Motivation </a:t>
+              <a:t>Test </a:t>
             </a:r>
             <a:r>
               <a:rPr lang="de-DE" dirty="0" err="1"/>
-              <a:t>IoC</a:t>
-            </a:r>
-            <a:r>
-              <a:rPr lang="de-DE" dirty="0"/>
-              <a:t> bzw. DI</a:t>
+              <a:t>the</a:t>
+            </a:r>
+            <a:r>
+              <a:rPr lang="de-DE" dirty="0"/>
+              <a:t> </a:t>
+            </a:r>
+            <a:r>
+              <a:rPr lang="de-DE" dirty="0" err="1"/>
+              <a:t>weather</a:t>
+            </a:r>
+            <a:r>
+              <a:rPr lang="de-DE" dirty="0"/>
+              <a:t> feature</a:t>
             </a:r>
           </a:p>
         </p:txBody>
@@ -31202,7 +32052,7 @@
           <p:cNvPr id="3" name="Inhaltsplatzhalter 2">
             <a:extLst>
               <a:ext uri="{FF2B5EF4-FFF2-40B4-BE49-F238E27FC236}">
-                <a16:creationId xmlns:a16="http://schemas.microsoft.com/office/drawing/2014/main" id="{C232AED4-E3DC-4EEF-8BDE-0836059154B9}"/>
+                <a16:creationId xmlns:a16="http://schemas.microsoft.com/office/drawing/2014/main" id="{FD39970F-E133-BF59-4013-B31E64D4CB8B}"/>
               </a:ext>
             </a:extLst>
           </p:cNvPr>
@@ -31218,56 +32068,44 @@
           <a:bodyPr/>
           <a:lstStyle/>
           <a:p>
-            <a:pPr marL="0" indent="0">
-              <a:buNone/>
-            </a:pPr>
-            <a:r>
-              <a:rPr lang="de-DE" dirty="0"/>
-              <a:t>Wenn die Programmiererin selbst Objekte erzeugt und zusammensteckt</a:t>
-            </a:r>
-          </a:p>
-          <a:p>
-            <a:r>
-              <a:rPr lang="de-DE" dirty="0"/>
-              <a:t>erzeugt dies Abhängigkeiten,</a:t>
-            </a:r>
-          </a:p>
-          <a:p>
-            <a:r>
-              <a:rPr lang="de-DE" dirty="0"/>
-              <a:t>ist das „</a:t>
+            <a:r>
+              <a:rPr lang="de-DE" dirty="0"/>
+              <a:t>Der </a:t>
             </a:r>
             <a:r>
               <a:rPr lang="de-DE" dirty="0" err="1"/>
-              <a:t>boilerplate</a:t>
-            </a:r>
-            <a:r>
-              <a:rPr lang="de-DE" dirty="0"/>
-              <a:t>“ code</a:t>
-            </a:r>
-          </a:p>
-          <a:p>
-            <a:r>
-              <a:rPr lang="de-DE" dirty="0"/>
-              <a:t>weiß man nie so genau, wohin mit diesem Code</a:t>
-            </a:r>
-          </a:p>
-          <a:p>
-            <a:r>
-              <a:rPr lang="de-DE" dirty="0"/>
-              <a:t>ist das imperativer Stil</a:t>
-            </a:r>
-          </a:p>
-          <a:p>
-            <a:endParaRPr lang="de-DE" dirty="0"/>
-          </a:p>
-          <a:p>
-            <a:pPr marL="0" indent="0">
-              <a:buNone/>
-            </a:pPr>
-            <a:r>
-              <a:rPr lang="de-DE" dirty="0"/>
-              <a:t>Was ist die Alternative?</a:t>
+              <a:t>WeatherService</a:t>
+            </a:r>
+            <a:r>
+              <a:rPr lang="de-DE" dirty="0"/>
+              <a:t> erfüllt die Anforderungen!</a:t>
+            </a:r>
+          </a:p>
+          <a:p>
+            <a:pPr lvl="1"/>
+            <a:r>
+              <a:rPr lang="de-DE" dirty="0"/>
+              <a:t>Gutes Wetter nur wenn alle Bedingungen gut sind</a:t>
+            </a:r>
+          </a:p>
+          <a:p>
+            <a:pPr lvl="1"/>
+            <a:r>
+              <a:rPr lang="de-DE" dirty="0"/>
+              <a:t>Schlechtes Wetter wenn eine Bedingung schlecht ist, es sei denn der schlechten Bedingung steht auch eine gute gegenüber, dann ist das Wetter ok</a:t>
+            </a:r>
+          </a:p>
+          <a:p>
+            <a:pPr lvl="1"/>
+            <a:r>
+              <a:rPr lang="de-DE" dirty="0"/>
+              <a:t>Sonst OK</a:t>
+            </a:r>
+          </a:p>
+          <a:p>
+            <a:r>
+              <a:rPr lang="de-DE" dirty="0"/>
+              <a:t>Schreibe alle Tests (Abdeckung 100%!)</a:t>
             </a:r>
           </a:p>
         </p:txBody>
@@ -31275,7 +32113,7 @@
     </p:spTree>
     <p:extLst>
       <p:ext uri="{BB962C8B-B14F-4D97-AF65-F5344CB8AC3E}">
-        <p14:creationId xmlns:p14="http://schemas.microsoft.com/office/powerpoint/2010/main" val="4019731852"/>
+        <p14:creationId xmlns:p14="http://schemas.microsoft.com/office/powerpoint/2010/main" val="2262921619"/>
       </p:ext>
     </p:extLst>
   </p:cSld>
@@ -31307,7 +32145,7 @@
           <p:cNvPr id="2" name="Titel 1">
             <a:extLst>
               <a:ext uri="{FF2B5EF4-FFF2-40B4-BE49-F238E27FC236}">
-                <a16:creationId xmlns:a16="http://schemas.microsoft.com/office/drawing/2014/main" id="{3714B14F-F778-47F9-AECA-3BD265256F70}"/>
+                <a16:creationId xmlns:a16="http://schemas.microsoft.com/office/drawing/2014/main" id="{29D30B30-D47B-4B67-8868-F9E1379BBCA4}"/>
               </a:ext>
             </a:extLst>
           </p:cNvPr>
@@ -31325,82 +32163,83 @@
           <a:p>
             <a:r>
               <a:rPr lang="de-DE" dirty="0"/>
-              <a:t>Definitionen</a:t>
-            </a:r>
-          </a:p>
-        </p:txBody>
-      </p:sp>
-      <p:pic>
-        <p:nvPicPr>
-          <p:cNvPr id="6" name="Grafik 5">
+              <a:t>Agenda</a:t>
+            </a:r>
+          </a:p>
+        </p:txBody>
+      </p:sp>
+      <p:sp>
+        <p:nvSpPr>
+          <p:cNvPr id="3" name="Inhaltsplatzhalter 2">
             <a:extLst>
               <a:ext uri="{FF2B5EF4-FFF2-40B4-BE49-F238E27FC236}">
-                <a16:creationId xmlns:a16="http://schemas.microsoft.com/office/drawing/2014/main" id="{CB8243E0-46FB-423D-BC02-A6A2F7FF69BD}"/>
+                <a16:creationId xmlns:a16="http://schemas.microsoft.com/office/drawing/2014/main" id="{D18E186C-19E2-4067-A219-2FA83D56C5DA}"/>
               </a:ext>
             </a:extLst>
           </p:cNvPr>
-          <p:cNvPicPr>
-            <a:picLocks noChangeAspect="1"/>
-          </p:cNvPicPr>
-          <p:nvPr/>
-        </p:nvPicPr>
-        <p:blipFill>
-          <a:blip r:embed="rId2"/>
-          <a:stretch>
-            <a:fillRect/>
-          </a:stretch>
-        </p:blipFill>
-        <p:spPr>
-          <a:xfrm>
-            <a:off x="830309" y="1378935"/>
-            <a:ext cx="7859498" cy="4739301"/>
-          </a:xfrm>
-          <a:prstGeom prst="rect">
-            <a:avLst/>
-          </a:prstGeom>
-        </p:spPr>
-      </p:pic>
-      <p:sp>
-        <p:nvSpPr>
-          <p:cNvPr id="7" name="Rechteck 6">
-            <a:extLst>
-              <a:ext uri="{FF2B5EF4-FFF2-40B4-BE49-F238E27FC236}">
-                <a16:creationId xmlns:a16="http://schemas.microsoft.com/office/drawing/2014/main" id="{18154565-C535-4196-8940-3E5569EF8193}"/>
-              </a:ext>
-            </a:extLst>
-          </p:cNvPr>
-          <p:cNvSpPr/>
-          <p:nvPr/>
-        </p:nvSpPr>
-        <p:spPr>
-          <a:xfrm>
-            <a:off x="625123" y="6087547"/>
-            <a:ext cx="10144124" cy="369332"/>
-          </a:xfrm>
-          <a:prstGeom prst="rect">
-            <a:avLst/>
-          </a:prstGeom>
-        </p:spPr>
-        <p:txBody>
-          <a:bodyPr wrap="none">
-            <a:spAutoFit/>
+          <p:cNvSpPr>
+            <a:spLocks noGrp="1"/>
+          </p:cNvSpPr>
+          <p:nvPr>
+            <p:ph idx="1"/>
+          </p:nvPr>
+        </p:nvSpPr>
+        <p:spPr/>
+        <p:txBody>
+          <a:bodyPr vert="horz" lIns="91440" tIns="45720" rIns="91440" bIns="45720" rtlCol="0" anchor="t">
+            <a:normAutofit/>
           </a:bodyPr>
           <a:lstStyle/>
           <a:p>
             <a:r>
-              <a:rPr lang="de-DE" dirty="0">
-                <a:hlinkClick r:id="rId3"/>
-              </a:rPr>
-              <a:t>https://stackoverflow.com/questions/6550700/inversion-of-control-vs-dependency-injection</a:t>
-            </a:r>
-            <a:endParaRPr lang="de-DE" dirty="0"/>
+              <a:rPr lang="de-DE" dirty="0"/>
+              <a:t>Vorstellung</a:t>
+            </a:r>
+          </a:p>
+          <a:p>
+            <a:r>
+              <a:rPr lang="de-DE" dirty="0"/>
+              <a:t>Grundlagen</a:t>
+            </a:r>
+          </a:p>
+          <a:p>
+            <a:r>
+              <a:rPr lang="de-DE" dirty="0" err="1"/>
+              <a:t>JUnit</a:t>
+            </a:r>
+            <a:r>
+              <a:rPr lang="de-DE" dirty="0"/>
+              <a:t> Framework</a:t>
+            </a:r>
+          </a:p>
+          <a:p>
+            <a:r>
+              <a:rPr lang="de-DE" dirty="0"/>
+              <a:t>Mock-Objekte mit </a:t>
+            </a:r>
+            <a:r>
+              <a:rPr lang="de-DE" dirty="0" err="1"/>
+              <a:t>Mockito</a:t>
+            </a:r>
+          </a:p>
+          <a:p>
+            <a:r>
+              <a:rPr lang="de-DE" b="1" dirty="0"/>
+              <a:t>Fortgeschrittene Möglichkeiten</a:t>
+            </a:r>
+          </a:p>
+          <a:p>
+            <a:r>
+              <a:rPr lang="de-DE" dirty="0"/>
+              <a:t>Ausblick</a:t>
+            </a:r>
           </a:p>
         </p:txBody>
       </p:sp>
     </p:spTree>
     <p:extLst>
       <p:ext uri="{BB962C8B-B14F-4D97-AF65-F5344CB8AC3E}">
-        <p14:creationId xmlns:p14="http://schemas.microsoft.com/office/powerpoint/2010/main" val="462042459"/>
+        <p14:creationId xmlns:p14="http://schemas.microsoft.com/office/powerpoint/2010/main" val="2457600702"/>
       </p:ext>
     </p:extLst>
   </p:cSld>
@@ -31432,7 +32271,7 @@
           <p:cNvPr id="2" name="Titel 1">
             <a:extLst>
               <a:ext uri="{FF2B5EF4-FFF2-40B4-BE49-F238E27FC236}">
-                <a16:creationId xmlns:a16="http://schemas.microsoft.com/office/drawing/2014/main" id="{516B0473-D8F3-DD66-A791-1A3CA1D6751F}"/>
+                <a16:creationId xmlns:a16="http://schemas.microsoft.com/office/drawing/2014/main" id="{B80959D4-BB3D-6455-EA82-41B2EDD70765}"/>
               </a:ext>
             </a:extLst>
           </p:cNvPr>
@@ -31450,8 +32289,13 @@
           <a:p>
             <a:r>
               <a:rPr lang="de-DE" dirty="0"/>
-              <a:t>Spring Boot</a:t>
-            </a:r>
+              <a:t>Spring </a:t>
+            </a:r>
+            <a:r>
+              <a:rPr lang="de-DE" dirty="0" err="1"/>
+              <a:t>History</a:t>
+            </a:r>
+            <a:endParaRPr lang="de-DE" dirty="0"/>
           </a:p>
         </p:txBody>
       </p:sp>
@@ -31460,7 +32304,7 @@
           <p:cNvPr id="3" name="Inhaltsplatzhalter 2">
             <a:extLst>
               <a:ext uri="{FF2B5EF4-FFF2-40B4-BE49-F238E27FC236}">
-                <a16:creationId xmlns:a16="http://schemas.microsoft.com/office/drawing/2014/main" id="{1AD03902-C50D-6CBB-E8EA-5E9D7EA727F9}"/>
+                <a16:creationId xmlns:a16="http://schemas.microsoft.com/office/drawing/2014/main" id="{6F64F4A6-3A2F-DA7B-8E12-003CDB818F03}"/>
               </a:ext>
             </a:extLst>
           </p:cNvPr>
@@ -31473,166 +32317,127 @@
         </p:nvSpPr>
         <p:spPr/>
         <p:txBody>
-          <a:bodyPr>
-            <a:normAutofit/>
-          </a:bodyPr>
+          <a:bodyPr/>
           <a:lstStyle/>
           <a:p>
-            <a:r>
-              <a:rPr lang="de-DE" dirty="0"/>
-              <a:t>Self-</a:t>
-            </a:r>
-            <a:r>
-              <a:rPr lang="de-DE" dirty="0" err="1"/>
-              <a:t>executable</a:t>
-            </a:r>
-            <a:r>
-              <a:rPr lang="de-DE" dirty="0"/>
-              <a:t> </a:t>
-            </a:r>
-            <a:r>
-              <a:rPr lang="de-DE" dirty="0" err="1"/>
-              <a:t>jar</a:t>
-            </a:r>
-            <a:r>
-              <a:rPr lang="de-DE" dirty="0"/>
-              <a:t> mit </a:t>
-            </a:r>
-            <a:r>
-              <a:rPr lang="de-DE" dirty="0" err="1"/>
-              <a:t>embedded</a:t>
-            </a:r>
-            <a:r>
-              <a:rPr lang="de-DE" dirty="0"/>
-              <a:t> Servlet Engine!</a:t>
-            </a:r>
-          </a:p>
-          <a:p>
-            <a:pPr lvl="1"/>
-            <a:r>
-              <a:rPr lang="de-DE" dirty="0" err="1"/>
-              <a:t>Make</a:t>
-            </a:r>
-            <a:r>
-              <a:rPr lang="de-DE" dirty="0"/>
-              <a:t> </a:t>
-            </a:r>
-            <a:r>
-              <a:rPr lang="de-DE" dirty="0" err="1"/>
-              <a:t>jar</a:t>
-            </a:r>
-            <a:r>
-              <a:rPr lang="de-DE" dirty="0"/>
-              <a:t>, not war!</a:t>
-            </a:r>
-          </a:p>
-          <a:p>
-            <a:pPr lvl="1"/>
-            <a:r>
-              <a:rPr lang="de-DE" dirty="0"/>
-              <a:t>Sehr hilfreiche Plugins (mittlerweile auch </a:t>
-            </a:r>
-            <a:r>
-              <a:rPr lang="de-DE" dirty="0" err="1"/>
-              <a:t>docker</a:t>
-            </a:r>
-            <a:r>
-              <a:rPr lang="de-DE" dirty="0"/>
-              <a:t> und native)</a:t>
-            </a:r>
-          </a:p>
-          <a:p>
-            <a:r>
-              <a:rPr lang="de-DE" dirty="0"/>
-              <a:t>Spring Boot </a:t>
-            </a:r>
-            <a:r>
-              <a:rPr lang="de-DE" dirty="0" err="1"/>
-              <a:t>Bom</a:t>
-            </a:r>
-            <a:r>
-              <a:rPr lang="de-DE" dirty="0"/>
-              <a:t> und Spring-Boot-Starter</a:t>
-            </a:r>
-          </a:p>
-          <a:p>
-            <a:pPr lvl="1"/>
-            <a:r>
-              <a:rPr lang="de-DE" dirty="0"/>
-              <a:t>Vereinfachung des Managen von Abhängigkeiten</a:t>
-            </a:r>
-          </a:p>
-          <a:p>
-            <a:r>
-              <a:rPr lang="de-DE" dirty="0"/>
-              <a:t>Auto-</a:t>
-            </a:r>
-            <a:r>
-              <a:rPr lang="de-DE" dirty="0" err="1"/>
-              <a:t>Configuration</a:t>
-            </a:r>
-            <a:r>
-              <a:rPr lang="de-DE" dirty="0"/>
-              <a:t> und „</a:t>
-            </a:r>
-            <a:r>
-              <a:rPr lang="de-DE" dirty="0" err="1"/>
-              <a:t>Opinionated</a:t>
-            </a:r>
-            <a:r>
-              <a:rPr lang="de-DE" dirty="0"/>
-              <a:t>“ Defaults</a:t>
-            </a:r>
-          </a:p>
-          <a:p>
-            <a:pPr lvl="1"/>
-            <a:r>
-              <a:rPr lang="de-DE" dirty="0"/>
-              <a:t>Sehr schnelle Ergebnisse für das Standard Set-Up</a:t>
-            </a:r>
-          </a:p>
-          <a:p>
-            <a:pPr lvl="1"/>
-            <a:r>
-              <a:rPr lang="de-DE" dirty="0"/>
-              <a:t>Convention </a:t>
-            </a:r>
-            <a:r>
-              <a:rPr lang="de-DE" dirty="0" err="1"/>
-              <a:t>over</a:t>
-            </a:r>
-            <a:r>
-              <a:rPr lang="de-DE" dirty="0"/>
-              <a:t> </a:t>
-            </a:r>
-            <a:r>
-              <a:rPr lang="de-DE" dirty="0" err="1"/>
-              <a:t>Configuration</a:t>
-            </a:r>
-            <a:endParaRPr lang="de-DE" dirty="0"/>
-          </a:p>
-          <a:p>
-            <a:r>
-              <a:rPr lang="de-DE" dirty="0"/>
-              <a:t>Externalisierte Properties</a:t>
-            </a:r>
-          </a:p>
-          <a:p>
-            <a:r>
-              <a:rPr lang="de-DE" dirty="0" err="1"/>
-              <a:t>Actuators</a:t>
-            </a:r>
-            <a:r>
-              <a:rPr lang="de-DE" dirty="0"/>
-              <a:t> als produktionsreife </a:t>
-            </a:r>
-            <a:r>
-              <a:rPr lang="de-DE" dirty="0" err="1"/>
-              <a:t>Oberservability</a:t>
-            </a:r>
-            <a:r>
-              <a:rPr lang="de-DE" dirty="0"/>
-              <a:t> Endpunkte</a:t>
+            <a:pPr algn="l"/>
+            <a:r>
+              <a:rPr lang="de-DE" b="0" i="0" dirty="0">
+                <a:solidFill>
+                  <a:srgbClr val="374151"/>
+                </a:solidFill>
+                <a:effectLst/>
+                <a:latin typeface="Söhne"/>
+              </a:rPr>
+              <a:t>Das Spring Framework wurde von Rod Johnson „erfunden“.</a:t>
+            </a:r>
+          </a:p>
+          <a:p>
+            <a:pPr algn="l"/>
+            <a:r>
+              <a:rPr lang="de-DE" b="0" i="0" dirty="0">
+                <a:solidFill>
+                  <a:srgbClr val="374151"/>
+                </a:solidFill>
+                <a:effectLst/>
+                <a:latin typeface="Söhne"/>
+              </a:rPr>
+              <a:t>Rod Johnson begann mit der Entwicklung von Spring aus seiner persönlichen Unzufriedenheit mit den damals verfügbaren Enterprise-Java-Technologien, insbesondere dem Enterprise </a:t>
+            </a:r>
+            <a:r>
+              <a:rPr lang="de-DE" b="0" i="0" dirty="0" err="1">
+                <a:solidFill>
+                  <a:srgbClr val="374151"/>
+                </a:solidFill>
+                <a:effectLst/>
+                <a:latin typeface="Söhne"/>
+              </a:rPr>
+              <a:t>JavaBeans</a:t>
+            </a:r>
+            <a:r>
+              <a:rPr lang="de-DE" b="0" i="0" dirty="0">
+                <a:solidFill>
+                  <a:srgbClr val="374151"/>
+                </a:solidFill>
+                <a:effectLst/>
+                <a:latin typeface="Söhne"/>
+              </a:rPr>
+              <a:t> (EJB) Modell. </a:t>
+            </a:r>
+          </a:p>
+          <a:p>
+            <a:pPr algn="l"/>
+            <a:r>
+              <a:rPr lang="de-DE" dirty="0">
+                <a:solidFill>
+                  <a:srgbClr val="374151"/>
+                </a:solidFill>
+                <a:latin typeface="Söhne"/>
+              </a:rPr>
+              <a:t>S</a:t>
+            </a:r>
+            <a:r>
+              <a:rPr lang="de-DE" b="0" i="0" dirty="0">
+                <a:solidFill>
+                  <a:srgbClr val="374151"/>
+                </a:solidFill>
+                <a:effectLst/>
+                <a:latin typeface="Söhne"/>
+              </a:rPr>
+              <a:t>eine Erfahrungen und Ansichten wurden in seinem Buch "Expert </a:t>
+            </a:r>
+            <a:r>
+              <a:rPr lang="de-DE" b="0" i="0" dirty="0" err="1">
+                <a:solidFill>
+                  <a:srgbClr val="374151"/>
+                </a:solidFill>
+                <a:effectLst/>
+                <a:latin typeface="Söhne"/>
+              </a:rPr>
+              <a:t>One</a:t>
+            </a:r>
+            <a:r>
+              <a:rPr lang="de-DE" b="0" i="0" dirty="0">
+                <a:solidFill>
+                  <a:srgbClr val="374151"/>
+                </a:solidFill>
+                <a:effectLst/>
+                <a:latin typeface="Söhne"/>
+              </a:rPr>
+              <a:t>-on-</a:t>
+            </a:r>
+            <a:r>
+              <a:rPr lang="de-DE" b="0" i="0" dirty="0" err="1">
+                <a:solidFill>
+                  <a:srgbClr val="374151"/>
+                </a:solidFill>
+                <a:effectLst/>
+                <a:latin typeface="Söhne"/>
+              </a:rPr>
+              <a:t>One</a:t>
+            </a:r>
+            <a:r>
+              <a:rPr lang="de-DE" b="0" i="0" dirty="0">
+                <a:solidFill>
+                  <a:srgbClr val="374151"/>
+                </a:solidFill>
+                <a:effectLst/>
+                <a:latin typeface="Söhne"/>
+              </a:rPr>
+              <a:t> J2EE Design and Development" (2002) dargelegt, in dem er auch die Konzepte vorstellte, die schließlich zum Spring Framework führen würden.</a:t>
+            </a:r>
+          </a:p>
+          <a:p>
+            <a:pPr algn="l"/>
+            <a:r>
+              <a:rPr lang="de-DE" b="0" i="0" dirty="0">
+                <a:solidFill>
+                  <a:srgbClr val="374151"/>
+                </a:solidFill>
+                <a:effectLst/>
+                <a:latin typeface="Söhne"/>
+              </a:rPr>
+              <a:t>Die Version 1.0.0 wurde 2004 veröffentlicht und startete einen Siegeszug.</a:t>
             </a:r>
           </a:p>
           <a:p>
@@ -31643,7 +32448,7 @@
     </p:spTree>
     <p:extLst>
       <p:ext uri="{BB962C8B-B14F-4D97-AF65-F5344CB8AC3E}">
-        <p14:creationId xmlns:p14="http://schemas.microsoft.com/office/powerpoint/2010/main" val="1244745629"/>
+        <p14:creationId xmlns:p14="http://schemas.microsoft.com/office/powerpoint/2010/main" val="4047767147"/>
       </p:ext>
     </p:extLst>
   </p:cSld>

--- a/JUnit_intensiv.pptx
+++ b/JUnit_intensiv.pptx
@@ -29953,19 +29953,8 @@
                 <a:ea typeface="+mn-lt"/>
                 <a:cs typeface="+mn-lt"/>
               </a:rPr>
-              <a:t>().when() – Use do avoid </a:t>
-            </a:r>
-            <a:r>
-              <a:rPr lang="en-US" sz="1600" i="1">
-                <a:ea typeface="+mn-lt"/>
-                <a:cs typeface="+mn-lt"/>
-              </a:rPr>
-              <a:t>side effects</a:t>
-            </a:r>
-            <a:endParaRPr lang="en-US" sz="1600" i="1" dirty="0">
-              <a:ea typeface="+mn-lt"/>
-              <a:cs typeface="+mn-lt"/>
-            </a:endParaRPr>
+              <a:t>().when() – Use do avoid side effects</a:t>
+            </a:r>
           </a:p>
           <a:p>
             <a:pPr>
@@ -30725,7 +30714,7 @@
           <a:bodyPr/>
           <a:lstStyle/>
           <a:p>
-            <a:endParaRPr lang="de-DE"/>
+            <a:endParaRPr lang="de-DE" dirty="0"/>
           </a:p>
         </p:txBody>
       </p:sp>
@@ -31307,6 +31296,107 @@
                 <a:ea typeface="+mn-lt"/>
                 <a:cs typeface="+mn-lt"/>
               </a:rPr>
+              <a:t>ArgumentCaptor</a:t>
+            </a:r>
+            <a:r>
+              <a:rPr lang="de-DE" sz="1400" i="1" dirty="0">
+                <a:ea typeface="+mn-lt"/>
+                <a:cs typeface="+mn-lt"/>
+              </a:rPr>
+              <a:t> – </a:t>
+            </a:r>
+            <a:r>
+              <a:rPr lang="de-DE" sz="1400" i="1" dirty="0" err="1">
+                <a:ea typeface="+mn-lt"/>
+                <a:cs typeface="+mn-lt"/>
+              </a:rPr>
+              <a:t>capture</a:t>
+            </a:r>
+            <a:r>
+              <a:rPr lang="de-DE" sz="1400" i="1" dirty="0">
+                <a:ea typeface="+mn-lt"/>
+                <a:cs typeface="+mn-lt"/>
+              </a:rPr>
+              <a:t> </a:t>
+            </a:r>
+            <a:r>
+              <a:rPr lang="de-DE" sz="1400" i="1" dirty="0" err="1">
+                <a:ea typeface="+mn-lt"/>
+                <a:cs typeface="+mn-lt"/>
+              </a:rPr>
+              <a:t>values</a:t>
+            </a:r>
+            <a:r>
+              <a:rPr lang="de-DE" sz="1400" i="1" dirty="0">
+                <a:ea typeface="+mn-lt"/>
+                <a:cs typeface="+mn-lt"/>
+              </a:rPr>
+              <a:t> </a:t>
+            </a:r>
+            <a:r>
+              <a:rPr lang="de-DE" sz="1400" i="1" dirty="0" err="1">
+                <a:ea typeface="+mn-lt"/>
+                <a:cs typeface="+mn-lt"/>
+              </a:rPr>
+              <a:t>given</a:t>
+            </a:r>
+            <a:r>
+              <a:rPr lang="de-DE" sz="1400" i="1" dirty="0">
+                <a:ea typeface="+mn-lt"/>
+                <a:cs typeface="+mn-lt"/>
+              </a:rPr>
+              <a:t> </a:t>
+            </a:r>
+            <a:r>
+              <a:rPr lang="de-DE" sz="1400" i="1" dirty="0" err="1">
+                <a:ea typeface="+mn-lt"/>
+                <a:cs typeface="+mn-lt"/>
+              </a:rPr>
+              <a:t>to</a:t>
+            </a:r>
+            <a:r>
+              <a:rPr lang="de-DE" sz="1400" i="1" dirty="0">
+                <a:ea typeface="+mn-lt"/>
+                <a:cs typeface="+mn-lt"/>
+              </a:rPr>
+              <a:t> </a:t>
+            </a:r>
+            <a:r>
+              <a:rPr lang="de-DE" sz="1400" i="1" dirty="0" err="1">
+                <a:ea typeface="+mn-lt"/>
+                <a:cs typeface="+mn-lt"/>
+              </a:rPr>
+              <a:t>the</a:t>
+            </a:r>
+            <a:r>
+              <a:rPr lang="de-DE" sz="1400" i="1" dirty="0">
+                <a:ea typeface="+mn-lt"/>
+                <a:cs typeface="+mn-lt"/>
+              </a:rPr>
+              <a:t> </a:t>
+            </a:r>
+            <a:r>
+              <a:rPr lang="de-DE" sz="1400" i="1" dirty="0" err="1">
+                <a:ea typeface="+mn-lt"/>
+                <a:cs typeface="+mn-lt"/>
+              </a:rPr>
+              <a:t>mock</a:t>
+            </a:r>
+            <a:endParaRPr lang="de-DE" sz="1400" i="1" dirty="0">
+              <a:ea typeface="+mn-lt"/>
+              <a:cs typeface="+mn-lt"/>
+            </a:endParaRPr>
+          </a:p>
+          <a:p>
+            <a:pPr lvl="1">
+              <a:buFont typeface="Wingdings 3"/>
+              <a:buChar char=""/>
+            </a:pPr>
+            <a:r>
+              <a:rPr lang="de-DE" sz="1400" i="1" dirty="0" err="1">
+                <a:ea typeface="+mn-lt"/>
+                <a:cs typeface="+mn-lt"/>
+              </a:rPr>
               <a:t>InOrder</a:t>
             </a:r>
             <a:r>
@@ -31902,7 +31992,7 @@
                 <a:ea typeface="+mn-lt"/>
                 <a:cs typeface="+mn-lt"/>
               </a:rPr>
-              <a:t>-inline </a:t>
+              <a:t> </a:t>
             </a:r>
             <a:r>
               <a:rPr lang="de-DE" sz="1600" i="1" dirty="0" err="1">
@@ -32106,6 +32196,12 @@
             <a:r>
               <a:rPr lang="de-DE" dirty="0"/>
               <a:t>Schreibe alle Tests (Abdeckung 100%!)</a:t>
+            </a:r>
+          </a:p>
+          <a:p>
+            <a:r>
+              <a:rPr lang="de-DE" dirty="0"/>
+              <a:t>Mache auch Pause! 13:45 geht es weiter</a:t>
             </a:r>
           </a:p>
         </p:txBody>
